--- a/ppt/PPT SEMPRO FADHIL.pptx
+++ b/ppt/PPT SEMPRO FADHIL.pptx
@@ -5,10 +5,10 @@
     <p:sldMasterId id="2147483648" r:id="rId4"/>
   </p:sldMasterIdLst>
   <p:notesMasterIdLst>
-    <p:notesMasterId r:id="rId21"/>
+    <p:notesMasterId r:id="rId22"/>
   </p:notesMasterIdLst>
   <p:handoutMasterIdLst>
-    <p:handoutMasterId r:id="rId22"/>
+    <p:handoutMasterId r:id="rId23"/>
   </p:handoutMasterIdLst>
   <p:sldIdLst>
     <p:sldId id="256" r:id="rId5"/>
@@ -21,12 +21,13 @@
     <p:sldId id="259" r:id="rId12"/>
     <p:sldId id="271" r:id="rId13"/>
     <p:sldId id="264" r:id="rId14"/>
-    <p:sldId id="266" r:id="rId15"/>
-    <p:sldId id="273" r:id="rId16"/>
-    <p:sldId id="267" r:id="rId17"/>
-    <p:sldId id="270" r:id="rId18"/>
-    <p:sldId id="276" r:id="rId19"/>
-    <p:sldId id="275" r:id="rId20"/>
+    <p:sldId id="277" r:id="rId15"/>
+    <p:sldId id="266" r:id="rId16"/>
+    <p:sldId id="273" r:id="rId17"/>
+    <p:sldId id="267" r:id="rId18"/>
+    <p:sldId id="270" r:id="rId19"/>
+    <p:sldId id="276" r:id="rId20"/>
+    <p:sldId id="275" r:id="rId21"/>
   </p:sldIdLst>
   <p:sldSz cx="12192000" cy="6858000"/>
   <p:notesSz cx="6858000" cy="9144000"/>
@@ -244,7 +245,7 @@
             <a:pPr rtl="0"/>
             <a:fld id="{AB1BF87F-531B-4BDC-A663-C6A67C7BEC47}" type="datetime1">
               <a:rPr lang="id-ID" smtClean="0"/>
-              <a:t>18/07/2025</a:t>
+              <a:t>28/07/2025</a:t>
             </a:fld>
             <a:endParaRPr lang="id-ID" dirty="0"/>
           </a:p>
@@ -425,7 +426,7 @@
             <a:fld id="{7B08E6FE-7462-41B9-93AA-C863C0ADF1B6}" type="datetime1">
               <a:rPr lang="id-ID" smtClean="0"/>
               <a:pPr/>
-              <a:t>18/07/2025</a:t>
+              <a:t>28/07/2025</a:t>
             </a:fld>
             <a:endParaRPr lang="id-ID" dirty="0"/>
           </a:p>
@@ -966,7 +967,13 @@
   <p:cSld>
     <p:spTree>
       <p:nvGrpSpPr>
-        <p:cNvPr id="1" name=""/>
+        <p:cNvPr id="1" name="">
+          <a:extLst>
+            <a:ext uri="{FF2B5EF4-FFF2-40B4-BE49-F238E27FC236}">
+              <a16:creationId xmlns:a16="http://schemas.microsoft.com/office/drawing/2014/main" id="{750CE7C0-8485-8FB6-E5B2-19CC6B45686B}"/>
+            </a:ext>
+          </a:extLst>
+        </p:cNvPr>
         <p:cNvGrpSpPr/>
         <p:nvPr/>
       </p:nvGrpSpPr>
@@ -980,7 +987,13 @@
       </p:grpSpPr>
       <p:sp>
         <p:nvSpPr>
-          <p:cNvPr id="2" name="Tampungan Gambar Slide 1"/>
+          <p:cNvPr id="2" name="Tampungan Gambar Slide 1">
+            <a:extLst>
+              <a:ext uri="{FF2B5EF4-FFF2-40B4-BE49-F238E27FC236}">
+                <a16:creationId xmlns:a16="http://schemas.microsoft.com/office/drawing/2014/main" id="{E19CFBF1-15A7-5650-F008-D8C9767CB23A}"/>
+              </a:ext>
+            </a:extLst>
+          </p:cNvPr>
           <p:cNvSpPr>
             <a:spLocks noGrp="1" noRot="1" noChangeAspect="1"/>
           </p:cNvSpPr>
@@ -992,7 +1005,13 @@
       </p:sp>
       <p:sp>
         <p:nvSpPr>
-          <p:cNvPr id="3" name="Tampungan Catatan 2"/>
+          <p:cNvPr id="3" name="Tampungan Catatan 2">
+            <a:extLst>
+              <a:ext uri="{FF2B5EF4-FFF2-40B4-BE49-F238E27FC236}">
+                <a16:creationId xmlns:a16="http://schemas.microsoft.com/office/drawing/2014/main" id="{31A8D515-7FEB-4CB3-92A8-ABE517A49D2E}"/>
+              </a:ext>
+            </a:extLst>
+          </p:cNvPr>
           <p:cNvSpPr>
             <a:spLocks noGrp="1"/>
           </p:cNvSpPr>
@@ -1011,7 +1030,13 @@
       </p:sp>
       <p:sp>
         <p:nvSpPr>
-          <p:cNvPr id="4" name="Tampungan Nomor Slide 3"/>
+          <p:cNvPr id="4" name="Tampungan Nomor Slide 3">
+            <a:extLst>
+              <a:ext uri="{FF2B5EF4-FFF2-40B4-BE49-F238E27FC236}">
+                <a16:creationId xmlns:a16="http://schemas.microsoft.com/office/drawing/2014/main" id="{42551A57-F930-238C-7531-04329F3790D1}"/>
+              </a:ext>
+            </a:extLst>
+          </p:cNvPr>
           <p:cNvSpPr>
             <a:spLocks noGrp="1"/>
           </p:cNvSpPr>
@@ -1036,7 +1061,7 @@
     </p:spTree>
     <p:extLst>
       <p:ext uri="{BB962C8B-B14F-4D97-AF65-F5344CB8AC3E}">
-        <p14:creationId xmlns:p14="http://schemas.microsoft.com/office/powerpoint/2010/main" val="1470767662"/>
+        <p14:creationId xmlns:p14="http://schemas.microsoft.com/office/powerpoint/2010/main" val="3192030204"/>
       </p:ext>
     </p:extLst>
   </p:cSld>
@@ -1121,7 +1146,7 @@
     </p:spTree>
     <p:extLst>
       <p:ext uri="{BB962C8B-B14F-4D97-AF65-F5344CB8AC3E}">
-        <p14:creationId xmlns:p14="http://schemas.microsoft.com/office/powerpoint/2010/main" val="3293267610"/>
+        <p14:creationId xmlns:p14="http://schemas.microsoft.com/office/powerpoint/2010/main" val="1470767662"/>
       </p:ext>
     </p:extLst>
   </p:cSld>
@@ -1206,7 +1231,7 @@
     </p:spTree>
     <p:extLst>
       <p:ext uri="{BB962C8B-B14F-4D97-AF65-F5344CB8AC3E}">
-        <p14:creationId xmlns:p14="http://schemas.microsoft.com/office/powerpoint/2010/main" val="703596108"/>
+        <p14:creationId xmlns:p14="http://schemas.microsoft.com/office/powerpoint/2010/main" val="3293267610"/>
       </p:ext>
     </p:extLst>
   </p:cSld>
@@ -1291,6 +1316,91 @@
     </p:spTree>
     <p:extLst>
       <p:ext uri="{BB962C8B-B14F-4D97-AF65-F5344CB8AC3E}">
+        <p14:creationId xmlns:p14="http://schemas.microsoft.com/office/powerpoint/2010/main" val="703596108"/>
+      </p:ext>
+    </p:extLst>
+  </p:cSld>
+  <p:clrMapOvr>
+    <a:masterClrMapping/>
+  </p:clrMapOvr>
+</p:notes>
+</file>
+
+<file path=ppt/notesSlides/notesSlide15.xml><?xml version="1.0" encoding="utf-8"?>
+<p:notes xmlns:a="http://schemas.openxmlformats.org/drawingml/2006/main" xmlns:r="http://schemas.openxmlformats.org/officeDocument/2006/relationships" xmlns:p="http://schemas.openxmlformats.org/presentationml/2006/main">
+  <p:cSld>
+    <p:spTree>
+      <p:nvGrpSpPr>
+        <p:cNvPr id="1" name=""/>
+        <p:cNvGrpSpPr/>
+        <p:nvPr/>
+      </p:nvGrpSpPr>
+      <p:grpSpPr>
+        <a:xfrm>
+          <a:off x="0" y="0"/>
+          <a:ext cx="0" cy="0"/>
+          <a:chOff x="0" y="0"/>
+          <a:chExt cx="0" cy="0"/>
+        </a:xfrm>
+      </p:grpSpPr>
+      <p:sp>
+        <p:nvSpPr>
+          <p:cNvPr id="2" name="Tampungan Gambar Slide 1"/>
+          <p:cNvSpPr>
+            <a:spLocks noGrp="1" noRot="1" noChangeAspect="1"/>
+          </p:cNvSpPr>
+          <p:nvPr>
+            <p:ph type="sldImg"/>
+          </p:nvPr>
+        </p:nvSpPr>
+        <p:spPr/>
+      </p:sp>
+      <p:sp>
+        <p:nvSpPr>
+          <p:cNvPr id="3" name="Tampungan Catatan 2"/>
+          <p:cNvSpPr>
+            <a:spLocks noGrp="1"/>
+          </p:cNvSpPr>
+          <p:nvPr>
+            <p:ph type="body" idx="1"/>
+          </p:nvPr>
+        </p:nvSpPr>
+        <p:spPr/>
+        <p:txBody>
+          <a:bodyPr/>
+          <a:lstStyle/>
+          <a:p>
+            <a:endParaRPr lang="id-ID" noProof="0" dirty="0"/>
+          </a:p>
+        </p:txBody>
+      </p:sp>
+      <p:sp>
+        <p:nvSpPr>
+          <p:cNvPr id="4" name="Tampungan Nomor Slide 3"/>
+          <p:cNvSpPr>
+            <a:spLocks noGrp="1"/>
+          </p:cNvSpPr>
+          <p:nvPr>
+            <p:ph type="sldNum" sz="quarter" idx="5"/>
+          </p:nvPr>
+        </p:nvSpPr>
+        <p:spPr/>
+        <p:txBody>
+          <a:bodyPr/>
+          <a:lstStyle/>
+          <a:p>
+            <a:pPr rtl="0"/>
+            <a:fld id="{F97DC217-DF71-1A49-B3EA-559F1F43B0FF}" type="slidenum">
+              <a:rPr lang="id-ID" smtClean="0"/>
+              <a:t>15</a:t>
+            </a:fld>
+            <a:endParaRPr lang="id-ID"/>
+          </a:p>
+        </p:txBody>
+      </p:sp>
+    </p:spTree>
+    <p:extLst>
+      <p:ext uri="{BB962C8B-B14F-4D97-AF65-F5344CB8AC3E}">
         <p14:creationId xmlns:p14="http://schemas.microsoft.com/office/powerpoint/2010/main" val="489342786"/>
       </p:ext>
     </p:extLst>
@@ -1301,7 +1411,7 @@
 </p:notes>
 </file>
 
-<file path=ppt/notesSlides/notesSlide15.xml><?xml version="1.0" encoding="utf-8"?>
+<file path=ppt/notesSlides/notesSlide16.xml><?xml version="1.0" encoding="utf-8"?>
 <p:notes xmlns:a="http://schemas.openxmlformats.org/drawingml/2006/main" xmlns:r="http://schemas.openxmlformats.org/officeDocument/2006/relationships" xmlns:p="http://schemas.openxmlformats.org/presentationml/2006/main">
   <p:cSld>
     <p:spTree>
@@ -1391,7 +1501,7 @@
             <a:pPr rtl="0"/>
             <a:fld id="{F97DC217-DF71-1A49-B3EA-559F1F43B0FF}" type="slidenum">
               <a:rPr lang="id-ID" smtClean="0"/>
-              <a:t>15</a:t>
+              <a:t>16</a:t>
             </a:fld>
             <a:endParaRPr lang="id-ID"/>
           </a:p>
@@ -1410,7 +1520,7 @@
 </p:notes>
 </file>
 
-<file path=ppt/notesSlides/notesSlide16.xml><?xml version="1.0" encoding="utf-8"?>
+<file path=ppt/notesSlides/notesSlide17.xml><?xml version="1.0" encoding="utf-8"?>
 <p:notes xmlns:a="http://schemas.openxmlformats.org/drawingml/2006/main" xmlns:r="http://schemas.openxmlformats.org/officeDocument/2006/relationships" xmlns:p="http://schemas.openxmlformats.org/presentationml/2006/main">
   <p:cSld>
     <p:spTree>
@@ -1476,7 +1586,7 @@
             <a:pPr rtl="0"/>
             <a:fld id="{F97DC217-DF71-1A49-B3EA-559F1F43B0FF}" type="slidenum">
               <a:rPr lang="id-ID" smtClean="0"/>
-              <a:t>16</a:t>
+              <a:t>17</a:t>
             </a:fld>
             <a:endParaRPr lang="id-ID"/>
           </a:p>
@@ -3567,7 +3677,7 @@
             <a:pPr rtl="0"/>
             <a:fld id="{5FB06667-F309-4D31-9192-FA935AFD6E2C}" type="datetime1">
               <a:rPr lang="id-ID" noProof="0" smtClean="0"/>
-              <a:t>18/07/2025</a:t>
+              <a:t>28/07/2025</a:t>
             </a:fld>
             <a:endParaRPr lang="id-ID" noProof="0"/>
           </a:p>
@@ -4454,7 +4564,7 @@
             <a:pPr rtl="0"/>
             <a:fld id="{864F080E-00EF-45FB-879B-543FC5219789}" type="datetime1">
               <a:rPr lang="id-ID" noProof="0" smtClean="0"/>
-              <a:t>18/07/2025</a:t>
+              <a:t>28/07/2025</a:t>
             </a:fld>
             <a:endParaRPr lang="id-ID" noProof="0"/>
           </a:p>
@@ -5630,7 +5740,7 @@
             <a:pPr rtl="0"/>
             <a:fld id="{FED39403-5B82-4458-B314-3455B2B980C6}" type="datetime1">
               <a:rPr lang="id-ID" noProof="0" smtClean="0"/>
-              <a:t>18/07/2025</a:t>
+              <a:t>28/07/2025</a:t>
             </a:fld>
             <a:endParaRPr lang="id-ID" noProof="0"/>
           </a:p>
@@ -7709,7 +7819,7 @@
             <a:pPr rtl="0"/>
             <a:fld id="{51A9B3F0-40B4-402B-BD3D-2ECBD63B1A7A}" type="datetime1">
               <a:rPr lang="id-ID" noProof="0" smtClean="0"/>
-              <a:t>18/07/2025</a:t>
+              <a:t>28/07/2025</a:t>
             </a:fld>
             <a:endParaRPr lang="id-ID" noProof="0"/>
           </a:p>
@@ -8430,7 +8540,7 @@
             <a:pPr rtl="0"/>
             <a:fld id="{C66938A1-13E2-4EB3-A9CB-9E58C4A52052}" type="datetime1">
               <a:rPr lang="id-ID" noProof="0" smtClean="0"/>
-              <a:t>18/07/2025</a:t>
+              <a:t>28/07/2025</a:t>
             </a:fld>
             <a:endParaRPr lang="id-ID" noProof="0"/>
           </a:p>
@@ -9662,7 +9772,7 @@
             <a:pPr rtl="0"/>
             <a:fld id="{8E39C280-D1CE-4C14-BB73-A42EFC7AA47C}" type="datetime1">
               <a:rPr lang="id-ID" noProof="0" smtClean="0"/>
-              <a:t>18/07/2025</a:t>
+              <a:t>28/07/2025</a:t>
             </a:fld>
             <a:endParaRPr lang="id-ID" noProof="0"/>
           </a:p>
@@ -10256,7 +10366,7 @@
             <a:pPr rtl="0"/>
             <a:fld id="{7CF46B1F-6981-4F1A-BBFE-32021A818C89}" type="datetime1">
               <a:rPr lang="id-ID" noProof="0" smtClean="0"/>
-              <a:t>18/07/2025</a:t>
+              <a:t>28/07/2025</a:t>
             </a:fld>
             <a:endParaRPr lang="id-ID" noProof="0"/>
           </a:p>
@@ -10732,7 +10842,7 @@
             <a:pPr rtl="0"/>
             <a:fld id="{84E9CC79-66B9-422C-A06E-4D4DCD64D4AF}" type="datetime1">
               <a:rPr lang="id-ID" noProof="0" smtClean="0"/>
-              <a:t>18/07/2025</a:t>
+              <a:t>28/07/2025</a:t>
             </a:fld>
             <a:endParaRPr lang="id-ID" noProof="0"/>
           </a:p>
@@ -11589,7 +11699,7 @@
             <a:pPr rtl="0"/>
             <a:fld id="{7B48DF3E-AD03-4E2F-9529-7FF1401E86D2}" type="datetime1">
               <a:rPr lang="id-ID" noProof="0" smtClean="0"/>
-              <a:t>18/07/2025</a:t>
+              <a:t>28/07/2025</a:t>
             </a:fld>
             <a:endParaRPr lang="id-ID" noProof="0"/>
           </a:p>
@@ -13825,7 +13935,7 @@
             <a:pPr rtl="0"/>
             <a:fld id="{0313E8A0-0BEB-4298-AEE4-B7CCF6490583}" type="datetime1">
               <a:rPr lang="id-ID" noProof="0" smtClean="0"/>
-              <a:t>18/07/2025</a:t>
+              <a:t>28/07/2025</a:t>
             </a:fld>
             <a:endParaRPr lang="id-ID" noProof="0"/>
           </a:p>
@@ -14097,7 +14207,7 @@
             <a:pPr rtl="0"/>
             <a:fld id="{C829E6E2-2665-481C-9621-3949D48D67CF}" type="datetime1">
               <a:rPr lang="id-ID" noProof="0" smtClean="0"/>
-              <a:t>18/07/2025</a:t>
+              <a:t>28/07/2025</a:t>
             </a:fld>
             <a:endParaRPr lang="id-ID" noProof="0"/>
           </a:p>
@@ -14692,7 +14802,15 @@
             </a:r>
             <a:r>
               <a:rPr lang="id-ID" sz="2800" dirty="0"/>
-              <a:t> (XG) DALAM ANALISIS SEPAK BOLA</a:t>
+              <a:t> (</a:t>
+            </a:r>
+            <a:r>
+              <a:rPr lang="en-GB" sz="2800" dirty="0"/>
+              <a:t>x</a:t>
+            </a:r>
+            <a:r>
+              <a:rPr lang="id-ID" sz="2800" dirty="0"/>
+              <a:t>G) DALAM ANALISIS SEPAK BOLA</a:t>
             </a:r>
           </a:p>
         </p:txBody>
@@ -15565,6 +15683,412 @@
   <p:cSld>
     <p:spTree>
       <p:nvGrpSpPr>
+        <p:cNvPr id="1" name="">
+          <a:extLst>
+            <a:ext uri="{FF2B5EF4-FFF2-40B4-BE49-F238E27FC236}">
+              <a16:creationId xmlns:a16="http://schemas.microsoft.com/office/drawing/2014/main" id="{88BC9BD7-3D23-6F10-EF7E-7DC20D307928}"/>
+            </a:ext>
+          </a:extLst>
+        </p:cNvPr>
+        <p:cNvGrpSpPr/>
+        <p:nvPr/>
+      </p:nvGrpSpPr>
+      <p:grpSpPr>
+        <a:xfrm>
+          <a:off x="0" y="0"/>
+          <a:ext cx="0" cy="0"/>
+          <a:chOff x="0" y="0"/>
+          <a:chExt cx="0" cy="0"/>
+        </a:xfrm>
+      </p:grpSpPr>
+      <p:sp>
+        <p:nvSpPr>
+          <p:cNvPr id="2" name="Judul 1">
+            <a:extLst>
+              <a:ext uri="{FF2B5EF4-FFF2-40B4-BE49-F238E27FC236}">
+                <a16:creationId xmlns:a16="http://schemas.microsoft.com/office/drawing/2014/main" id="{621A8F7B-46EE-77F6-2550-6ABA371AFD50}"/>
+              </a:ext>
+            </a:extLst>
+          </p:cNvPr>
+          <p:cNvSpPr>
+            <a:spLocks noGrp="1"/>
+          </p:cNvSpPr>
+          <p:nvPr>
+            <p:ph type="title"/>
+          </p:nvPr>
+        </p:nvSpPr>
+        <p:spPr>
+          <a:xfrm>
+            <a:off x="750430" y="381000"/>
+            <a:ext cx="10678142" cy="1325563"/>
+          </a:xfrm>
+        </p:spPr>
+        <p:txBody>
+          <a:bodyPr rtlCol="0"/>
+          <a:lstStyle/>
+          <a:p>
+            <a:pPr rtl="0"/>
+            <a:r>
+              <a:rPr lang="en-GB" dirty="0" err="1"/>
+              <a:t>Landasan</a:t>
+            </a:r>
+            <a:r>
+              <a:rPr lang="en-GB" dirty="0"/>
+              <a:t> Teori</a:t>
+            </a:r>
+            <a:br>
+              <a:rPr lang="en-GB" dirty="0"/>
+            </a:br>
+            <a:r>
+              <a:rPr lang="en-GB" sz="4000" b="0" i="1" dirty="0"/>
+              <a:t>Knowledge Discovery in Databases (KDD)</a:t>
+            </a:r>
+            <a:endParaRPr lang="id-ID" dirty="0"/>
+          </a:p>
+        </p:txBody>
+      </p:sp>
+      <p:sp>
+        <p:nvSpPr>
+          <p:cNvPr id="5" name="Tampungan Nomor Slide 4">
+            <a:extLst>
+              <a:ext uri="{FF2B5EF4-FFF2-40B4-BE49-F238E27FC236}">
+                <a16:creationId xmlns:a16="http://schemas.microsoft.com/office/drawing/2014/main" id="{850C921C-D3AA-E132-ED29-DA456818059D}"/>
+              </a:ext>
+            </a:extLst>
+          </p:cNvPr>
+          <p:cNvSpPr>
+            <a:spLocks noGrp="1"/>
+          </p:cNvSpPr>
+          <p:nvPr>
+            <p:ph type="sldNum" sz="quarter" idx="27"/>
+          </p:nvPr>
+        </p:nvSpPr>
+        <p:spPr>
+          <a:xfrm>
+            <a:off x="9067800" y="6356350"/>
+            <a:ext cx="2743200" cy="365125"/>
+          </a:xfrm>
+        </p:spPr>
+        <p:txBody>
+          <a:bodyPr rtlCol="0"/>
+          <a:lstStyle/>
+          <a:p>
+            <a:pPr rtl="0"/>
+            <a:fld id="{294A09A9-5501-47C1-A89A-A340965A2BE2}" type="slidenum">
+              <a:rPr lang="id-ID" smtClean="0"/>
+              <a:pPr rtl="0"/>
+              <a:t>11</a:t>
+            </a:fld>
+            <a:endParaRPr lang="id-ID"/>
+          </a:p>
+        </p:txBody>
+      </p:sp>
+      <p:sp>
+        <p:nvSpPr>
+          <p:cNvPr id="78" name="Content Placeholder 7">
+            <a:extLst>
+              <a:ext uri="{FF2B5EF4-FFF2-40B4-BE49-F238E27FC236}">
+                <a16:creationId xmlns:a16="http://schemas.microsoft.com/office/drawing/2014/main" id="{BC596EEE-E7DA-888F-8DD6-E1A326759936}"/>
+              </a:ext>
+            </a:extLst>
+          </p:cNvPr>
+          <p:cNvSpPr txBox="1">
+            <a:spLocks/>
+          </p:cNvSpPr>
+          <p:nvPr/>
+        </p:nvSpPr>
+        <p:spPr>
+          <a:xfrm>
+            <a:off x="576258" y="1706563"/>
+            <a:ext cx="6114726" cy="2687637"/>
+          </a:xfrm>
+          <a:prstGeom prst="rect">
+            <a:avLst/>
+          </a:prstGeom>
+        </p:spPr>
+        <p:txBody>
+          <a:bodyPr/>
+          <a:lstStyle>
+            <a:lvl1pPr marL="228600" indent="-228600" algn="l" defTabSz="914400" rtl="0" eaLnBrk="1" latinLnBrk="0" hangingPunct="1">
+              <a:lnSpc>
+                <a:spcPct val="90000"/>
+              </a:lnSpc>
+              <a:spcBef>
+                <a:spcPts val="1000"/>
+              </a:spcBef>
+              <a:buFont typeface="Arial" panose="020B0604020202020204" pitchFamily="34" charset="0"/>
+              <a:buChar char="•"/>
+              <a:defRPr sz="2800" kern="1200">
+                <a:solidFill>
+                  <a:schemeClr val="tx1"/>
+                </a:solidFill>
+                <a:latin typeface="+mn-lt"/>
+                <a:ea typeface="+mn-ea"/>
+                <a:cs typeface="+mn-cs"/>
+              </a:defRPr>
+            </a:lvl1pPr>
+            <a:lvl2pPr marL="685800" indent="-228600" algn="l" defTabSz="914400" rtl="0" eaLnBrk="1" latinLnBrk="0" hangingPunct="1">
+              <a:lnSpc>
+                <a:spcPct val="90000"/>
+              </a:lnSpc>
+              <a:spcBef>
+                <a:spcPts val="500"/>
+              </a:spcBef>
+              <a:buFont typeface="Arial" panose="020B0604020202020204" pitchFamily="34" charset="0"/>
+              <a:buChar char="•"/>
+              <a:defRPr sz="2400" kern="1200">
+                <a:solidFill>
+                  <a:schemeClr val="tx1"/>
+                </a:solidFill>
+                <a:latin typeface="+mn-lt"/>
+                <a:ea typeface="+mn-ea"/>
+                <a:cs typeface="+mn-cs"/>
+              </a:defRPr>
+            </a:lvl2pPr>
+            <a:lvl3pPr marL="1143000" indent="-228600" algn="l" defTabSz="914400" rtl="0" eaLnBrk="1" latinLnBrk="0" hangingPunct="1">
+              <a:lnSpc>
+                <a:spcPct val="90000"/>
+              </a:lnSpc>
+              <a:spcBef>
+                <a:spcPts val="500"/>
+              </a:spcBef>
+              <a:buFont typeface="Arial" panose="020B0604020202020204" pitchFamily="34" charset="0"/>
+              <a:buChar char="•"/>
+              <a:defRPr sz="2000" kern="1200">
+                <a:solidFill>
+                  <a:schemeClr val="tx1"/>
+                </a:solidFill>
+                <a:latin typeface="+mn-lt"/>
+                <a:ea typeface="+mn-ea"/>
+                <a:cs typeface="+mn-cs"/>
+              </a:defRPr>
+            </a:lvl3pPr>
+            <a:lvl4pPr marL="1600200" indent="-228600" algn="l" defTabSz="914400" rtl="0" eaLnBrk="1" latinLnBrk="0" hangingPunct="1">
+              <a:lnSpc>
+                <a:spcPct val="90000"/>
+              </a:lnSpc>
+              <a:spcBef>
+                <a:spcPts val="500"/>
+              </a:spcBef>
+              <a:buFont typeface="Arial" panose="020B0604020202020204" pitchFamily="34" charset="0"/>
+              <a:buChar char="•"/>
+              <a:defRPr sz="1800" kern="1200">
+                <a:solidFill>
+                  <a:schemeClr val="tx1"/>
+                </a:solidFill>
+                <a:latin typeface="+mn-lt"/>
+                <a:ea typeface="+mn-ea"/>
+                <a:cs typeface="+mn-cs"/>
+              </a:defRPr>
+            </a:lvl4pPr>
+            <a:lvl5pPr marL="2057400" indent="-228600" algn="l" defTabSz="914400" rtl="0" eaLnBrk="1" latinLnBrk="0" hangingPunct="1">
+              <a:lnSpc>
+                <a:spcPct val="90000"/>
+              </a:lnSpc>
+              <a:spcBef>
+                <a:spcPts val="500"/>
+              </a:spcBef>
+              <a:buFont typeface="Arial" panose="020B0604020202020204" pitchFamily="34" charset="0"/>
+              <a:buChar char="•"/>
+              <a:defRPr sz="1800" kern="1200">
+                <a:solidFill>
+                  <a:schemeClr val="tx1"/>
+                </a:solidFill>
+                <a:latin typeface="+mn-lt"/>
+                <a:ea typeface="+mn-ea"/>
+                <a:cs typeface="+mn-cs"/>
+              </a:defRPr>
+            </a:lvl5pPr>
+            <a:lvl6pPr marL="2514600" indent="-228600" algn="l" defTabSz="914400" rtl="0" eaLnBrk="1" latinLnBrk="0" hangingPunct="1">
+              <a:lnSpc>
+                <a:spcPct val="90000"/>
+              </a:lnSpc>
+              <a:spcBef>
+                <a:spcPts val="500"/>
+              </a:spcBef>
+              <a:buFont typeface="Arial" panose="020B0604020202020204" pitchFamily="34" charset="0"/>
+              <a:buChar char="•"/>
+              <a:defRPr sz="1800" kern="1200">
+                <a:solidFill>
+                  <a:schemeClr val="tx1"/>
+                </a:solidFill>
+                <a:latin typeface="+mn-lt"/>
+                <a:ea typeface="+mn-ea"/>
+                <a:cs typeface="+mn-cs"/>
+              </a:defRPr>
+            </a:lvl6pPr>
+            <a:lvl7pPr marL="2971800" indent="-228600" algn="l" defTabSz="914400" rtl="0" eaLnBrk="1" latinLnBrk="0" hangingPunct="1">
+              <a:lnSpc>
+                <a:spcPct val="90000"/>
+              </a:lnSpc>
+              <a:spcBef>
+                <a:spcPts val="500"/>
+              </a:spcBef>
+              <a:buFont typeface="Arial" panose="020B0604020202020204" pitchFamily="34" charset="0"/>
+              <a:buChar char="•"/>
+              <a:defRPr sz="1800" kern="1200">
+                <a:solidFill>
+                  <a:schemeClr val="tx1"/>
+                </a:solidFill>
+                <a:latin typeface="+mn-lt"/>
+                <a:ea typeface="+mn-ea"/>
+                <a:cs typeface="+mn-cs"/>
+              </a:defRPr>
+            </a:lvl7pPr>
+            <a:lvl8pPr marL="3429000" indent="-228600" algn="l" defTabSz="914400" rtl="0" eaLnBrk="1" latinLnBrk="0" hangingPunct="1">
+              <a:lnSpc>
+                <a:spcPct val="90000"/>
+              </a:lnSpc>
+              <a:spcBef>
+                <a:spcPts val="500"/>
+              </a:spcBef>
+              <a:buFont typeface="Arial" panose="020B0604020202020204" pitchFamily="34" charset="0"/>
+              <a:buChar char="•"/>
+              <a:defRPr sz="1800" kern="1200">
+                <a:solidFill>
+                  <a:schemeClr val="tx1"/>
+                </a:solidFill>
+                <a:latin typeface="+mn-lt"/>
+                <a:ea typeface="+mn-ea"/>
+                <a:cs typeface="+mn-cs"/>
+              </a:defRPr>
+            </a:lvl8pPr>
+            <a:lvl9pPr marL="3886200" indent="-228600" algn="l" defTabSz="914400" rtl="0" eaLnBrk="1" latinLnBrk="0" hangingPunct="1">
+              <a:lnSpc>
+                <a:spcPct val="90000"/>
+              </a:lnSpc>
+              <a:spcBef>
+                <a:spcPts val="500"/>
+              </a:spcBef>
+              <a:buFont typeface="Arial" panose="020B0604020202020204" pitchFamily="34" charset="0"/>
+              <a:buChar char="•"/>
+              <a:defRPr sz="1800" kern="1200">
+                <a:solidFill>
+                  <a:schemeClr val="tx1"/>
+                </a:solidFill>
+                <a:latin typeface="+mn-lt"/>
+                <a:ea typeface="+mn-ea"/>
+                <a:cs typeface="+mn-cs"/>
+              </a:defRPr>
+            </a:lvl9pPr>
+          </a:lstStyle>
+          <a:p>
+            <a:pPr marL="457200" indent="-457200"/>
+            <a:r>
+              <a:rPr lang="id-ID" sz="2400" b="1" dirty="0"/>
+              <a:t>KDD</a:t>
+            </a:r>
+            <a:r>
+              <a:rPr lang="id-ID" sz="2400" dirty="0"/>
+              <a:t> adalah kerangka kerja sistematis yang menjadi </a:t>
+            </a:r>
+            <a:r>
+              <a:rPr lang="id-ID" sz="2400" b="1" dirty="0"/>
+              <a:t>fondasi metodologi</a:t>
+            </a:r>
+            <a:r>
+              <a:rPr lang="id-ID" sz="2400" dirty="0"/>
+              <a:t> dalam penelitian ini, yang bertujuan untuk mengekstraksi pengetahuan berharga dari data mentah.</a:t>
+            </a:r>
+            <a:endParaRPr lang="en-GB" sz="2400" dirty="0"/>
+          </a:p>
+          <a:p>
+            <a:pPr marL="457200" indent="-457200"/>
+            <a:r>
+              <a:rPr lang="fi-FI" sz="2400" dirty="0"/>
+              <a:t>Penelitian ini mengikuti lima tahapan utama dari proses KDD:</a:t>
+            </a:r>
+          </a:p>
+          <a:p>
+            <a:pPr marL="914400" lvl="1" indent="-457200"/>
+            <a:r>
+              <a:rPr lang="id-ID" sz="2000" dirty="0" err="1"/>
+              <a:t>Selection</a:t>
+            </a:r>
+            <a:endParaRPr lang="en-GB" sz="2000" dirty="0"/>
+          </a:p>
+          <a:p>
+            <a:pPr marL="914400" lvl="1" indent="-457200"/>
+            <a:r>
+              <a:rPr lang="id-ID" sz="2000" dirty="0" err="1"/>
+              <a:t>Preprocessing</a:t>
+            </a:r>
+            <a:endParaRPr lang="en-GB" sz="2000" dirty="0"/>
+          </a:p>
+          <a:p>
+            <a:pPr marL="914400" lvl="1" indent="-457200"/>
+            <a:r>
+              <a:rPr lang="id-ID" sz="2000" dirty="0" err="1"/>
+              <a:t>Transformation</a:t>
+            </a:r>
+            <a:endParaRPr lang="en-GB" sz="2000" dirty="0"/>
+          </a:p>
+          <a:p>
+            <a:pPr marL="914400" lvl="1" indent="-457200"/>
+            <a:r>
+              <a:rPr lang="id-ID" sz="2000" dirty="0"/>
+              <a:t>Data Mining</a:t>
+            </a:r>
+            <a:endParaRPr lang="en-GB" sz="2000" dirty="0"/>
+          </a:p>
+          <a:p>
+            <a:pPr marL="914400" lvl="1" indent="-457200"/>
+            <a:r>
+              <a:rPr lang="id-ID" sz="2000" dirty="0" err="1"/>
+              <a:t>Evaluation</a:t>
+            </a:r>
+            <a:endParaRPr lang="id-ID" sz="2000" dirty="0"/>
+          </a:p>
+        </p:txBody>
+      </p:sp>
+      <p:pic>
+        <p:nvPicPr>
+          <p:cNvPr id="6" name="Picture 5">
+            <a:extLst>
+              <a:ext uri="{FF2B5EF4-FFF2-40B4-BE49-F238E27FC236}">
+                <a16:creationId xmlns:a16="http://schemas.microsoft.com/office/drawing/2014/main" id="{72A4BF18-0867-E679-D6E7-4573FA5056EB}"/>
+              </a:ext>
+            </a:extLst>
+          </p:cNvPr>
+          <p:cNvPicPr>
+            <a:picLocks noChangeAspect="1"/>
+          </p:cNvPicPr>
+          <p:nvPr/>
+        </p:nvPicPr>
+        <p:blipFill>
+          <a:blip r:embed="rId3"/>
+          <a:stretch>
+            <a:fillRect/>
+          </a:stretch>
+        </p:blipFill>
+        <p:spPr>
+          <a:xfrm>
+            <a:off x="6865156" y="2188261"/>
+            <a:ext cx="5326845" cy="2840939"/>
+          </a:xfrm>
+          <a:prstGeom prst="rect">
+            <a:avLst/>
+          </a:prstGeom>
+        </p:spPr>
+      </p:pic>
+    </p:spTree>
+    <p:extLst>
+      <p:ext uri="{BB962C8B-B14F-4D97-AF65-F5344CB8AC3E}">
+        <p14:creationId xmlns:p14="http://schemas.microsoft.com/office/powerpoint/2010/main" val="2763463501"/>
+      </p:ext>
+    </p:extLst>
+  </p:cSld>
+  <p:clrMapOvr>
+    <a:masterClrMapping/>
+  </p:clrMapOvr>
+</p:sld>
+</file>
+
+<file path=ppt/slides/slide12.xml><?xml version="1.0" encoding="utf-8"?>
+<p:sld xmlns:a="http://schemas.openxmlformats.org/drawingml/2006/main" xmlns:r="http://schemas.openxmlformats.org/officeDocument/2006/relationships" xmlns:p="http://schemas.openxmlformats.org/presentationml/2006/main">
+  <p:cSld>
+    <p:spTree>
+      <p:nvGrpSpPr>
         <p:cNvPr id="1" name=""/>
         <p:cNvGrpSpPr/>
         <p:nvPr/>
@@ -15650,7 +16174,7 @@
             <a:fld id="{294A09A9-5501-47C1-A89A-A340965A2BE2}" type="slidenum">
               <a:rPr lang="id-ID" smtClean="0"/>
               <a:pPr rtl="0"/>
-              <a:t>11</a:t>
+              <a:t>12</a:t>
             </a:fld>
             <a:endParaRPr lang="id-ID"/>
           </a:p>
@@ -15671,14 +16195,14 @@
           <p:nvPr>
             <p:extLst>
               <p:ext uri="{D42A27DB-BD31-4B8C-83A1-F6EECF244321}">
-                <p14:modId xmlns:p14="http://schemas.microsoft.com/office/powerpoint/2010/main" val="4030032255"/>
+                <p14:modId xmlns:p14="http://schemas.microsoft.com/office/powerpoint/2010/main" val="3701526356"/>
               </p:ext>
             </p:extLst>
           </p:nvPr>
         </p:nvGraphicFramePr>
         <p:xfrm>
           <a:off x="806450" y="1623772"/>
-          <a:ext cx="10375900" cy="3200400"/>
+          <a:ext cx="10375900" cy="3683399"/>
         </p:xfrm>
         <a:graphic>
           <a:graphicData uri="http://schemas.openxmlformats.org/drawingml/2006/table">
@@ -15687,21 +16211,28 @@
                 <a:tableStyleId>{5C22544A-7EE6-4342-B048-85BDC9FD1C3A}</a:tableStyleId>
               </a:tblPr>
               <a:tblGrid>
-                <a:gridCol w="863600">
+                <a:gridCol w="507781">
                   <a:extLst>
                     <a:ext uri="{9D8B030D-6E8A-4147-A177-3AD203B41FA5}">
                       <a16:colId xmlns:a16="http://schemas.microsoft.com/office/drawing/2014/main" val="1318640318"/>
                     </a:ext>
                   </a:extLst>
                 </a:gridCol>
-                <a:gridCol w="2241550">
+                <a:gridCol w="2092646">
                   <a:extLst>
                     <a:ext uri="{9D8B030D-6E8A-4147-A177-3AD203B41FA5}">
                       <a16:colId xmlns:a16="http://schemas.microsoft.com/office/drawing/2014/main" val="3015719754"/>
                     </a:ext>
                   </a:extLst>
                 </a:gridCol>
-                <a:gridCol w="7270750">
+                <a:gridCol w="3259394">
+                  <a:extLst>
+                    <a:ext uri="{9D8B030D-6E8A-4147-A177-3AD203B41FA5}">
+                      <a16:colId xmlns:a16="http://schemas.microsoft.com/office/drawing/2014/main" val="2964952324"/>
+                    </a:ext>
+                  </a:extLst>
+                </a:gridCol>
+                <a:gridCol w="4516079">
                   <a:extLst>
                     <a:ext uri="{9D8B030D-6E8A-4147-A177-3AD203B41FA5}">
                       <a16:colId xmlns:a16="http://schemas.microsoft.com/office/drawing/2014/main" val="3054673178"/>
@@ -15768,6 +16299,42 @@
                           <a:cs typeface="Arial" panose="020B0604020202020204" pitchFamily="34" charset="0"/>
                         </a:rPr>
                         <a:t>Penulis</a:t>
+                      </a:r>
+                      <a:endParaRPr lang="id-ID" sz="1800" kern="100" dirty="0">
+                        <a:solidFill>
+                          <a:schemeClr val="bg1"/>
+                        </a:solidFill>
+                        <a:effectLst/>
+                        <a:latin typeface="Tenorite" panose="00000500000000000000" pitchFamily="2" charset="0"/>
+                        <a:ea typeface="Calibri" panose="020F0502020204030204" pitchFamily="34" charset="0"/>
+                        <a:cs typeface="Arial" panose="020B0604020202020204" pitchFamily="34" charset="0"/>
+                      </a:endParaRPr>
+                    </a:p>
+                  </a:txBody>
+                  <a:tcPr marL="34301" marR="34301" marT="0" marB="0" anchor="ctr"/>
+                </a:tc>
+                <a:tc>
+                  <a:txBody>
+                    <a:bodyPr/>
+                    <a:lstStyle/>
+                    <a:p>
+                      <a:pPr algn="l">
+                        <a:lnSpc>
+                          <a:spcPct val="100000"/>
+                        </a:lnSpc>
+                        <a:buNone/>
+                      </a:pPr>
+                      <a:r>
+                        <a:rPr lang="en-GB" sz="1800" kern="100" dirty="0">
+                          <a:solidFill>
+                            <a:schemeClr val="bg1"/>
+                          </a:solidFill>
+                          <a:effectLst/>
+                          <a:latin typeface="Tenorite" panose="00000500000000000000" pitchFamily="2" charset="0"/>
+                          <a:ea typeface="Calibri" panose="020F0502020204030204" pitchFamily="34" charset="0"/>
+                          <a:cs typeface="Arial" panose="020B0604020202020204" pitchFamily="34" charset="0"/>
+                        </a:rPr>
+                        <a:t>Model</a:t>
                       </a:r>
                       <a:endParaRPr lang="id-ID" sz="1800" kern="100" dirty="0">
                         <a:solidFill>
@@ -15895,6 +16462,78 @@
                           <a:effectLst/>
                         </a:rPr>
                         <a:t> (2024)</a:t>
+                      </a:r>
+                      <a:endParaRPr lang="id-ID" sz="1800" kern="100" dirty="0">
+                        <a:solidFill>
+                          <a:srgbClr val="000000"/>
+                        </a:solidFill>
+                        <a:effectLst/>
+                        <a:latin typeface="Times New Roman" panose="02020603050405020304" pitchFamily="18" charset="0"/>
+                        <a:ea typeface="Calibri" panose="020F0502020204030204" pitchFamily="34" charset="0"/>
+                        <a:cs typeface="Arial" panose="020B0604020202020204" pitchFamily="34" charset="0"/>
+                      </a:endParaRPr>
+                    </a:p>
+                  </a:txBody>
+                  <a:tcPr marL="34301" marR="34301" marT="0" marB="0" anchor="ctr"/>
+                </a:tc>
+                <a:tc>
+                  <a:txBody>
+                    <a:bodyPr/>
+                    <a:lstStyle/>
+                    <a:p>
+                      <a:pPr algn="l">
+                        <a:lnSpc>
+                          <a:spcPct val="100000"/>
+                        </a:lnSpc>
+                        <a:buNone/>
+                      </a:pPr>
+                      <a:r>
+                        <a:rPr lang="id-ID" sz="1800" i="1" kern="1200" dirty="0" err="1">
+                          <a:solidFill>
+                            <a:schemeClr val="dk1"/>
+                          </a:solidFill>
+                          <a:effectLst/>
+                          <a:latin typeface="+mn-lt"/>
+                          <a:ea typeface="+mn-ea"/>
+                          <a:cs typeface="+mn-cs"/>
+                        </a:rPr>
+                        <a:t>Random</a:t>
+                      </a:r>
+                      <a:r>
+                        <a:rPr lang="id-ID" sz="1800" i="1" kern="1200" dirty="0">
+                          <a:solidFill>
+                            <a:schemeClr val="dk1"/>
+                          </a:solidFill>
+                          <a:effectLst/>
+                          <a:latin typeface="+mn-lt"/>
+                          <a:ea typeface="+mn-ea"/>
+                          <a:cs typeface="+mn-cs"/>
+                        </a:rPr>
+                        <a:t> </a:t>
+                      </a:r>
+                      <a:r>
+                        <a:rPr lang="id-ID" sz="1800" i="1" kern="1200" dirty="0" err="1">
+                          <a:solidFill>
+                            <a:schemeClr val="dk1"/>
+                          </a:solidFill>
+                          <a:effectLst/>
+                          <a:latin typeface="+mn-lt"/>
+                          <a:ea typeface="+mn-ea"/>
+                          <a:cs typeface="+mn-cs"/>
+                        </a:rPr>
+                        <a:t>Forest</a:t>
+                      </a:r>
+                      <a:r>
+                        <a:rPr lang="id-ID" sz="1800" kern="1200" dirty="0">
+                          <a:solidFill>
+                            <a:schemeClr val="dk1"/>
+                          </a:solidFill>
+                          <a:effectLst/>
+                          <a:latin typeface="+mn-lt"/>
+                          <a:ea typeface="+mn-ea"/>
+                          <a:cs typeface="+mn-cs"/>
+                        </a:rPr>
+                        <a:t> </a:t>
                       </a:r>
                       <a:endParaRPr lang="id-ID" sz="1800" kern="100" dirty="0">
                         <a:solidFill>
@@ -16077,6 +16716,36 @@
                         <a:buNone/>
                       </a:pPr>
                       <a:r>
+                        <a:rPr lang="id-ID" sz="1800" kern="1200" dirty="0">
+                          <a:solidFill>
+                            <a:schemeClr val="dk1"/>
+                          </a:solidFill>
+                          <a:effectLst/>
+                          <a:latin typeface="+mn-lt"/>
+                          <a:ea typeface="+mn-ea"/>
+                          <a:cs typeface="+mn-cs"/>
+                        </a:rPr>
+                        <a:t>Regresi Logistik</a:t>
+                      </a:r>
+                      <a:endParaRPr lang="id-ID" sz="1800" kern="100" dirty="0">
+                        <a:effectLst/>
+                      </a:endParaRPr>
+                    </a:p>
+                  </a:txBody>
+                  <a:tcPr marL="34301" marR="34301" marT="0" marB="0" anchor="ctr"/>
+                </a:tc>
+                <a:tc>
+                  <a:txBody>
+                    <a:bodyPr/>
+                    <a:lstStyle/>
+                    <a:p>
+                      <a:pPr algn="l">
+                        <a:lnSpc>
+                          <a:spcPct val="100000"/>
+                        </a:lnSpc>
+                        <a:buNone/>
+                      </a:pPr>
+                      <a:r>
                         <a:rPr lang="id-ID" sz="1600" kern="0" dirty="0">
                           <a:effectLst/>
                         </a:rPr>
@@ -16125,29 +16794,6 @@
                       </a:r>
                       <a:endParaRPr lang="id-ID" sz="1800" kern="100" dirty="0">
                         <a:effectLst/>
-                      </a:endParaRPr>
-                    </a:p>
-                    <a:p>
-                      <a:pPr algn="l">
-                        <a:lnSpc>
-                          <a:spcPct val="100000"/>
-                        </a:lnSpc>
-                        <a:buNone/>
-                      </a:pPr>
-                      <a:r>
-                        <a:rPr lang="id-ID" sz="1600" kern="0" dirty="0">
-                          <a:effectLst/>
-                        </a:rPr>
-                        <a:t>Hasil ini menunjukkan bahwa model linier yang lebih sederhana masih bisa mencapai performa yang kuat jika diperkaya dengan fitur-fitur yang relevan dan inovatif.</a:t>
-                      </a:r>
-                      <a:endParaRPr lang="id-ID" sz="1800" kern="100" dirty="0">
-                        <a:solidFill>
-                          <a:srgbClr val="000000"/>
-                        </a:solidFill>
-                        <a:effectLst/>
-                        <a:latin typeface="Times New Roman" panose="02020603050405020304" pitchFamily="18" charset="0"/>
-                        <a:ea typeface="Calibri" panose="020F0502020204030204" pitchFamily="34" charset="0"/>
-                        <a:cs typeface="Arial" panose="020B0604020202020204" pitchFamily="34" charset="0"/>
                       </a:endParaRPr>
                     </a:p>
                   </a:txBody>
@@ -16237,6 +16883,99 @@
                         </a:rPr>
                         <a:t> (2025)</a:t>
                       </a:r>
+                      <a:endParaRPr lang="id-ID" sz="1800" kern="100" dirty="0">
+                        <a:solidFill>
+                          <a:srgbClr val="000000"/>
+                        </a:solidFill>
+                        <a:effectLst/>
+                        <a:latin typeface="Times New Roman" panose="02020603050405020304" pitchFamily="18" charset="0"/>
+                        <a:ea typeface="Calibri" panose="020F0502020204030204" pitchFamily="34" charset="0"/>
+                        <a:cs typeface="Arial" panose="020B0604020202020204" pitchFamily="34" charset="0"/>
+                      </a:endParaRPr>
+                    </a:p>
+                  </a:txBody>
+                  <a:tcPr marL="34301" marR="34301" marT="0" marB="0" anchor="ctr"/>
+                </a:tc>
+                <a:tc>
+                  <a:txBody>
+                    <a:bodyPr/>
+                    <a:lstStyle/>
+                    <a:p>
+                      <a:pPr marL="285750" indent="-285750">
+                        <a:buFont typeface="Arial" panose="020B0604020202020204" pitchFamily="34" charset="0"/>
+                        <a:buChar char="•"/>
+                      </a:pPr>
+                      <a:r>
+                        <a:rPr lang="id-ID" sz="1800" kern="1200" dirty="0">
+                          <a:solidFill>
+                            <a:schemeClr val="dk1"/>
+                          </a:solidFill>
+                          <a:effectLst/>
+                          <a:latin typeface="+mn-lt"/>
+                          <a:ea typeface="+mn-ea"/>
+                          <a:cs typeface="+mn-cs"/>
+                        </a:rPr>
+                        <a:t>Jaringan Saraf </a:t>
+                      </a:r>
+                      <a:r>
+                        <a:rPr lang="id-ID" sz="1800" kern="1200" dirty="0" err="1">
+                          <a:solidFill>
+                            <a:schemeClr val="dk1"/>
+                          </a:solidFill>
+                          <a:effectLst/>
+                          <a:latin typeface="+mn-lt"/>
+                          <a:ea typeface="+mn-ea"/>
+                          <a:cs typeface="+mn-cs"/>
+                        </a:rPr>
+                        <a:t>Konvolusional</a:t>
+                      </a:r>
+                      <a:r>
+                        <a:rPr lang="id-ID" sz="1800" kern="1200" dirty="0">
+                          <a:solidFill>
+                            <a:schemeClr val="dk1"/>
+                          </a:solidFill>
+                          <a:effectLst/>
+                          <a:latin typeface="+mn-lt"/>
+                          <a:ea typeface="+mn-ea"/>
+                          <a:cs typeface="+mn-cs"/>
+                        </a:rPr>
+                        <a:t> (CNN)</a:t>
+                      </a:r>
+                      <a:endParaRPr lang="en-GB" sz="1800" kern="1200" dirty="0">
+                        <a:solidFill>
+                          <a:schemeClr val="dk1"/>
+                        </a:solidFill>
+                        <a:effectLst/>
+                        <a:latin typeface="+mn-lt"/>
+                        <a:ea typeface="+mn-ea"/>
+                        <a:cs typeface="+mn-cs"/>
+                      </a:endParaRPr>
+                    </a:p>
+                    <a:p>
+                      <a:pPr marL="285750" indent="-285750">
+                        <a:buFont typeface="Arial" panose="020B0604020202020204" pitchFamily="34" charset="0"/>
+                        <a:buChar char="•"/>
+                      </a:pPr>
+                      <a:r>
+                        <a:rPr lang="id-ID" sz="1800" kern="1200" dirty="0">
+                          <a:solidFill>
+                            <a:schemeClr val="dk1"/>
+                          </a:solidFill>
+                          <a:effectLst/>
+                          <a:latin typeface="+mn-lt"/>
+                          <a:ea typeface="+mn-ea"/>
+                          <a:cs typeface="+mn-cs"/>
+                        </a:rPr>
+                        <a:t>Regresi Logistik</a:t>
+                      </a:r>
+                    </a:p>
+                    <a:p>
+                      <a:pPr algn="l">
+                        <a:lnSpc>
+                          <a:spcPct val="100000"/>
+                        </a:lnSpc>
+                        <a:buNone/>
+                      </a:pPr>
                       <a:endParaRPr lang="id-ID" sz="1800" kern="100" dirty="0">
                         <a:solidFill>
                           <a:srgbClr val="000000"/>
@@ -16368,7 +17107,7 @@
 </p:sld>
 </file>
 
-<file path=ppt/slides/slide12.xml><?xml version="1.0" encoding="utf-8"?>
+<file path=ppt/slides/slide13.xml><?xml version="1.0" encoding="utf-8"?>
 <p:sld xmlns:a="http://schemas.openxmlformats.org/drawingml/2006/main" xmlns:r="http://schemas.openxmlformats.org/officeDocument/2006/relationships" xmlns:p="http://schemas.openxmlformats.org/presentationml/2006/main">
   <p:cSld>
     <p:spTree>
@@ -16446,7 +17185,7 @@
             <a:pPr rtl="0"/>
             <a:fld id="{A808DD98-197B-46F5-A6AA-BDA332D7E685}" type="datetime1">
               <a:rPr lang="id-ID" smtClean="0"/>
-              <a:t>18/07/2025</a:t>
+              <a:t>28/07/2025</a:t>
             </a:fld>
             <a:endParaRPr lang="id-ID"/>
           </a:p>
@@ -16506,7 +17245,7 @@
             <a:fld id="{294A09A9-5501-47C1-A89A-A340965A2BE2}" type="slidenum">
               <a:rPr lang="id-ID" smtClean="0"/>
               <a:pPr rtl="0"/>
-              <a:t>12</a:t>
+              <a:t>13</a:t>
             </a:fld>
             <a:endParaRPr lang="id-ID"/>
           </a:p>
@@ -16568,7 +17307,7 @@
 </p:sld>
 </file>
 
-<file path=ppt/slides/slide13.xml><?xml version="1.0" encoding="utf-8"?>
+<file path=ppt/slides/slide14.xml><?xml version="1.0" encoding="utf-8"?>
 <p:sld xmlns:a="http://schemas.openxmlformats.org/drawingml/2006/main" xmlns:r="http://schemas.openxmlformats.org/officeDocument/2006/relationships" xmlns:p="http://schemas.openxmlformats.org/presentationml/2006/main">
   <p:cSld>
     <p:spTree>
@@ -16760,7 +17499,7 @@
             <a:fld id="{294A09A9-5501-47C1-A89A-A340965A2BE2}" type="slidenum">
               <a:rPr lang="id-ID" smtClean="0"/>
               <a:pPr rtl="0"/>
-              <a:t>13</a:t>
+              <a:t>14</a:t>
             </a:fld>
             <a:endParaRPr lang="id-ID"/>
           </a:p>
@@ -16822,7 +17561,7 @@
 </p:sld>
 </file>
 
-<file path=ppt/slides/slide14.xml><?xml version="1.0" encoding="utf-8"?>
+<file path=ppt/slides/slide15.xml><?xml version="1.0" encoding="utf-8"?>
 <p:sld xmlns:a="http://schemas.openxmlformats.org/drawingml/2006/main" xmlns:r="http://schemas.openxmlformats.org/officeDocument/2006/relationships" xmlns:p="http://schemas.openxmlformats.org/presentationml/2006/main">
   <p:cSld>
     <p:spTree>
@@ -16903,7 +17642,7 @@
             <a:pPr rtl="0"/>
             <a:fld id="{294A09A9-5501-47C1-A89A-A340965A2BE2}" type="slidenum">
               <a:rPr lang="id-ID" smtClean="0"/>
-              <a:t>14</a:t>
+              <a:t>15</a:t>
             </a:fld>
             <a:endParaRPr lang="id-ID" dirty="0"/>
           </a:p>
@@ -17190,7 +17929,7 @@
 </p:sld>
 </file>
 
-<file path=ppt/slides/slide15.xml><?xml version="1.0" encoding="utf-8"?>
+<file path=ppt/slides/slide16.xml><?xml version="1.0" encoding="utf-8"?>
 <p:sld xmlns:a="http://schemas.openxmlformats.org/drawingml/2006/main" xmlns:r="http://schemas.openxmlformats.org/officeDocument/2006/relationships" xmlns:p="http://schemas.openxmlformats.org/presentationml/2006/main">
   <p:cSld>
     <p:spTree>
@@ -17292,8 +18031,8 @@
               <a:buChar char="•"/>
             </a:pPr>
             <a:r>
-              <a:rPr lang="id-ID" b="1" dirty="0"/>
-              <a:t>Analisis</a:t>
+              <a:rPr lang="en-GB" b="1" dirty="0" err="1"/>
+              <a:t>Interpretasi</a:t>
             </a:r>
             <a:r>
               <a:rPr lang="en-GB" b="1" dirty="0"/>
@@ -17311,8 +18050,12 @@
               <a:buChar char="•"/>
             </a:pPr>
             <a:r>
+              <a:rPr lang="en-GB" b="1" dirty="0" err="1"/>
+              <a:t>Interpretasi</a:t>
+            </a:r>
+            <a:r>
               <a:rPr lang="id-ID" b="1" dirty="0"/>
-              <a:t>Analisis Kinerja &amp; Tolok Ukur:</a:t>
+              <a:t>:</a:t>
             </a:r>
             <a:r>
               <a:rPr lang="id-ID" dirty="0"/>
@@ -17365,7 +18108,7 @@
             <a:fld id="{294A09A9-5501-47C1-A89A-A340965A2BE2}" type="slidenum">
               <a:rPr lang="id-ID" smtClean="0"/>
               <a:pPr rtl="0"/>
-              <a:t>15</a:t>
+              <a:t>16</a:t>
             </a:fld>
             <a:endParaRPr lang="id-ID"/>
           </a:p>
@@ -17427,7 +18170,7 @@
 </p:sld>
 </file>
 
-<file path=ppt/slides/slide16.xml><?xml version="1.0" encoding="utf-8"?>
+<file path=ppt/slides/slide17.xml><?xml version="1.0" encoding="utf-8"?>
 <p:sld xmlns:a="http://schemas.openxmlformats.org/drawingml/2006/main" xmlns:r="http://schemas.openxmlformats.org/officeDocument/2006/relationships" xmlns:p="http://schemas.openxmlformats.org/presentationml/2006/main">
   <p:cSld>
     <p:spTree>
@@ -17632,7 +18375,23 @@
             </a:r>
             <a:r>
               <a:rPr lang="id-ID" dirty="0"/>
-              <a:t> adalah skor yang mengukur kualitas sebuah peluang, dengan nilai dari 0 (tidak mungkin gol) hingga 1 (pasti gol). Skor ini dihitung dengan menganalisis ribuan data tembakan sejenis untuk menjawab pertanyaan: </a:t>
+              <a:t> adalah skor yang mengukur kualitas sebuah peluang, dengan nilai </a:t>
+            </a:r>
+            <a:r>
+              <a:rPr lang="id-ID" b="1" dirty="0"/>
+              <a:t>dari</a:t>
+            </a:r>
+            <a:r>
+              <a:rPr lang="id-ID" dirty="0"/>
+              <a:t> 0 (tidak mungkin gol) </a:t>
+            </a:r>
+            <a:r>
+              <a:rPr lang="id-ID" b="1" dirty="0"/>
+              <a:t>hingga</a:t>
+            </a:r>
+            <a:r>
+              <a:rPr lang="id-ID" dirty="0"/>
+              <a:t> 1 (pasti gol). Skor ini dihitung dengan menganalisis ribuan data tembakan sejenis untuk menjawab pertanyaan: </a:t>
             </a:r>
             <a:r>
               <a:rPr lang="id-ID" i="1" dirty="0"/>
@@ -18006,7 +18765,7 @@
             <a:pPr rtl="0"/>
             <a:fld id="{70C69C4D-CAFD-4E0E-94E0-4B1709D96441}" type="datetime1">
               <a:rPr lang="id-ID" smtClean="0"/>
-              <a:t>18/07/2025</a:t>
+              <a:t>28/07/2025</a:t>
             </a:fld>
             <a:endParaRPr lang="id-ID"/>
           </a:p>
@@ -19205,8 +19964,8 @@
         </p:nvSpPr>
         <p:spPr>
           <a:xfrm>
-            <a:off x="1167492" y="1706563"/>
-            <a:ext cx="9157607" cy="3650254"/>
+            <a:off x="1167492" y="2020529"/>
+            <a:ext cx="9157607" cy="3347884"/>
           </a:xfrm>
         </p:spPr>
         <p:txBody>
@@ -19220,101 +19979,16 @@
               <a:buChar char="•"/>
             </a:pPr>
             <a:r>
-              <a:rPr lang="id-ID" sz="2400" b="1" dirty="0"/>
-              <a:t>Keterbatasan Algoritma Lama</a:t>
-            </a:r>
-            <a:endParaRPr lang="id-ID" sz="2400" dirty="0"/>
-          </a:p>
-          <a:p>
-            <a:pPr marL="800100" lvl="1" indent="-342900">
-              <a:buFont typeface="Arial" panose="020B0604020202020204" pitchFamily="34" charset="0"/>
-              <a:buChar char="•"/>
-            </a:pPr>
-            <a:r>
-              <a:rPr lang="id-ID" sz="2000" dirty="0"/>
+              <a:rPr lang="id-ID" sz="3200" dirty="0"/>
               <a:t>Model yang umum digunakan (seperti Regresi Logistik) kesulitan menangkap </a:t>
             </a:r>
             <a:r>
-              <a:rPr lang="id-ID" sz="2000" b="1" dirty="0"/>
+              <a:rPr lang="id-ID" sz="3200" b="1" dirty="0"/>
               <a:t>pola data yang kompleks (non-linear)</a:t>
             </a:r>
             <a:r>
-              <a:rPr lang="id-ID" sz="2000" dirty="0"/>
+              <a:rPr lang="id-ID" sz="3200" dirty="0"/>
               <a:t> dalam sepak bola.</a:t>
-            </a:r>
-          </a:p>
-          <a:p>
-            <a:pPr marL="800100" lvl="1" indent="-342900">
-              <a:buFont typeface="Arial" panose="020B0604020202020204" pitchFamily="34" charset="0"/>
-              <a:buChar char="•"/>
-            </a:pPr>
-            <a:r>
-              <a:rPr lang="en-GB" sz="2000" dirty="0" err="1"/>
-              <a:t>Namun</a:t>
-            </a:r>
-            <a:r>
-              <a:rPr lang="en-GB" sz="2000" dirty="0"/>
-              <a:t>, a</a:t>
-            </a:r>
-            <a:r>
-              <a:rPr lang="id-ID" sz="2000" dirty="0" err="1"/>
-              <a:t>lgoritma</a:t>
-            </a:r>
-            <a:r>
-              <a:rPr lang="id-ID" sz="2000" dirty="0"/>
-              <a:t> yang lebih </a:t>
-            </a:r>
-            <a:r>
-              <a:rPr lang="en-GB" sz="2000" dirty="0" err="1"/>
-              <a:t>baik</a:t>
-            </a:r>
-            <a:r>
-              <a:rPr lang="en-GB" sz="2000" dirty="0"/>
-              <a:t> </a:t>
-            </a:r>
-            <a:r>
-              <a:rPr lang="en-GB" sz="2000" dirty="0" err="1"/>
-              <a:t>menangkap</a:t>
-            </a:r>
-            <a:r>
-              <a:rPr lang="en-GB" sz="2000" dirty="0"/>
-              <a:t> </a:t>
-            </a:r>
-            <a:r>
-              <a:rPr lang="en-GB" sz="2000" dirty="0" err="1"/>
-              <a:t>pola</a:t>
-            </a:r>
-            <a:r>
-              <a:rPr lang="en-GB" sz="2000" dirty="0"/>
-              <a:t> data non-linear</a:t>
-            </a:r>
-            <a:r>
-              <a:rPr lang="id-ID" sz="2000" dirty="0"/>
-              <a:t> </a:t>
-            </a:r>
-            <a:r>
-              <a:rPr lang="id-ID" sz="2000" dirty="0" err="1"/>
-              <a:t>seringkali</a:t>
-            </a:r>
-            <a:r>
-              <a:rPr lang="id-ID" sz="2000" dirty="0"/>
-              <a:t> </a:t>
-            </a:r>
-            <a:r>
-              <a:rPr lang="id-ID" sz="2000" b="1" dirty="0"/>
-              <a:t>tidak efisien</a:t>
-            </a:r>
-            <a:r>
-              <a:rPr lang="id-ID" sz="2000" dirty="0"/>
-              <a:t> dan </a:t>
-            </a:r>
-            <a:r>
-              <a:rPr lang="id-ID" sz="2000" b="1" dirty="0"/>
-              <a:t>lambat</a:t>
-            </a:r>
-            <a:r>
-              <a:rPr lang="id-ID" sz="2000" dirty="0"/>
-              <a:t> saat dihadapkan pada volume data yang besar.</a:t>
             </a:r>
           </a:p>
           <a:p>
@@ -19323,77 +19997,73 @@
               <a:buChar char="•"/>
             </a:pPr>
             <a:r>
-              <a:rPr lang="id-ID" sz="2400" b="1" dirty="0"/>
-              <a:t>Kebutuhan Model yang Optimal</a:t>
-            </a:r>
-            <a:endParaRPr lang="id-ID" sz="2400" dirty="0"/>
-          </a:p>
-          <a:p>
-            <a:pPr marL="800100" lvl="1" indent="-342900">
-              <a:buFont typeface="Arial" panose="020B0604020202020204" pitchFamily="34" charset="0"/>
-              <a:buChar char="•"/>
-            </a:pPr>
-            <a:r>
-              <a:rPr lang="id-ID" sz="2000" dirty="0"/>
-              <a:t>Dibutuhkan sebuah model yang mampu mengolah data </a:t>
-            </a:r>
-            <a:r>
-              <a:rPr lang="en-GB" sz="2000" dirty="0"/>
-              <a:t>non-linear </a:t>
-            </a:r>
-            <a:r>
-              <a:rPr lang="en-GB" sz="2000" dirty="0" err="1"/>
-              <a:t>sepak</a:t>
-            </a:r>
-            <a:r>
-              <a:rPr lang="en-GB" sz="2000" dirty="0"/>
-              <a:t> bola </a:t>
-            </a:r>
-            <a:r>
-              <a:rPr lang="id-ID" sz="2000" dirty="0"/>
-              <a:t>secara </a:t>
-            </a:r>
-            <a:r>
-              <a:rPr lang="id-ID" sz="2000" b="1" dirty="0"/>
-              <a:t>akurat</a:t>
-            </a:r>
-            <a:r>
-              <a:rPr lang="id-ID" sz="2000" dirty="0"/>
+              <a:rPr lang="en-GB" sz="3200" dirty="0" err="1"/>
+              <a:t>Namun</a:t>
+            </a:r>
+            <a:r>
+              <a:rPr lang="en-GB" sz="3200" dirty="0"/>
+              <a:t>, a</a:t>
+            </a:r>
+            <a:r>
+              <a:rPr lang="id-ID" sz="3200" dirty="0" err="1"/>
+              <a:t>lgoritma</a:t>
+            </a:r>
+            <a:r>
+              <a:rPr lang="id-ID" sz="3200" dirty="0"/>
+              <a:t> yang lebih </a:t>
+            </a:r>
+            <a:r>
+              <a:rPr lang="en-GB" sz="3200" dirty="0" err="1"/>
+              <a:t>baik</a:t>
+            </a:r>
+            <a:r>
+              <a:rPr lang="en-GB" sz="3200" dirty="0"/>
+              <a:t> </a:t>
+            </a:r>
+            <a:r>
+              <a:rPr lang="en-GB" sz="3200" dirty="0" err="1"/>
+              <a:t>menangkap</a:t>
+            </a:r>
+            <a:r>
+              <a:rPr lang="en-GB" sz="3200" dirty="0"/>
+              <a:t> </a:t>
+            </a:r>
+            <a:r>
+              <a:rPr lang="en-GB" sz="3200" dirty="0" err="1"/>
+              <a:t>pola</a:t>
+            </a:r>
+            <a:r>
+              <a:rPr lang="en-GB" sz="3200" dirty="0"/>
+              <a:t> data non-linear</a:t>
+            </a:r>
+            <a:r>
+              <a:rPr lang="id-ID" sz="3200" dirty="0"/>
+              <a:t> </a:t>
+            </a:r>
+            <a:r>
+              <a:rPr lang="id-ID" sz="3200" dirty="0" err="1"/>
+              <a:t>seringkali</a:t>
+            </a:r>
+            <a:r>
+              <a:rPr lang="id-ID" sz="3200" dirty="0"/>
+              <a:t> </a:t>
+            </a:r>
+            <a:r>
+              <a:rPr lang="id-ID" sz="3200" b="1" dirty="0"/>
+              <a:t>tidak efisien</a:t>
+            </a:r>
+            <a:r>
+              <a:rPr lang="id-ID" sz="3200" dirty="0"/>
               <a:t> dan </a:t>
             </a:r>
             <a:r>
-              <a:rPr lang="id-ID" sz="2000" b="1" dirty="0"/>
-              <a:t>cepat</a:t>
-            </a:r>
-            <a:r>
-              <a:rPr lang="id-ID" sz="2000" dirty="0"/>
-              <a:t>.</a:t>
-            </a:r>
-          </a:p>
-          <a:p>
-            <a:pPr marL="800100" lvl="1" indent="-342900">
-              <a:buFont typeface="Arial" panose="020B0604020202020204" pitchFamily="34" charset="0"/>
-              <a:buChar char="•"/>
-            </a:pPr>
-            <a:r>
-              <a:rPr lang="id-ID" sz="2000" dirty="0"/>
-              <a:t>Performa model ini harus dapat diukur secara komprehensif, tidak hanya dari akurasi, tetapi juga dari </a:t>
-            </a:r>
-            <a:r>
-              <a:rPr lang="id-ID" sz="2000" b="1" dirty="0"/>
-              <a:t>efisiensi waktu komputasi</a:t>
-            </a:r>
-            <a:r>
-              <a:rPr lang="id-ID" sz="2000" dirty="0"/>
-              <a:t>.</a:t>
-            </a:r>
-          </a:p>
-          <a:p>
-            <a:pPr marL="342900" indent="-342900" rtl="0">
-              <a:buFont typeface="Arial" panose="020B0604020202020204" pitchFamily="34" charset="0"/>
-              <a:buChar char="•"/>
-            </a:pPr>
-            <a:endParaRPr lang="id-ID" sz="2400" dirty="0"/>
+              <a:rPr lang="id-ID" sz="3200" b="1" dirty="0"/>
+              <a:t>lambat</a:t>
+            </a:r>
+            <a:r>
+              <a:rPr lang="id-ID" sz="3200" dirty="0"/>
+              <a:t> saat dihadapkan pada volume data yang besar.</a:t>
+            </a:r>
           </a:p>
         </p:txBody>
       </p:sp>
@@ -19587,7 +20257,7 @@
             </a:pPr>
             <a:r>
               <a:rPr lang="pt-BR" sz="4000" dirty="0"/>
-              <a:t>Seberapa efisien LightGBM dalam memproses data xG?</a:t>
+              <a:t>Seberapa efisien LightGBM dalam memproses data untuk prediksi xG?</a:t>
             </a:r>
             <a:endParaRPr lang="id-ID" sz="4000" dirty="0"/>
           </a:p>
@@ -19691,7 +20361,7 @@
             <a:pPr rtl="0"/>
             <a:fld id="{423EE75F-42B8-4E1A-83C6-1B72B3C0E408}" type="datetime1">
               <a:rPr lang="id-ID" smtClean="0"/>
-              <a:t>18/07/2025</a:t>
+              <a:t>28/07/2025</a:t>
             </a:fld>
             <a:endParaRPr lang="id-ID"/>
           </a:p>
@@ -20667,7 +21337,15 @@
           <a:p>
             <a:r>
               <a:rPr lang="en-GB" sz="4000" b="0" i="1" dirty="0"/>
-              <a:t>Expected Goals</a:t>
+              <a:t>Expected Goals (</a:t>
+            </a:r>
+            <a:r>
+              <a:rPr lang="en-GB" sz="4000" b="0" i="1" dirty="0" err="1"/>
+              <a:t>xG</a:t>
+            </a:r>
+            <a:r>
+              <a:rPr lang="en-GB" sz="4000" b="0" i="1" dirty="0"/>
+              <a:t>)</a:t>
             </a:r>
             <a:endParaRPr lang="id-ID" sz="4000" b="0" i="1" dirty="0"/>
           </a:p>
@@ -21519,6 +22197,15 @@
 </file>
 
 <file path=customXml/item1.xml><?xml version="1.0" encoding="utf-8"?>
+<?mso-contentType ?>
+<FormTemplates xmlns="http://schemas.microsoft.com/sharepoint/v3/contenttype/forms">
+  <Display>DocumentLibraryForm</Display>
+  <Edit>DocumentLibraryForm</Edit>
+  <New>DocumentLibraryForm</New>
+</FormTemplates>
+</file>
+
+<file path=customXml/item2.xml><?xml version="1.0" encoding="utf-8"?>
 <p:properties xmlns:p="http://schemas.microsoft.com/office/2006/metadata/properties" xmlns:xsi="http://www.w3.org/2001/XMLSchema-instance" xmlns:pc="http://schemas.microsoft.com/office/infopath/2007/PartnerControls">
   <documentManagement>
     <_ip_UnifiedCompliancePolicyUIAction xmlns="http://schemas.microsoft.com/sharepoint/v3" xsi:nil="true"/>
@@ -21535,15 +22222,6 @@
     <MediaServiceKeyPoints xmlns="71af3243-3dd4-4a8d-8c0d-dd76da1f02a5" xsi:nil="true"/>
   </documentManagement>
 </p:properties>
-</file>
-
-<file path=customXml/item2.xml><?xml version="1.0" encoding="utf-8"?>
-<?mso-contentType ?>
-<FormTemplates xmlns="http://schemas.microsoft.com/sharepoint/v3/contenttype/forms">
-  <Display>DocumentLibraryForm</Display>
-  <Edit>DocumentLibraryForm</Edit>
-  <New>DocumentLibraryForm</New>
-</FormTemplates>
 </file>
 
 <file path=customXml/item3.xml><?xml version="1.0" encoding="utf-8"?>
@@ -21829,6 +22507,14 @@
 </file>
 
 <file path=customXml/itemProps1.xml><?xml version="1.0" encoding="utf-8"?>
+<ds:datastoreItem xmlns:ds="http://schemas.openxmlformats.org/officeDocument/2006/customXml" ds:itemID="{85334180-0405-413B-834A-44FA9E05ADB7}">
+  <ds:schemaRefs>
+    <ds:schemaRef ds:uri="http://schemas.microsoft.com/sharepoint/v3/contenttype/forms"/>
+  </ds:schemaRefs>
+</ds:datastoreItem>
+</file>
+
+<file path=customXml/itemProps2.xml><?xml version="1.0" encoding="utf-8"?>
 <ds:datastoreItem xmlns:ds="http://schemas.openxmlformats.org/officeDocument/2006/customXml" ds:itemID="{4D5BAB77-79E1-4739-AA51-10C9079186D6}">
   <ds:schemaRefs>
     <ds:schemaRef ds:uri="http://schemas.microsoft.com/office/2006/metadata/properties"/>
@@ -21836,14 +22522,6 @@
     <ds:schemaRef ds:uri="http://schemas.microsoft.com/sharepoint/v3"/>
     <ds:schemaRef ds:uri="71af3243-3dd4-4a8d-8c0d-dd76da1f02a5"/>
     <ds:schemaRef ds:uri="230e9df3-be65-4c73-a93b-d1236ebd677e"/>
-  </ds:schemaRefs>
-</ds:datastoreItem>
-</file>
-
-<file path=customXml/itemProps2.xml><?xml version="1.0" encoding="utf-8"?>
-<ds:datastoreItem xmlns:ds="http://schemas.openxmlformats.org/officeDocument/2006/customXml" ds:itemID="{85334180-0405-413B-834A-44FA9E05ADB7}">
-  <ds:schemaRefs>
-    <ds:schemaRef ds:uri="http://schemas.microsoft.com/sharepoint/v3/contenttype/forms"/>
   </ds:schemaRefs>
 </ds:datastoreItem>
 </file>

--- a/ppt/PPT SEMPRO FADHIL.pptx
+++ b/ppt/PPT SEMPRO FADHIL.pptx
@@ -5,29 +5,33 @@
     <p:sldMasterId id="2147483648" r:id="rId4"/>
   </p:sldMasterIdLst>
   <p:notesMasterIdLst>
-    <p:notesMasterId r:id="rId22"/>
+    <p:notesMasterId r:id="rId26"/>
   </p:notesMasterIdLst>
   <p:handoutMasterIdLst>
-    <p:handoutMasterId r:id="rId23"/>
+    <p:handoutMasterId r:id="rId27"/>
   </p:handoutMasterIdLst>
   <p:sldIdLst>
     <p:sldId id="256" r:id="rId5"/>
-    <p:sldId id="258" r:id="rId6"/>
-    <p:sldId id="257" r:id="rId7"/>
-    <p:sldId id="261" r:id="rId8"/>
-    <p:sldId id="265" r:id="rId9"/>
-    <p:sldId id="260" r:id="rId10"/>
-    <p:sldId id="269" r:id="rId11"/>
-    <p:sldId id="259" r:id="rId12"/>
-    <p:sldId id="271" r:id="rId13"/>
-    <p:sldId id="264" r:id="rId14"/>
-    <p:sldId id="277" r:id="rId15"/>
-    <p:sldId id="266" r:id="rId16"/>
-    <p:sldId id="273" r:id="rId17"/>
-    <p:sldId id="267" r:id="rId18"/>
-    <p:sldId id="270" r:id="rId19"/>
-    <p:sldId id="276" r:id="rId20"/>
-    <p:sldId id="275" r:id="rId21"/>
+    <p:sldId id="278" r:id="rId6"/>
+    <p:sldId id="258" r:id="rId7"/>
+    <p:sldId id="257" r:id="rId8"/>
+    <p:sldId id="261" r:id="rId9"/>
+    <p:sldId id="281" r:id="rId10"/>
+    <p:sldId id="265" r:id="rId11"/>
+    <p:sldId id="260" r:id="rId12"/>
+    <p:sldId id="269" r:id="rId13"/>
+    <p:sldId id="259" r:id="rId14"/>
+    <p:sldId id="271" r:id="rId15"/>
+    <p:sldId id="280" r:id="rId16"/>
+    <p:sldId id="264" r:id="rId17"/>
+    <p:sldId id="277" r:id="rId18"/>
+    <p:sldId id="266" r:id="rId19"/>
+    <p:sldId id="273" r:id="rId20"/>
+    <p:sldId id="267" r:id="rId21"/>
+    <p:sldId id="270" r:id="rId22"/>
+    <p:sldId id="276" r:id="rId23"/>
+    <p:sldId id="279" r:id="rId24"/>
+    <p:sldId id="275" r:id="rId25"/>
   </p:sldIdLst>
   <p:sldSz cx="12192000" cy="6858000"/>
   <p:notesSz cx="6858000" cy="9144000"/>
@@ -826,101 +830,6 @@
           <a:bodyPr/>
           <a:lstStyle/>
           <a:p>
-            <a:r>
-              <a:rPr lang="id-ID" dirty="0"/>
-              <a:t>Artinya, ia secara cerdas hanya fokus mengembangkan bagian dari pohon keputusan yang paling menjanjikan untuk meningkatkan akurasi, sehingga proses pelatihan menjadi jauh lebih cepat. </a:t>
-            </a:r>
-            <a:endParaRPr lang="en-GB" dirty="0"/>
-          </a:p>
-          <a:p>
-            <a:endParaRPr lang="en-GB" noProof="0" dirty="0"/>
-          </a:p>
-          <a:p>
-            <a:pPr marL="0" lvl="0" indent="0">
-              <a:buFont typeface="Arial" panose="020B0604020202020204" pitchFamily="34" charset="0"/>
-              <a:buNone/>
-            </a:pPr>
-            <a:r>
-              <a:rPr lang="id-ID" sz="2400" b="1" dirty="0"/>
-              <a:t>GOSS (</a:t>
-            </a:r>
-            <a:r>
-              <a:rPr lang="id-ID" sz="2400" b="1" dirty="0" err="1"/>
-              <a:t>Gradient-based</a:t>
-            </a:r>
-            <a:r>
-              <a:rPr lang="id-ID" sz="2400" b="1" dirty="0"/>
-              <a:t> One-</a:t>
-            </a:r>
-            <a:r>
-              <a:rPr lang="id-ID" sz="2400" b="1" dirty="0" err="1"/>
-              <a:t>Side</a:t>
-            </a:r>
-            <a:r>
-              <a:rPr lang="id-ID" sz="2400" b="1" dirty="0"/>
-              <a:t> Sampling):</a:t>
-            </a:r>
-            <a:r>
-              <a:rPr lang="id-ID" sz="2400" dirty="0"/>
-              <a:t> Memprioritaskan data yang "sulit" diprediksi, sehingga proses belajar lebih efisien.</a:t>
-            </a:r>
-            <a:endParaRPr lang="en-GB" sz="2400" dirty="0"/>
-          </a:p>
-          <a:p>
-            <a:pPr marL="0" lvl="0" indent="0">
-              <a:buFont typeface="Arial" panose="020B0604020202020204" pitchFamily="34" charset="0"/>
-              <a:buNone/>
-            </a:pPr>
-            <a:r>
-              <a:rPr lang="id-ID" sz="2400" b="1" dirty="0"/>
-              <a:t>EFB (</a:t>
-            </a:r>
-            <a:r>
-              <a:rPr lang="id-ID" sz="2400" b="1" dirty="0" err="1"/>
-              <a:t>Exclusive</a:t>
-            </a:r>
-            <a:r>
-              <a:rPr lang="id-ID" sz="2400" b="1" dirty="0"/>
-              <a:t> </a:t>
-            </a:r>
-            <a:r>
-              <a:rPr lang="id-ID" sz="2400" b="1" dirty="0" err="1"/>
-              <a:t>Feature</a:t>
-            </a:r>
-            <a:r>
-              <a:rPr lang="id-ID" sz="2400" b="1" dirty="0"/>
-              <a:t> </a:t>
-            </a:r>
-            <a:r>
-              <a:rPr lang="id-ID" sz="2400" b="1" dirty="0" err="1"/>
-              <a:t>Bundling</a:t>
-            </a:r>
-            <a:r>
-              <a:rPr lang="id-ID" sz="2400" b="1" dirty="0"/>
-              <a:t>):</a:t>
-            </a:r>
-            <a:r>
-              <a:rPr lang="id-ID" sz="2400" dirty="0"/>
-              <a:t> Menggabungkan banyak fitur menjadi satu untuk menyederhanakan data tanpa kehilangan informasi penting. (Ke </a:t>
-            </a:r>
-            <a:r>
-              <a:rPr lang="id-ID" sz="2400" dirty="0" err="1"/>
-              <a:t>et</a:t>
-            </a:r>
-            <a:r>
-              <a:rPr lang="id-ID" sz="2400" dirty="0"/>
-              <a:t> </a:t>
-            </a:r>
-            <a:r>
-              <a:rPr lang="id-ID" sz="2400" dirty="0" err="1"/>
-              <a:t>al.</a:t>
-            </a:r>
-            <a:r>
-              <a:rPr lang="id-ID" sz="2400" dirty="0"/>
-              <a:t>, 2017).</a:t>
-            </a:r>
-          </a:p>
-          <a:p>
             <a:endParaRPr lang="id-ID" noProof="0" dirty="0"/>
           </a:p>
         </p:txBody>
@@ -952,7 +861,7 @@
     </p:spTree>
     <p:extLst>
       <p:ext uri="{BB962C8B-B14F-4D97-AF65-F5344CB8AC3E}">
-        <p14:creationId xmlns:p14="http://schemas.microsoft.com/office/powerpoint/2010/main" val="3477681250"/>
+        <p14:creationId xmlns:p14="http://schemas.microsoft.com/office/powerpoint/2010/main" val="1503017092"/>
       </p:ext>
     </p:extLst>
   </p:cSld>
@@ -963,115 +872,6 @@
 </file>
 
 <file path=ppt/notesSlides/notesSlide11.xml><?xml version="1.0" encoding="utf-8"?>
-<p:notes xmlns:a="http://schemas.openxmlformats.org/drawingml/2006/main" xmlns:r="http://schemas.openxmlformats.org/officeDocument/2006/relationships" xmlns:p="http://schemas.openxmlformats.org/presentationml/2006/main">
-  <p:cSld>
-    <p:spTree>
-      <p:nvGrpSpPr>
-        <p:cNvPr id="1" name="">
-          <a:extLst>
-            <a:ext uri="{FF2B5EF4-FFF2-40B4-BE49-F238E27FC236}">
-              <a16:creationId xmlns:a16="http://schemas.microsoft.com/office/drawing/2014/main" id="{750CE7C0-8485-8FB6-E5B2-19CC6B45686B}"/>
-            </a:ext>
-          </a:extLst>
-        </p:cNvPr>
-        <p:cNvGrpSpPr/>
-        <p:nvPr/>
-      </p:nvGrpSpPr>
-      <p:grpSpPr>
-        <a:xfrm>
-          <a:off x="0" y="0"/>
-          <a:ext cx="0" cy="0"/>
-          <a:chOff x="0" y="0"/>
-          <a:chExt cx="0" cy="0"/>
-        </a:xfrm>
-      </p:grpSpPr>
-      <p:sp>
-        <p:nvSpPr>
-          <p:cNvPr id="2" name="Tampungan Gambar Slide 1">
-            <a:extLst>
-              <a:ext uri="{FF2B5EF4-FFF2-40B4-BE49-F238E27FC236}">
-                <a16:creationId xmlns:a16="http://schemas.microsoft.com/office/drawing/2014/main" id="{E19CFBF1-15A7-5650-F008-D8C9767CB23A}"/>
-              </a:ext>
-            </a:extLst>
-          </p:cNvPr>
-          <p:cNvSpPr>
-            <a:spLocks noGrp="1" noRot="1" noChangeAspect="1"/>
-          </p:cNvSpPr>
-          <p:nvPr>
-            <p:ph type="sldImg"/>
-          </p:nvPr>
-        </p:nvSpPr>
-        <p:spPr/>
-      </p:sp>
-      <p:sp>
-        <p:nvSpPr>
-          <p:cNvPr id="3" name="Tampungan Catatan 2">
-            <a:extLst>
-              <a:ext uri="{FF2B5EF4-FFF2-40B4-BE49-F238E27FC236}">
-                <a16:creationId xmlns:a16="http://schemas.microsoft.com/office/drawing/2014/main" id="{31A8D515-7FEB-4CB3-92A8-ABE517A49D2E}"/>
-              </a:ext>
-            </a:extLst>
-          </p:cNvPr>
-          <p:cNvSpPr>
-            <a:spLocks noGrp="1"/>
-          </p:cNvSpPr>
-          <p:nvPr>
-            <p:ph type="body" idx="1"/>
-          </p:nvPr>
-        </p:nvSpPr>
-        <p:spPr/>
-        <p:txBody>
-          <a:bodyPr/>
-          <a:lstStyle/>
-          <a:p>
-            <a:endParaRPr lang="id-ID" noProof="0" dirty="0"/>
-          </a:p>
-        </p:txBody>
-      </p:sp>
-      <p:sp>
-        <p:nvSpPr>
-          <p:cNvPr id="4" name="Tampungan Nomor Slide 3">
-            <a:extLst>
-              <a:ext uri="{FF2B5EF4-FFF2-40B4-BE49-F238E27FC236}">
-                <a16:creationId xmlns:a16="http://schemas.microsoft.com/office/drawing/2014/main" id="{42551A57-F930-238C-7531-04329F3790D1}"/>
-              </a:ext>
-            </a:extLst>
-          </p:cNvPr>
-          <p:cNvSpPr>
-            <a:spLocks noGrp="1"/>
-          </p:cNvSpPr>
-          <p:nvPr>
-            <p:ph type="sldNum" sz="quarter" idx="5"/>
-          </p:nvPr>
-        </p:nvSpPr>
-        <p:spPr/>
-        <p:txBody>
-          <a:bodyPr/>
-          <a:lstStyle/>
-          <a:p>
-            <a:pPr rtl="0"/>
-            <a:fld id="{F97DC217-DF71-1A49-B3EA-559F1F43B0FF}" type="slidenum">
-              <a:rPr lang="id-ID" smtClean="0"/>
-              <a:t>11</a:t>
-            </a:fld>
-            <a:endParaRPr lang="id-ID"/>
-          </a:p>
-        </p:txBody>
-      </p:sp>
-    </p:spTree>
-    <p:extLst>
-      <p:ext uri="{BB962C8B-B14F-4D97-AF65-F5344CB8AC3E}">
-        <p14:creationId xmlns:p14="http://schemas.microsoft.com/office/powerpoint/2010/main" val="3192030204"/>
-      </p:ext>
-    </p:extLst>
-  </p:cSld>
-  <p:clrMapOvr>
-    <a:masterClrMapping/>
-  </p:clrMapOvr>
-</p:notes>
-</file>
-
-<file path=ppt/notesSlides/notesSlide12.xml><?xml version="1.0" encoding="utf-8"?>
 <p:notes xmlns:a="http://schemas.openxmlformats.org/drawingml/2006/main" xmlns:r="http://schemas.openxmlformats.org/officeDocument/2006/relationships" xmlns:p="http://schemas.openxmlformats.org/presentationml/2006/main">
   <p:cSld>
     <p:spTree>
@@ -1137,6 +937,115 @@
             <a:pPr rtl="0"/>
             <a:fld id="{F97DC217-DF71-1A49-B3EA-559F1F43B0FF}" type="slidenum">
               <a:rPr lang="id-ID" smtClean="0"/>
+              <a:t>11</a:t>
+            </a:fld>
+            <a:endParaRPr lang="id-ID"/>
+          </a:p>
+        </p:txBody>
+      </p:sp>
+    </p:spTree>
+    <p:extLst>
+      <p:ext uri="{BB962C8B-B14F-4D97-AF65-F5344CB8AC3E}">
+        <p14:creationId xmlns:p14="http://schemas.microsoft.com/office/powerpoint/2010/main" val="637688276"/>
+      </p:ext>
+    </p:extLst>
+  </p:cSld>
+  <p:clrMapOvr>
+    <a:masterClrMapping/>
+  </p:clrMapOvr>
+</p:notes>
+</file>
+
+<file path=ppt/notesSlides/notesSlide12.xml><?xml version="1.0" encoding="utf-8"?>
+<p:notes xmlns:a="http://schemas.openxmlformats.org/drawingml/2006/main" xmlns:r="http://schemas.openxmlformats.org/officeDocument/2006/relationships" xmlns:p="http://schemas.openxmlformats.org/presentationml/2006/main">
+  <p:cSld>
+    <p:spTree>
+      <p:nvGrpSpPr>
+        <p:cNvPr id="1" name="">
+          <a:extLst>
+            <a:ext uri="{FF2B5EF4-FFF2-40B4-BE49-F238E27FC236}">
+              <a16:creationId xmlns:a16="http://schemas.microsoft.com/office/drawing/2014/main" id="{C5B5B642-E96E-F3AC-CE7C-2EC3AD50A8A9}"/>
+            </a:ext>
+          </a:extLst>
+        </p:cNvPr>
+        <p:cNvGrpSpPr/>
+        <p:nvPr/>
+      </p:nvGrpSpPr>
+      <p:grpSpPr>
+        <a:xfrm>
+          <a:off x="0" y="0"/>
+          <a:ext cx="0" cy="0"/>
+          <a:chOff x="0" y="0"/>
+          <a:chExt cx="0" cy="0"/>
+        </a:xfrm>
+      </p:grpSpPr>
+      <p:sp>
+        <p:nvSpPr>
+          <p:cNvPr id="2" name="Tampungan Gambar Slide 1">
+            <a:extLst>
+              <a:ext uri="{FF2B5EF4-FFF2-40B4-BE49-F238E27FC236}">
+                <a16:creationId xmlns:a16="http://schemas.microsoft.com/office/drawing/2014/main" id="{CE6463BE-1CE6-F75F-2C5B-80BF03B9ECD6}"/>
+              </a:ext>
+            </a:extLst>
+          </p:cNvPr>
+          <p:cNvSpPr>
+            <a:spLocks noGrp="1" noRot="1" noChangeAspect="1"/>
+          </p:cNvSpPr>
+          <p:nvPr>
+            <p:ph type="sldImg"/>
+          </p:nvPr>
+        </p:nvSpPr>
+        <p:spPr/>
+      </p:sp>
+      <p:sp>
+        <p:nvSpPr>
+          <p:cNvPr id="3" name="Tampungan Catatan 2">
+            <a:extLst>
+              <a:ext uri="{FF2B5EF4-FFF2-40B4-BE49-F238E27FC236}">
+                <a16:creationId xmlns:a16="http://schemas.microsoft.com/office/drawing/2014/main" id="{57C810DF-4682-6C66-B78F-B74B62A7DDAE}"/>
+              </a:ext>
+            </a:extLst>
+          </p:cNvPr>
+          <p:cNvSpPr>
+            <a:spLocks noGrp="1"/>
+          </p:cNvSpPr>
+          <p:nvPr>
+            <p:ph type="body" idx="1"/>
+          </p:nvPr>
+        </p:nvSpPr>
+        <p:spPr/>
+        <p:txBody>
+          <a:bodyPr/>
+          <a:lstStyle/>
+          <a:p>
+            <a:endParaRPr lang="id-ID" noProof="0" dirty="0"/>
+          </a:p>
+        </p:txBody>
+      </p:sp>
+      <p:sp>
+        <p:nvSpPr>
+          <p:cNvPr id="4" name="Tampungan Nomor Slide 3">
+            <a:extLst>
+              <a:ext uri="{FF2B5EF4-FFF2-40B4-BE49-F238E27FC236}">
+                <a16:creationId xmlns:a16="http://schemas.microsoft.com/office/drawing/2014/main" id="{D56A2654-792D-196C-61C7-16D5960B8092}"/>
+              </a:ext>
+            </a:extLst>
+          </p:cNvPr>
+          <p:cNvSpPr>
+            <a:spLocks noGrp="1"/>
+          </p:cNvSpPr>
+          <p:nvPr>
+            <p:ph type="sldNum" sz="quarter" idx="5"/>
+          </p:nvPr>
+        </p:nvSpPr>
+        <p:spPr/>
+        <p:txBody>
+          <a:bodyPr/>
+          <a:lstStyle/>
+          <a:p>
+            <a:pPr rtl="0"/>
+            <a:fld id="{F97DC217-DF71-1A49-B3EA-559F1F43B0FF}" type="slidenum">
+              <a:rPr lang="id-ID" smtClean="0"/>
               <a:t>12</a:t>
             </a:fld>
             <a:endParaRPr lang="id-ID"/>
@@ -1146,7 +1055,7 @@
     </p:spTree>
     <p:extLst>
       <p:ext uri="{BB962C8B-B14F-4D97-AF65-F5344CB8AC3E}">
-        <p14:creationId xmlns:p14="http://schemas.microsoft.com/office/powerpoint/2010/main" val="1470767662"/>
+        <p14:creationId xmlns:p14="http://schemas.microsoft.com/office/powerpoint/2010/main" val="2241906981"/>
       </p:ext>
     </p:extLst>
   </p:cSld>
@@ -1200,6 +1109,101 @@
           <a:bodyPr/>
           <a:lstStyle/>
           <a:p>
+            <a:r>
+              <a:rPr lang="id-ID" dirty="0"/>
+              <a:t>Artinya, ia secara cerdas hanya fokus mengembangkan bagian dari pohon keputusan yang paling menjanjikan untuk meningkatkan akurasi, sehingga proses pelatihan menjadi jauh lebih cepat. </a:t>
+            </a:r>
+            <a:endParaRPr lang="en-GB" dirty="0"/>
+          </a:p>
+          <a:p>
+            <a:endParaRPr lang="en-GB" noProof="0" dirty="0"/>
+          </a:p>
+          <a:p>
+            <a:pPr marL="0" lvl="0" indent="0">
+              <a:buFont typeface="Arial" panose="020B0604020202020204" pitchFamily="34" charset="0"/>
+              <a:buNone/>
+            </a:pPr>
+            <a:r>
+              <a:rPr lang="id-ID" sz="2400" b="1" dirty="0"/>
+              <a:t>GOSS (</a:t>
+            </a:r>
+            <a:r>
+              <a:rPr lang="id-ID" sz="2400" b="1" dirty="0" err="1"/>
+              <a:t>Gradient-based</a:t>
+            </a:r>
+            <a:r>
+              <a:rPr lang="id-ID" sz="2400" b="1" dirty="0"/>
+              <a:t> One-</a:t>
+            </a:r>
+            <a:r>
+              <a:rPr lang="id-ID" sz="2400" b="1" dirty="0" err="1"/>
+              <a:t>Side</a:t>
+            </a:r>
+            <a:r>
+              <a:rPr lang="id-ID" sz="2400" b="1" dirty="0"/>
+              <a:t> Sampling):</a:t>
+            </a:r>
+            <a:r>
+              <a:rPr lang="id-ID" sz="2400" dirty="0"/>
+              <a:t> Memprioritaskan data yang "sulit" diprediksi, sehingga proses belajar lebih efisien.</a:t>
+            </a:r>
+            <a:endParaRPr lang="en-GB" sz="2400" dirty="0"/>
+          </a:p>
+          <a:p>
+            <a:pPr marL="0" lvl="0" indent="0">
+              <a:buFont typeface="Arial" panose="020B0604020202020204" pitchFamily="34" charset="0"/>
+              <a:buNone/>
+            </a:pPr>
+            <a:r>
+              <a:rPr lang="id-ID" sz="2400" b="1" dirty="0"/>
+              <a:t>EFB (</a:t>
+            </a:r>
+            <a:r>
+              <a:rPr lang="id-ID" sz="2400" b="1" dirty="0" err="1"/>
+              <a:t>Exclusive</a:t>
+            </a:r>
+            <a:r>
+              <a:rPr lang="id-ID" sz="2400" b="1" dirty="0"/>
+              <a:t> </a:t>
+            </a:r>
+            <a:r>
+              <a:rPr lang="id-ID" sz="2400" b="1" dirty="0" err="1"/>
+              <a:t>Feature</a:t>
+            </a:r>
+            <a:r>
+              <a:rPr lang="id-ID" sz="2400" b="1" dirty="0"/>
+              <a:t> </a:t>
+            </a:r>
+            <a:r>
+              <a:rPr lang="id-ID" sz="2400" b="1" dirty="0" err="1"/>
+              <a:t>Bundling</a:t>
+            </a:r>
+            <a:r>
+              <a:rPr lang="id-ID" sz="2400" b="1" dirty="0"/>
+              <a:t>):</a:t>
+            </a:r>
+            <a:r>
+              <a:rPr lang="id-ID" sz="2400" dirty="0"/>
+              <a:t> Menggabungkan banyak fitur menjadi satu untuk menyederhanakan data tanpa kehilangan informasi penting. (Ke </a:t>
+            </a:r>
+            <a:r>
+              <a:rPr lang="id-ID" sz="2400" dirty="0" err="1"/>
+              <a:t>et</a:t>
+            </a:r>
+            <a:r>
+              <a:rPr lang="id-ID" sz="2400" dirty="0"/>
+              <a:t> </a:t>
+            </a:r>
+            <a:r>
+              <a:rPr lang="id-ID" sz="2400" dirty="0" err="1"/>
+              <a:t>al.</a:t>
+            </a:r>
+            <a:r>
+              <a:rPr lang="id-ID" sz="2400" dirty="0"/>
+              <a:t>, 2017).</a:t>
+            </a:r>
+          </a:p>
+          <a:p>
             <a:endParaRPr lang="id-ID" noProof="0" dirty="0"/>
           </a:p>
         </p:txBody>
@@ -1231,7 +1235,7 @@
     </p:spTree>
     <p:extLst>
       <p:ext uri="{BB962C8B-B14F-4D97-AF65-F5344CB8AC3E}">
-        <p14:creationId xmlns:p14="http://schemas.microsoft.com/office/powerpoint/2010/main" val="3293267610"/>
+        <p14:creationId xmlns:p14="http://schemas.microsoft.com/office/powerpoint/2010/main" val="3477681250"/>
       </p:ext>
     </p:extLst>
   </p:cSld>
@@ -1246,7 +1250,13 @@
   <p:cSld>
     <p:spTree>
       <p:nvGrpSpPr>
-        <p:cNvPr id="1" name=""/>
+        <p:cNvPr id="1" name="">
+          <a:extLst>
+            <a:ext uri="{FF2B5EF4-FFF2-40B4-BE49-F238E27FC236}">
+              <a16:creationId xmlns:a16="http://schemas.microsoft.com/office/drawing/2014/main" id="{750CE7C0-8485-8FB6-E5B2-19CC6B45686B}"/>
+            </a:ext>
+          </a:extLst>
+        </p:cNvPr>
         <p:cNvGrpSpPr/>
         <p:nvPr/>
       </p:nvGrpSpPr>
@@ -1260,7 +1270,13 @@
       </p:grpSpPr>
       <p:sp>
         <p:nvSpPr>
-          <p:cNvPr id="2" name="Tampungan Gambar Slide 1"/>
+          <p:cNvPr id="2" name="Tampungan Gambar Slide 1">
+            <a:extLst>
+              <a:ext uri="{FF2B5EF4-FFF2-40B4-BE49-F238E27FC236}">
+                <a16:creationId xmlns:a16="http://schemas.microsoft.com/office/drawing/2014/main" id="{E19CFBF1-15A7-5650-F008-D8C9767CB23A}"/>
+              </a:ext>
+            </a:extLst>
+          </p:cNvPr>
           <p:cNvSpPr>
             <a:spLocks noGrp="1" noRot="1" noChangeAspect="1"/>
           </p:cNvSpPr>
@@ -1272,7 +1288,13 @@
       </p:sp>
       <p:sp>
         <p:nvSpPr>
-          <p:cNvPr id="3" name="Tampungan Catatan 2"/>
+          <p:cNvPr id="3" name="Tampungan Catatan 2">
+            <a:extLst>
+              <a:ext uri="{FF2B5EF4-FFF2-40B4-BE49-F238E27FC236}">
+                <a16:creationId xmlns:a16="http://schemas.microsoft.com/office/drawing/2014/main" id="{31A8D515-7FEB-4CB3-92A8-ABE517A49D2E}"/>
+              </a:ext>
+            </a:extLst>
+          </p:cNvPr>
           <p:cNvSpPr>
             <a:spLocks noGrp="1"/>
           </p:cNvSpPr>
@@ -1291,7 +1313,13 @@
       </p:sp>
       <p:sp>
         <p:nvSpPr>
-          <p:cNvPr id="4" name="Tampungan Nomor Slide 3"/>
+          <p:cNvPr id="4" name="Tampungan Nomor Slide 3">
+            <a:extLst>
+              <a:ext uri="{FF2B5EF4-FFF2-40B4-BE49-F238E27FC236}">
+                <a16:creationId xmlns:a16="http://schemas.microsoft.com/office/drawing/2014/main" id="{42551A57-F930-238C-7531-04329F3790D1}"/>
+              </a:ext>
+            </a:extLst>
+          </p:cNvPr>
           <p:cNvSpPr>
             <a:spLocks noGrp="1"/>
           </p:cNvSpPr>
@@ -1316,7 +1344,7 @@
     </p:spTree>
     <p:extLst>
       <p:ext uri="{BB962C8B-B14F-4D97-AF65-F5344CB8AC3E}">
-        <p14:creationId xmlns:p14="http://schemas.microsoft.com/office/powerpoint/2010/main" val="703596108"/>
+        <p14:creationId xmlns:p14="http://schemas.microsoft.com/office/powerpoint/2010/main" val="3192030204"/>
       </p:ext>
     </p:extLst>
   </p:cSld>
@@ -1401,7 +1429,7 @@
     </p:spTree>
     <p:extLst>
       <p:ext uri="{BB962C8B-B14F-4D97-AF65-F5344CB8AC3E}">
-        <p14:creationId xmlns:p14="http://schemas.microsoft.com/office/powerpoint/2010/main" val="489342786"/>
+        <p14:creationId xmlns:p14="http://schemas.microsoft.com/office/powerpoint/2010/main" val="1470767662"/>
       </p:ext>
     </p:extLst>
   </p:cSld>
@@ -1416,13 +1444,7 @@
   <p:cSld>
     <p:spTree>
       <p:nvGrpSpPr>
-        <p:cNvPr id="1" name="">
-          <a:extLst>
-            <a:ext uri="{FF2B5EF4-FFF2-40B4-BE49-F238E27FC236}">
-              <a16:creationId xmlns:a16="http://schemas.microsoft.com/office/drawing/2014/main" id="{46F85439-F528-C9F8-617A-3E7C9C1C2DC4}"/>
-            </a:ext>
-          </a:extLst>
-        </p:cNvPr>
+        <p:cNvPr id="1" name=""/>
         <p:cNvGrpSpPr/>
         <p:nvPr/>
       </p:nvGrpSpPr>
@@ -1436,13 +1458,7 @@
       </p:grpSpPr>
       <p:sp>
         <p:nvSpPr>
-          <p:cNvPr id="2" name="Tampungan Gambar Slide 1">
-            <a:extLst>
-              <a:ext uri="{FF2B5EF4-FFF2-40B4-BE49-F238E27FC236}">
-                <a16:creationId xmlns:a16="http://schemas.microsoft.com/office/drawing/2014/main" id="{BA294DF9-E5FF-4D74-7B2E-C7982680D599}"/>
-              </a:ext>
-            </a:extLst>
-          </p:cNvPr>
+          <p:cNvPr id="2" name="Tampungan Gambar Slide 1"/>
           <p:cNvSpPr>
             <a:spLocks noGrp="1" noRot="1" noChangeAspect="1"/>
           </p:cNvSpPr>
@@ -1454,13 +1470,7 @@
       </p:sp>
       <p:sp>
         <p:nvSpPr>
-          <p:cNvPr id="3" name="Tampungan Catatan 2">
-            <a:extLst>
-              <a:ext uri="{FF2B5EF4-FFF2-40B4-BE49-F238E27FC236}">
-                <a16:creationId xmlns:a16="http://schemas.microsoft.com/office/drawing/2014/main" id="{94526192-A667-2915-69F7-819675CE4A93}"/>
-              </a:ext>
-            </a:extLst>
-          </p:cNvPr>
+          <p:cNvPr id="3" name="Tampungan Catatan 2"/>
           <p:cNvSpPr>
             <a:spLocks noGrp="1"/>
           </p:cNvSpPr>
@@ -1479,13 +1489,7 @@
       </p:sp>
       <p:sp>
         <p:nvSpPr>
-          <p:cNvPr id="4" name="Tampungan Nomor Slide 3">
-            <a:extLst>
-              <a:ext uri="{FF2B5EF4-FFF2-40B4-BE49-F238E27FC236}">
-                <a16:creationId xmlns:a16="http://schemas.microsoft.com/office/drawing/2014/main" id="{852B468E-851E-6FE0-22FF-1C0E0CED9651}"/>
-              </a:ext>
-            </a:extLst>
-          </p:cNvPr>
+          <p:cNvPr id="4" name="Tampungan Nomor Slide 3"/>
           <p:cNvSpPr>
             <a:spLocks noGrp="1"/>
           </p:cNvSpPr>
@@ -1510,7 +1514,7 @@
     </p:spTree>
     <p:extLst>
       <p:ext uri="{BB962C8B-B14F-4D97-AF65-F5344CB8AC3E}">
-        <p14:creationId xmlns:p14="http://schemas.microsoft.com/office/powerpoint/2010/main" val="260306882"/>
+        <p14:creationId xmlns:p14="http://schemas.microsoft.com/office/powerpoint/2010/main" val="3293267610"/>
       </p:ext>
     </p:extLst>
   </p:cSld>
@@ -1595,7 +1599,7 @@
     </p:spTree>
     <p:extLst>
       <p:ext uri="{BB962C8B-B14F-4D97-AF65-F5344CB8AC3E}">
-        <p14:creationId xmlns:p14="http://schemas.microsoft.com/office/powerpoint/2010/main" val="3935563471"/>
+        <p14:creationId xmlns:p14="http://schemas.microsoft.com/office/powerpoint/2010/main" val="703596108"/>
       </p:ext>
     </p:extLst>
   </p:cSld>
@@ -1605,7 +1609,7 @@
 </p:notes>
 </file>
 
-<file path=ppt/notesSlides/notesSlide2.xml><?xml version="1.0" encoding="utf-8"?>
+<file path=ppt/notesSlides/notesSlide18.xml><?xml version="1.0" encoding="utf-8"?>
 <p:notes xmlns:a="http://schemas.openxmlformats.org/drawingml/2006/main" xmlns:r="http://schemas.openxmlformats.org/officeDocument/2006/relationships" xmlns:p="http://schemas.openxmlformats.org/presentationml/2006/main">
   <p:cSld>
     <p:spTree>
@@ -1671,6 +1675,224 @@
             <a:pPr rtl="0"/>
             <a:fld id="{F97DC217-DF71-1A49-B3EA-559F1F43B0FF}" type="slidenum">
               <a:rPr lang="id-ID" smtClean="0"/>
+              <a:t>18</a:t>
+            </a:fld>
+            <a:endParaRPr lang="id-ID"/>
+          </a:p>
+        </p:txBody>
+      </p:sp>
+    </p:spTree>
+    <p:extLst>
+      <p:ext uri="{BB962C8B-B14F-4D97-AF65-F5344CB8AC3E}">
+        <p14:creationId xmlns:p14="http://schemas.microsoft.com/office/powerpoint/2010/main" val="489342786"/>
+      </p:ext>
+    </p:extLst>
+  </p:cSld>
+  <p:clrMapOvr>
+    <a:masterClrMapping/>
+  </p:clrMapOvr>
+</p:notes>
+</file>
+
+<file path=ppt/notesSlides/notesSlide19.xml><?xml version="1.0" encoding="utf-8"?>
+<p:notes xmlns:a="http://schemas.openxmlformats.org/drawingml/2006/main" xmlns:r="http://schemas.openxmlformats.org/officeDocument/2006/relationships" xmlns:p="http://schemas.openxmlformats.org/presentationml/2006/main">
+  <p:cSld>
+    <p:spTree>
+      <p:nvGrpSpPr>
+        <p:cNvPr id="1" name="">
+          <a:extLst>
+            <a:ext uri="{FF2B5EF4-FFF2-40B4-BE49-F238E27FC236}">
+              <a16:creationId xmlns:a16="http://schemas.microsoft.com/office/drawing/2014/main" id="{46F85439-F528-C9F8-617A-3E7C9C1C2DC4}"/>
+            </a:ext>
+          </a:extLst>
+        </p:cNvPr>
+        <p:cNvGrpSpPr/>
+        <p:nvPr/>
+      </p:nvGrpSpPr>
+      <p:grpSpPr>
+        <a:xfrm>
+          <a:off x="0" y="0"/>
+          <a:ext cx="0" cy="0"/>
+          <a:chOff x="0" y="0"/>
+          <a:chExt cx="0" cy="0"/>
+        </a:xfrm>
+      </p:grpSpPr>
+      <p:sp>
+        <p:nvSpPr>
+          <p:cNvPr id="2" name="Tampungan Gambar Slide 1">
+            <a:extLst>
+              <a:ext uri="{FF2B5EF4-FFF2-40B4-BE49-F238E27FC236}">
+                <a16:creationId xmlns:a16="http://schemas.microsoft.com/office/drawing/2014/main" id="{BA294DF9-E5FF-4D74-7B2E-C7982680D599}"/>
+              </a:ext>
+            </a:extLst>
+          </p:cNvPr>
+          <p:cNvSpPr>
+            <a:spLocks noGrp="1" noRot="1" noChangeAspect="1"/>
+          </p:cNvSpPr>
+          <p:nvPr>
+            <p:ph type="sldImg"/>
+          </p:nvPr>
+        </p:nvSpPr>
+        <p:spPr/>
+      </p:sp>
+      <p:sp>
+        <p:nvSpPr>
+          <p:cNvPr id="3" name="Tampungan Catatan 2">
+            <a:extLst>
+              <a:ext uri="{FF2B5EF4-FFF2-40B4-BE49-F238E27FC236}">
+                <a16:creationId xmlns:a16="http://schemas.microsoft.com/office/drawing/2014/main" id="{94526192-A667-2915-69F7-819675CE4A93}"/>
+              </a:ext>
+            </a:extLst>
+          </p:cNvPr>
+          <p:cNvSpPr>
+            <a:spLocks noGrp="1"/>
+          </p:cNvSpPr>
+          <p:nvPr>
+            <p:ph type="body" idx="1"/>
+          </p:nvPr>
+        </p:nvSpPr>
+        <p:spPr/>
+        <p:txBody>
+          <a:bodyPr/>
+          <a:lstStyle/>
+          <a:p>
+            <a:endParaRPr lang="id-ID" noProof="0" dirty="0"/>
+          </a:p>
+        </p:txBody>
+      </p:sp>
+      <p:sp>
+        <p:nvSpPr>
+          <p:cNvPr id="4" name="Tampungan Nomor Slide 3">
+            <a:extLst>
+              <a:ext uri="{FF2B5EF4-FFF2-40B4-BE49-F238E27FC236}">
+                <a16:creationId xmlns:a16="http://schemas.microsoft.com/office/drawing/2014/main" id="{852B468E-851E-6FE0-22FF-1C0E0CED9651}"/>
+              </a:ext>
+            </a:extLst>
+          </p:cNvPr>
+          <p:cNvSpPr>
+            <a:spLocks noGrp="1"/>
+          </p:cNvSpPr>
+          <p:nvPr>
+            <p:ph type="sldNum" sz="quarter" idx="5"/>
+          </p:nvPr>
+        </p:nvSpPr>
+        <p:spPr/>
+        <p:txBody>
+          <a:bodyPr/>
+          <a:lstStyle/>
+          <a:p>
+            <a:pPr rtl="0"/>
+            <a:fld id="{F97DC217-DF71-1A49-B3EA-559F1F43B0FF}" type="slidenum">
+              <a:rPr lang="id-ID" smtClean="0"/>
+              <a:t>19</a:t>
+            </a:fld>
+            <a:endParaRPr lang="id-ID"/>
+          </a:p>
+        </p:txBody>
+      </p:sp>
+    </p:spTree>
+    <p:extLst>
+      <p:ext uri="{BB962C8B-B14F-4D97-AF65-F5344CB8AC3E}">
+        <p14:creationId xmlns:p14="http://schemas.microsoft.com/office/powerpoint/2010/main" val="260306882"/>
+      </p:ext>
+    </p:extLst>
+  </p:cSld>
+  <p:clrMapOvr>
+    <a:masterClrMapping/>
+  </p:clrMapOvr>
+</p:notes>
+</file>
+
+<file path=ppt/notesSlides/notesSlide2.xml><?xml version="1.0" encoding="utf-8"?>
+<p:notes xmlns:a="http://schemas.openxmlformats.org/drawingml/2006/main" xmlns:r="http://schemas.openxmlformats.org/officeDocument/2006/relationships" xmlns:p="http://schemas.openxmlformats.org/presentationml/2006/main">
+  <p:cSld>
+    <p:spTree>
+      <p:nvGrpSpPr>
+        <p:cNvPr id="1" name="">
+          <a:extLst>
+            <a:ext uri="{FF2B5EF4-FFF2-40B4-BE49-F238E27FC236}">
+              <a16:creationId xmlns:a16="http://schemas.microsoft.com/office/drawing/2014/main" id="{072BAAF3-0446-516E-DF7D-C23AA78E6B41}"/>
+            </a:ext>
+          </a:extLst>
+        </p:cNvPr>
+        <p:cNvGrpSpPr/>
+        <p:nvPr/>
+      </p:nvGrpSpPr>
+      <p:grpSpPr>
+        <a:xfrm>
+          <a:off x="0" y="0"/>
+          <a:ext cx="0" cy="0"/>
+          <a:chOff x="0" y="0"/>
+          <a:chExt cx="0" cy="0"/>
+        </a:xfrm>
+      </p:grpSpPr>
+      <p:sp>
+        <p:nvSpPr>
+          <p:cNvPr id="2" name="Tampungan Gambar Slide 1">
+            <a:extLst>
+              <a:ext uri="{FF2B5EF4-FFF2-40B4-BE49-F238E27FC236}">
+                <a16:creationId xmlns:a16="http://schemas.microsoft.com/office/drawing/2014/main" id="{7A0554C2-A61B-45BF-40F0-C3299DE7C3FE}"/>
+              </a:ext>
+            </a:extLst>
+          </p:cNvPr>
+          <p:cNvSpPr>
+            <a:spLocks noGrp="1" noRot="1" noChangeAspect="1"/>
+          </p:cNvSpPr>
+          <p:nvPr>
+            <p:ph type="sldImg"/>
+          </p:nvPr>
+        </p:nvSpPr>
+        <p:spPr/>
+      </p:sp>
+      <p:sp>
+        <p:nvSpPr>
+          <p:cNvPr id="3" name="Tampungan Catatan 2">
+            <a:extLst>
+              <a:ext uri="{FF2B5EF4-FFF2-40B4-BE49-F238E27FC236}">
+                <a16:creationId xmlns:a16="http://schemas.microsoft.com/office/drawing/2014/main" id="{4142E7B0-A0A8-B52E-33AA-BCE2E630424A}"/>
+              </a:ext>
+            </a:extLst>
+          </p:cNvPr>
+          <p:cNvSpPr>
+            <a:spLocks noGrp="1"/>
+          </p:cNvSpPr>
+          <p:nvPr>
+            <p:ph type="body" idx="1"/>
+          </p:nvPr>
+        </p:nvSpPr>
+        <p:spPr/>
+        <p:txBody>
+          <a:bodyPr/>
+          <a:lstStyle/>
+          <a:p>
+            <a:endParaRPr lang="id-ID" noProof="0" dirty="0"/>
+          </a:p>
+        </p:txBody>
+      </p:sp>
+      <p:sp>
+        <p:nvSpPr>
+          <p:cNvPr id="4" name="Tampungan Nomor Slide 3">
+            <a:extLst>
+              <a:ext uri="{FF2B5EF4-FFF2-40B4-BE49-F238E27FC236}">
+                <a16:creationId xmlns:a16="http://schemas.microsoft.com/office/drawing/2014/main" id="{FFE6B07E-1787-3D26-F761-1C8CC4F2F110}"/>
+              </a:ext>
+            </a:extLst>
+          </p:cNvPr>
+          <p:cNvSpPr>
+            <a:spLocks noGrp="1"/>
+          </p:cNvSpPr>
+          <p:nvPr>
+            <p:ph type="sldNum" sz="quarter" idx="5"/>
+          </p:nvPr>
+        </p:nvSpPr>
+        <p:spPr/>
+        <p:txBody>
+          <a:bodyPr/>
+          <a:lstStyle/>
+          <a:p>
+            <a:pPr rtl="0"/>
+            <a:fld id="{F97DC217-DF71-1A49-B3EA-559F1F43B0FF}" type="slidenum">
+              <a:rPr lang="id-ID" smtClean="0"/>
               <a:t>2</a:t>
             </a:fld>
             <a:endParaRPr lang="id-ID"/>
@@ -1680,7 +1902,201 @@
     </p:spTree>
     <p:extLst>
       <p:ext uri="{BB962C8B-B14F-4D97-AF65-F5344CB8AC3E}">
-        <p14:creationId xmlns:p14="http://schemas.microsoft.com/office/powerpoint/2010/main" val="843057564"/>
+        <p14:creationId xmlns:p14="http://schemas.microsoft.com/office/powerpoint/2010/main" val="4245274219"/>
+      </p:ext>
+    </p:extLst>
+  </p:cSld>
+  <p:clrMapOvr>
+    <a:masterClrMapping/>
+  </p:clrMapOvr>
+</p:notes>
+</file>
+
+<file path=ppt/notesSlides/notesSlide20.xml><?xml version="1.0" encoding="utf-8"?>
+<p:notes xmlns:a="http://schemas.openxmlformats.org/drawingml/2006/main" xmlns:r="http://schemas.openxmlformats.org/officeDocument/2006/relationships" xmlns:p="http://schemas.openxmlformats.org/presentationml/2006/main">
+  <p:cSld>
+    <p:spTree>
+      <p:nvGrpSpPr>
+        <p:cNvPr id="1" name="">
+          <a:extLst>
+            <a:ext uri="{FF2B5EF4-FFF2-40B4-BE49-F238E27FC236}">
+              <a16:creationId xmlns:a16="http://schemas.microsoft.com/office/drawing/2014/main" id="{5FC1B80D-2D14-7AD7-8724-20DC4B39775A}"/>
+            </a:ext>
+          </a:extLst>
+        </p:cNvPr>
+        <p:cNvGrpSpPr/>
+        <p:nvPr/>
+      </p:nvGrpSpPr>
+      <p:grpSpPr>
+        <a:xfrm>
+          <a:off x="0" y="0"/>
+          <a:ext cx="0" cy="0"/>
+          <a:chOff x="0" y="0"/>
+          <a:chExt cx="0" cy="0"/>
+        </a:xfrm>
+      </p:grpSpPr>
+      <p:sp>
+        <p:nvSpPr>
+          <p:cNvPr id="2" name="Tampungan Gambar Slide 1">
+            <a:extLst>
+              <a:ext uri="{FF2B5EF4-FFF2-40B4-BE49-F238E27FC236}">
+                <a16:creationId xmlns:a16="http://schemas.microsoft.com/office/drawing/2014/main" id="{EB40F546-5EC5-4DEC-71EF-9207A018B2F1}"/>
+              </a:ext>
+            </a:extLst>
+          </p:cNvPr>
+          <p:cNvSpPr>
+            <a:spLocks noGrp="1" noRot="1" noChangeAspect="1"/>
+          </p:cNvSpPr>
+          <p:nvPr>
+            <p:ph type="sldImg"/>
+          </p:nvPr>
+        </p:nvSpPr>
+        <p:spPr/>
+      </p:sp>
+      <p:sp>
+        <p:nvSpPr>
+          <p:cNvPr id="3" name="Tampungan Catatan 2">
+            <a:extLst>
+              <a:ext uri="{FF2B5EF4-FFF2-40B4-BE49-F238E27FC236}">
+                <a16:creationId xmlns:a16="http://schemas.microsoft.com/office/drawing/2014/main" id="{68E6FFC7-19A7-F01A-2525-7E822E813928}"/>
+              </a:ext>
+            </a:extLst>
+          </p:cNvPr>
+          <p:cNvSpPr>
+            <a:spLocks noGrp="1"/>
+          </p:cNvSpPr>
+          <p:nvPr>
+            <p:ph type="body" idx="1"/>
+          </p:nvPr>
+        </p:nvSpPr>
+        <p:spPr/>
+        <p:txBody>
+          <a:bodyPr/>
+          <a:lstStyle/>
+          <a:p>
+            <a:endParaRPr lang="id-ID" noProof="0" dirty="0"/>
+          </a:p>
+        </p:txBody>
+      </p:sp>
+      <p:sp>
+        <p:nvSpPr>
+          <p:cNvPr id="4" name="Tampungan Nomor Slide 3">
+            <a:extLst>
+              <a:ext uri="{FF2B5EF4-FFF2-40B4-BE49-F238E27FC236}">
+                <a16:creationId xmlns:a16="http://schemas.microsoft.com/office/drawing/2014/main" id="{61B3472B-1A2A-1D92-805B-6D9ECA163CCA}"/>
+              </a:ext>
+            </a:extLst>
+          </p:cNvPr>
+          <p:cNvSpPr>
+            <a:spLocks noGrp="1"/>
+          </p:cNvSpPr>
+          <p:nvPr>
+            <p:ph type="sldNum" sz="quarter" idx="5"/>
+          </p:nvPr>
+        </p:nvSpPr>
+        <p:spPr/>
+        <p:txBody>
+          <a:bodyPr/>
+          <a:lstStyle/>
+          <a:p>
+            <a:pPr rtl="0"/>
+            <a:fld id="{F97DC217-DF71-1A49-B3EA-559F1F43B0FF}" type="slidenum">
+              <a:rPr lang="id-ID" smtClean="0"/>
+              <a:t>20</a:t>
+            </a:fld>
+            <a:endParaRPr lang="id-ID"/>
+          </a:p>
+        </p:txBody>
+      </p:sp>
+    </p:spTree>
+    <p:extLst>
+      <p:ext uri="{BB962C8B-B14F-4D97-AF65-F5344CB8AC3E}">
+        <p14:creationId xmlns:p14="http://schemas.microsoft.com/office/powerpoint/2010/main" val="574222582"/>
+      </p:ext>
+    </p:extLst>
+  </p:cSld>
+  <p:clrMapOvr>
+    <a:masterClrMapping/>
+  </p:clrMapOvr>
+</p:notes>
+</file>
+
+<file path=ppt/notesSlides/notesSlide21.xml><?xml version="1.0" encoding="utf-8"?>
+<p:notes xmlns:a="http://schemas.openxmlformats.org/drawingml/2006/main" xmlns:r="http://schemas.openxmlformats.org/officeDocument/2006/relationships" xmlns:p="http://schemas.openxmlformats.org/presentationml/2006/main">
+  <p:cSld>
+    <p:spTree>
+      <p:nvGrpSpPr>
+        <p:cNvPr id="1" name=""/>
+        <p:cNvGrpSpPr/>
+        <p:nvPr/>
+      </p:nvGrpSpPr>
+      <p:grpSpPr>
+        <a:xfrm>
+          <a:off x="0" y="0"/>
+          <a:ext cx="0" cy="0"/>
+          <a:chOff x="0" y="0"/>
+          <a:chExt cx="0" cy="0"/>
+        </a:xfrm>
+      </p:grpSpPr>
+      <p:sp>
+        <p:nvSpPr>
+          <p:cNvPr id="2" name="Tampungan Gambar Slide 1"/>
+          <p:cNvSpPr>
+            <a:spLocks noGrp="1" noRot="1" noChangeAspect="1"/>
+          </p:cNvSpPr>
+          <p:nvPr>
+            <p:ph type="sldImg"/>
+          </p:nvPr>
+        </p:nvSpPr>
+        <p:spPr/>
+      </p:sp>
+      <p:sp>
+        <p:nvSpPr>
+          <p:cNvPr id="3" name="Tampungan Catatan 2"/>
+          <p:cNvSpPr>
+            <a:spLocks noGrp="1"/>
+          </p:cNvSpPr>
+          <p:nvPr>
+            <p:ph type="body" idx="1"/>
+          </p:nvPr>
+        </p:nvSpPr>
+        <p:spPr/>
+        <p:txBody>
+          <a:bodyPr/>
+          <a:lstStyle/>
+          <a:p>
+            <a:endParaRPr lang="id-ID" noProof="0" dirty="0"/>
+          </a:p>
+        </p:txBody>
+      </p:sp>
+      <p:sp>
+        <p:nvSpPr>
+          <p:cNvPr id="4" name="Tampungan Nomor Slide 3"/>
+          <p:cNvSpPr>
+            <a:spLocks noGrp="1"/>
+          </p:cNvSpPr>
+          <p:nvPr>
+            <p:ph type="sldNum" sz="quarter" idx="5"/>
+          </p:nvPr>
+        </p:nvSpPr>
+        <p:spPr/>
+        <p:txBody>
+          <a:bodyPr/>
+          <a:lstStyle/>
+          <a:p>
+            <a:pPr rtl="0"/>
+            <a:fld id="{F97DC217-DF71-1A49-B3EA-559F1F43B0FF}" type="slidenum">
+              <a:rPr lang="id-ID" smtClean="0"/>
+              <a:t>21</a:t>
+            </a:fld>
+            <a:endParaRPr lang="id-ID"/>
+          </a:p>
+        </p:txBody>
+      </p:sp>
+    </p:spTree>
+    <p:extLst>
+      <p:ext uri="{BB962C8B-B14F-4D97-AF65-F5344CB8AC3E}">
+        <p14:creationId xmlns:p14="http://schemas.microsoft.com/office/powerpoint/2010/main" val="3935563471"/>
       </p:ext>
     </p:extLst>
   </p:cSld>
@@ -1765,7 +2181,7 @@
     </p:spTree>
     <p:extLst>
       <p:ext uri="{BB962C8B-B14F-4D97-AF65-F5344CB8AC3E}">
-        <p14:creationId xmlns:p14="http://schemas.microsoft.com/office/powerpoint/2010/main" val="1309841113"/>
+        <p14:creationId xmlns:p14="http://schemas.microsoft.com/office/powerpoint/2010/main" val="843057564"/>
       </p:ext>
     </p:extLst>
   </p:cSld>
@@ -1850,7 +2266,7 @@
     </p:spTree>
     <p:extLst>
       <p:ext uri="{BB962C8B-B14F-4D97-AF65-F5344CB8AC3E}">
-        <p14:creationId xmlns:p14="http://schemas.microsoft.com/office/powerpoint/2010/main" val="1555156174"/>
+        <p14:creationId xmlns:p14="http://schemas.microsoft.com/office/powerpoint/2010/main" val="1309841113"/>
       </p:ext>
     </p:extLst>
   </p:cSld>
@@ -1935,7 +2351,7 @@
     </p:spTree>
     <p:extLst>
       <p:ext uri="{BB962C8B-B14F-4D97-AF65-F5344CB8AC3E}">
-        <p14:creationId xmlns:p14="http://schemas.microsoft.com/office/powerpoint/2010/main" val="1032157980"/>
+        <p14:creationId xmlns:p14="http://schemas.microsoft.com/office/powerpoint/2010/main" val="1555156174"/>
       </p:ext>
     </p:extLst>
   </p:cSld>
@@ -1950,7 +2366,13 @@
   <p:cSld>
     <p:spTree>
       <p:nvGrpSpPr>
-        <p:cNvPr id="1" name=""/>
+        <p:cNvPr id="1" name="">
+          <a:extLst>
+            <a:ext uri="{FF2B5EF4-FFF2-40B4-BE49-F238E27FC236}">
+              <a16:creationId xmlns:a16="http://schemas.microsoft.com/office/drawing/2014/main" id="{5181BF22-1BB9-D048-1CFB-3C1DF02758D7}"/>
+            </a:ext>
+          </a:extLst>
+        </p:cNvPr>
         <p:cNvGrpSpPr/>
         <p:nvPr/>
       </p:nvGrpSpPr>
@@ -1964,7 +2386,13 @@
       </p:grpSpPr>
       <p:sp>
         <p:nvSpPr>
-          <p:cNvPr id="2" name="Tampungan Gambar Slide 1"/>
+          <p:cNvPr id="2" name="Tampungan Gambar Slide 1">
+            <a:extLst>
+              <a:ext uri="{FF2B5EF4-FFF2-40B4-BE49-F238E27FC236}">
+                <a16:creationId xmlns:a16="http://schemas.microsoft.com/office/drawing/2014/main" id="{9256DC50-EC76-B917-E3B3-3FAAD82BD9D4}"/>
+              </a:ext>
+            </a:extLst>
+          </p:cNvPr>
           <p:cNvSpPr>
             <a:spLocks noGrp="1" noRot="1" noChangeAspect="1"/>
           </p:cNvSpPr>
@@ -1976,7 +2404,13 @@
       </p:sp>
       <p:sp>
         <p:nvSpPr>
-          <p:cNvPr id="3" name="Tampungan Catatan 2"/>
+          <p:cNvPr id="3" name="Tampungan Catatan 2">
+            <a:extLst>
+              <a:ext uri="{FF2B5EF4-FFF2-40B4-BE49-F238E27FC236}">
+                <a16:creationId xmlns:a16="http://schemas.microsoft.com/office/drawing/2014/main" id="{C39FD7C8-C3D3-B8D0-81C6-D3ECF4FBAE14}"/>
+              </a:ext>
+            </a:extLst>
+          </p:cNvPr>
           <p:cNvSpPr>
             <a:spLocks noGrp="1"/>
           </p:cNvSpPr>
@@ -1995,7 +2429,13 @@
       </p:sp>
       <p:sp>
         <p:nvSpPr>
-          <p:cNvPr id="4" name="Tampungan Nomor Slide 3"/>
+          <p:cNvPr id="4" name="Tampungan Nomor Slide 3">
+            <a:extLst>
+              <a:ext uri="{FF2B5EF4-FFF2-40B4-BE49-F238E27FC236}">
+                <a16:creationId xmlns:a16="http://schemas.microsoft.com/office/drawing/2014/main" id="{35E08082-2FC5-A1EF-C69E-7059E3797046}"/>
+              </a:ext>
+            </a:extLst>
+          </p:cNvPr>
           <p:cNvSpPr>
             <a:spLocks noGrp="1"/>
           </p:cNvSpPr>
@@ -2020,7 +2460,7 @@
     </p:spTree>
     <p:extLst>
       <p:ext uri="{BB962C8B-B14F-4D97-AF65-F5344CB8AC3E}">
-        <p14:creationId xmlns:p14="http://schemas.microsoft.com/office/powerpoint/2010/main" val="4266338347"/>
+        <p14:creationId xmlns:p14="http://schemas.microsoft.com/office/powerpoint/2010/main" val="3671457054"/>
       </p:ext>
     </p:extLst>
   </p:cSld>
@@ -2105,7 +2545,7 @@
     </p:spTree>
     <p:extLst>
       <p:ext uri="{BB962C8B-B14F-4D97-AF65-F5344CB8AC3E}">
-        <p14:creationId xmlns:p14="http://schemas.microsoft.com/office/powerpoint/2010/main" val="795855725"/>
+        <p14:creationId xmlns:p14="http://schemas.microsoft.com/office/powerpoint/2010/main" val="1032157980"/>
       </p:ext>
     </p:extLst>
   </p:cSld>
@@ -2190,7 +2630,7 @@
     </p:spTree>
     <p:extLst>
       <p:ext uri="{BB962C8B-B14F-4D97-AF65-F5344CB8AC3E}">
-        <p14:creationId xmlns:p14="http://schemas.microsoft.com/office/powerpoint/2010/main" val="1503017092"/>
+        <p14:creationId xmlns:p14="http://schemas.microsoft.com/office/powerpoint/2010/main" val="4266338347"/>
       </p:ext>
     </p:extLst>
   </p:cSld>
@@ -2275,7 +2715,7 @@
     </p:spTree>
     <p:extLst>
       <p:ext uri="{BB962C8B-B14F-4D97-AF65-F5344CB8AC3E}">
-        <p14:creationId xmlns:p14="http://schemas.microsoft.com/office/powerpoint/2010/main" val="637688276"/>
+        <p14:creationId xmlns:p14="http://schemas.microsoft.com/office/powerpoint/2010/main" val="795855725"/>
       </p:ext>
     </p:extLst>
   </p:cSld>
@@ -15406,7 +15846,7 @@
           <p:cNvPr id="2" name="Judul 1">
             <a:extLst>
               <a:ext uri="{FF2B5EF4-FFF2-40B4-BE49-F238E27FC236}">
-                <a16:creationId xmlns:a16="http://schemas.microsoft.com/office/drawing/2014/main" id="{DD0B6389-2374-4677-B8BB-59410CCC32FD}"/>
+                <a16:creationId xmlns:a16="http://schemas.microsoft.com/office/drawing/2014/main" id="{8460295B-54B9-4937-90E3-BAB9CE69E30B}"/>
               </a:ext>
             </a:extLst>
           </p:cNvPr>
@@ -15414,261 +15854,136 @@
             <a:spLocks noGrp="1"/>
           </p:cNvSpPr>
           <p:nvPr>
-            <p:ph type="title"/>
+            <p:ph type="ctrTitle"/>
           </p:nvPr>
         </p:nvSpPr>
         <p:spPr>
           <a:xfrm>
-            <a:off x="1167492" y="381001"/>
-            <a:ext cx="9779183" cy="1262062"/>
+            <a:off x="722994" y="1221850"/>
+            <a:ext cx="6245912" cy="832900"/>
           </a:xfrm>
         </p:spPr>
         <p:txBody>
-          <a:bodyPr rtlCol="0">
-            <a:normAutofit fontScale="90000"/>
+          <a:bodyPr rtlCol="0"/>
+          <a:lstStyle/>
+          <a:p>
+            <a:pPr rtl="0"/>
+            <a:r>
+              <a:rPr lang="en-GB" dirty="0"/>
+              <a:t>Tujuan </a:t>
+            </a:r>
+            <a:r>
+              <a:rPr lang="en-GB" dirty="0" err="1"/>
+              <a:t>Penelitian</a:t>
+            </a:r>
+            <a:endParaRPr lang="id-ID" dirty="0"/>
+          </a:p>
+        </p:txBody>
+      </p:sp>
+      <p:sp>
+        <p:nvSpPr>
+          <p:cNvPr id="4" name="Tampungan Teks 3">
+            <a:extLst>
+              <a:ext uri="{FF2B5EF4-FFF2-40B4-BE49-F238E27FC236}">
+                <a16:creationId xmlns:a16="http://schemas.microsoft.com/office/drawing/2014/main" id="{D51A6D85-3837-435F-A342-5A3F98172B12}"/>
+              </a:ext>
+            </a:extLst>
+          </p:cNvPr>
+          <p:cNvSpPr>
+            <a:spLocks noGrp="1"/>
+          </p:cNvSpPr>
+          <p:nvPr>
+            <p:ph type="subTitle" idx="1"/>
+          </p:nvPr>
+        </p:nvSpPr>
+        <p:spPr>
+          <a:xfrm>
+            <a:off x="722994" y="2624675"/>
+            <a:ext cx="6245912" cy="2595025"/>
+          </a:xfrm>
+        </p:spPr>
+        <p:txBody>
+          <a:bodyPr vert="horz" lIns="91440" tIns="45720" rIns="91440" bIns="45720" rtlCol="0" anchor="t">
+            <a:normAutofit fontScale="92500" lnSpcReduction="10000"/>
           </a:bodyPr>
           <a:lstStyle/>
           <a:p>
-            <a:pPr rtl="0"/>
-            <a:r>
-              <a:rPr lang="en-GB" dirty="0" err="1"/>
-              <a:t>Landasan</a:t>
-            </a:r>
-            <a:r>
-              <a:rPr lang="en-GB" dirty="0"/>
-              <a:t> Teori</a:t>
-            </a:r>
-            <a:br>
-              <a:rPr lang="en-GB" dirty="0"/>
-            </a:br>
-            <a:r>
-              <a:rPr lang="en-GB" b="0" i="1" dirty="0" err="1"/>
-              <a:t>LightGBM</a:t>
-            </a:r>
-            <a:endParaRPr lang="id-ID" b="0" i="1" dirty="0"/>
-          </a:p>
-        </p:txBody>
-      </p:sp>
-      <p:sp>
-        <p:nvSpPr>
-          <p:cNvPr id="13" name="TextBox 12">
-            <a:extLst>
-              <a:ext uri="{FF2B5EF4-FFF2-40B4-BE49-F238E27FC236}">
-                <a16:creationId xmlns:a16="http://schemas.microsoft.com/office/drawing/2014/main" id="{3B2B8A14-1FBE-5215-CF2B-905D2837E291}"/>
-              </a:ext>
-            </a:extLst>
-          </p:cNvPr>
-          <p:cNvSpPr txBox="1"/>
-          <p:nvPr/>
-        </p:nvSpPr>
-        <p:spPr>
-          <a:xfrm>
-            <a:off x="734718" y="4168675"/>
-            <a:ext cx="10943545" cy="2308324"/>
-          </a:xfrm>
-          <a:prstGeom prst="rect">
-            <a:avLst/>
-          </a:prstGeom>
-          <a:noFill/>
-        </p:spPr>
-        <p:txBody>
-          <a:bodyPr wrap="square">
-            <a:spAutoFit/>
-          </a:bodyPr>
-          <a:lstStyle/>
-          <a:p>
-            <a:pPr marL="342900" indent="-342900">
+            <a:pPr marL="457200" indent="-457200">
               <a:buFont typeface="Arial" panose="020B0604020202020204" pitchFamily="34" charset="0"/>
               <a:buChar char="•"/>
             </a:pPr>
             <a:r>
-              <a:rPr lang="id-ID" sz="2400" b="1" dirty="0" err="1"/>
+              <a:rPr lang="id-ID" sz="2400" dirty="0"/>
+              <a:t>Mengimplementasikan algoritma </a:t>
+            </a:r>
+            <a:r>
+              <a:rPr lang="id-ID" sz="2400" dirty="0" err="1"/>
               <a:t>LightGBM</a:t>
             </a:r>
             <a:r>
               <a:rPr lang="id-ID" sz="2400" dirty="0"/>
-              <a:t> adalah algoritma </a:t>
-            </a:r>
-            <a:r>
-              <a:rPr lang="id-ID" sz="2400" i="1" dirty="0" err="1"/>
-              <a:t>machine</a:t>
-            </a:r>
-            <a:r>
-              <a:rPr lang="id-ID" sz="2400" i="1" dirty="0"/>
-              <a:t> </a:t>
-            </a:r>
-            <a:r>
-              <a:rPr lang="id-ID" sz="2400" i="1" dirty="0" err="1"/>
-              <a:t>learning</a:t>
-            </a:r>
-            <a:r>
-              <a:rPr lang="id-ID" sz="2400" dirty="0"/>
-              <a:t> yang dirancang secara khusus untuk mencapai </a:t>
-            </a:r>
-            <a:r>
-              <a:rPr lang="id-ID" sz="2400" b="1" dirty="0"/>
-              <a:t>kecepatan</a:t>
-            </a:r>
-            <a:r>
-              <a:rPr lang="id-ID" sz="2400" dirty="0"/>
-              <a:t> dan </a:t>
-            </a:r>
-            <a:r>
-              <a:rPr lang="id-ID" sz="2400" b="1" dirty="0"/>
-              <a:t>efisiensi</a:t>
-            </a:r>
-            <a:r>
-              <a:rPr lang="id-ID" sz="2400" dirty="0"/>
-              <a:t> yang sangat tinggi.</a:t>
-            </a:r>
-            <a:endParaRPr lang="en-GB" sz="2400" dirty="0"/>
-          </a:p>
-          <a:p>
-            <a:pPr marL="342900" indent="-342900">
+              <a:t> untuk membangun model prediksi </a:t>
+            </a:r>
+            <a:r>
+              <a:rPr lang="id-ID" sz="2400" dirty="0" err="1"/>
+              <a:t>xG</a:t>
+            </a:r>
+            <a:r>
+              <a:rPr lang="en-GB" sz="2400" dirty="0"/>
+              <a:t>.</a:t>
+            </a:r>
+          </a:p>
+          <a:p>
+            <a:pPr marL="457200" indent="-457200">
               <a:buFont typeface="Arial" panose="020B0604020202020204" pitchFamily="34" charset="0"/>
               <a:buChar char="•"/>
             </a:pPr>
             <a:r>
-              <a:rPr lang="id-ID" sz="2400" dirty="0" err="1"/>
-              <a:t>LightGBM</a:t>
-            </a:r>
-            <a:r>
               <a:rPr lang="id-ID" sz="2400" dirty="0"/>
-              <a:t> menggunakan strategi pertumbuhan pohon yang disebut </a:t>
-            </a:r>
-            <a:r>
-              <a:rPr lang="id-ID" sz="2400" b="1" i="1" dirty="0" err="1"/>
-              <a:t>leaf-wise</a:t>
+              <a:t>Mengukur </a:t>
+            </a:r>
+            <a:r>
+              <a:rPr lang="id-ID" sz="2400" b="1" dirty="0"/>
+              <a:t>tingkat akurasi</a:t>
             </a:r>
             <a:r>
               <a:rPr lang="id-ID" sz="2400" dirty="0"/>
-              <a:t>.</a:t>
+              <a:t> prediksi model menggunakan serangkaian metrik yang telah ditentukan.</a:t>
             </a:r>
             <a:endParaRPr lang="en-GB" sz="2400" dirty="0"/>
           </a:p>
           <a:p>
-            <a:pPr marL="342900" indent="-342900">
+            <a:pPr marL="457200" indent="-457200">
               <a:buFont typeface="Arial" panose="020B0604020202020204" pitchFamily="34" charset="0"/>
               <a:buChar char="•"/>
             </a:pPr>
             <a:r>
               <a:rPr lang="id-ID" sz="2400" dirty="0"/>
-              <a:t>Apa Saja Inovasi Utamanya?</a:t>
+              <a:t>Mengukur </a:t>
+            </a:r>
+            <a:r>
+              <a:rPr lang="id-ID" sz="2400" b="1" dirty="0"/>
+              <a:t>efisiensi komputasi</a:t>
+            </a:r>
+            <a:r>
+              <a:rPr lang="id-ID" sz="2400" dirty="0"/>
+              <a:t> model berdasarkan waktu pemrosesan yang dibutuhkan.</a:t>
             </a:r>
             <a:endParaRPr lang="en-GB" sz="2400" dirty="0"/>
           </a:p>
           <a:p>
-            <a:pPr marL="800100" lvl="1" indent="-342900">
+            <a:pPr marL="457200" indent="-457200">
               <a:buFont typeface="Arial" panose="020B0604020202020204" pitchFamily="34" charset="0"/>
               <a:buChar char="•"/>
             </a:pPr>
-            <a:r>
-              <a:rPr lang="id-ID" sz="2400" b="1" dirty="0"/>
-              <a:t>GOSS (</a:t>
-            </a:r>
-            <a:r>
-              <a:rPr lang="id-ID" sz="2400" b="1" dirty="0" err="1"/>
-              <a:t>Gradient-based</a:t>
-            </a:r>
-            <a:r>
-              <a:rPr lang="id-ID" sz="2400" b="1" dirty="0"/>
-              <a:t> One-</a:t>
-            </a:r>
-            <a:r>
-              <a:rPr lang="id-ID" sz="2400" b="1" dirty="0" err="1"/>
-              <a:t>Side</a:t>
-            </a:r>
-            <a:r>
-              <a:rPr lang="id-ID" sz="2400" b="1" dirty="0"/>
-              <a:t> Sampling)</a:t>
-            </a:r>
-            <a:endParaRPr lang="en-GB" sz="2400" b="1" dirty="0"/>
-          </a:p>
-          <a:p>
-            <a:pPr marL="800100" lvl="1" indent="-342900">
-              <a:buFont typeface="Arial" panose="020B0604020202020204" pitchFamily="34" charset="0"/>
-              <a:buChar char="•"/>
-            </a:pPr>
-            <a:r>
-              <a:rPr lang="id-ID" sz="2400" b="1" dirty="0"/>
-              <a:t>EFB (</a:t>
-            </a:r>
-            <a:r>
-              <a:rPr lang="id-ID" sz="2400" b="1" dirty="0" err="1"/>
-              <a:t>Exclusive</a:t>
-            </a:r>
-            <a:r>
-              <a:rPr lang="id-ID" sz="2400" b="1" dirty="0"/>
-              <a:t> </a:t>
-            </a:r>
-            <a:r>
-              <a:rPr lang="id-ID" sz="2400" b="1" dirty="0" err="1"/>
-              <a:t>Feature</a:t>
-            </a:r>
-            <a:r>
-              <a:rPr lang="id-ID" sz="2400" b="1" dirty="0"/>
-              <a:t> </a:t>
-            </a:r>
-            <a:r>
-              <a:rPr lang="id-ID" sz="2400" b="1" dirty="0" err="1"/>
-              <a:t>Bundling</a:t>
-            </a:r>
-            <a:r>
-              <a:rPr lang="id-ID" sz="2400" b="1" dirty="0"/>
-              <a:t>)</a:t>
-            </a:r>
             <a:endParaRPr lang="id-ID" sz="2400" dirty="0"/>
           </a:p>
         </p:txBody>
       </p:sp>
-      <p:pic>
-        <p:nvPicPr>
-          <p:cNvPr id="14" name="Picture 13">
-            <a:extLst>
-              <a:ext uri="{FF2B5EF4-FFF2-40B4-BE49-F238E27FC236}">
-                <a16:creationId xmlns:a16="http://schemas.microsoft.com/office/drawing/2014/main" id="{4BD5B134-B178-CD70-55B3-1D36DAA9EC5B}"/>
-              </a:ext>
-            </a:extLst>
-          </p:cNvPr>
-          <p:cNvPicPr>
-            <a:picLocks noChangeAspect="1"/>
-          </p:cNvPicPr>
-          <p:nvPr/>
-        </p:nvPicPr>
-        <p:blipFill rotWithShape="1">
-          <a:blip r:embed="rId3">
-            <a:extLst>
-              <a:ext uri="{28A0092B-C50C-407E-A947-70E740481C1C}">
-                <a14:useLocalDpi xmlns:a14="http://schemas.microsoft.com/office/drawing/2010/main" val="0"/>
-              </a:ext>
-            </a:extLst>
-          </a:blip>
-          <a:srcRect b="17242"/>
-          <a:stretch/>
-        </p:blipFill>
-        <p:spPr bwMode="auto">
-          <a:xfrm>
-            <a:off x="1167492" y="1643063"/>
-            <a:ext cx="8446303" cy="2425378"/>
-          </a:xfrm>
-          <a:prstGeom prst="rect">
-            <a:avLst/>
-          </a:prstGeom>
-          <a:noFill/>
-          <a:ln>
-            <a:noFill/>
-          </a:ln>
-          <a:extLst>
-            <a:ext uri="{53640926-AAD7-44D8-BBD7-CCE9431645EC}">
-              <a14:shadowObscured xmlns:a14="http://schemas.microsoft.com/office/drawing/2010/main"/>
-            </a:ext>
-          </a:extLst>
-        </p:spPr>
-      </p:pic>
     </p:spTree>
     <p:extLst>
       <p:ext uri="{BB962C8B-B14F-4D97-AF65-F5344CB8AC3E}">
-        <p14:creationId xmlns:p14="http://schemas.microsoft.com/office/powerpoint/2010/main" val="700209266"/>
+        <p14:creationId xmlns:p14="http://schemas.microsoft.com/office/powerpoint/2010/main" val="3446797337"/>
       </p:ext>
     </p:extLst>
   </p:cSld>
@@ -15683,13 +15998,7 @@
   <p:cSld>
     <p:spTree>
       <p:nvGrpSpPr>
-        <p:cNvPr id="1" name="">
-          <a:extLst>
-            <a:ext uri="{FF2B5EF4-FFF2-40B4-BE49-F238E27FC236}">
-              <a16:creationId xmlns:a16="http://schemas.microsoft.com/office/drawing/2014/main" id="{88BC9BD7-3D23-6F10-EF7E-7DC20D307928}"/>
-            </a:ext>
-          </a:extLst>
-        </p:cNvPr>
+        <p:cNvPr id="1" name=""/>
         <p:cNvGrpSpPr/>
         <p:nvPr/>
       </p:nvGrpSpPr>
@@ -15706,7 +16015,7 @@
           <p:cNvPr id="2" name="Judul 1">
             <a:extLst>
               <a:ext uri="{FF2B5EF4-FFF2-40B4-BE49-F238E27FC236}">
-                <a16:creationId xmlns:a16="http://schemas.microsoft.com/office/drawing/2014/main" id="{621A8F7B-46EE-77F6-2550-6ABA371AFD50}"/>
+                <a16:creationId xmlns:a16="http://schemas.microsoft.com/office/drawing/2014/main" id="{27A6F7BB-30A8-4980-AD4A-2FB0B53FA6C9}"/>
               </a:ext>
             </a:extLst>
           </p:cNvPr>
@@ -15719,8 +16028,8 @@
         </p:nvSpPr>
         <p:spPr>
           <a:xfrm>
-            <a:off x="750430" y="381000"/>
-            <a:ext cx="10678142" cy="1325563"/>
+            <a:off x="750430" y="381001"/>
+            <a:ext cx="8401624" cy="800100"/>
           </a:xfrm>
         </p:spPr>
         <p:txBody>
@@ -15736,59 +16045,16 @@
               <a:rPr lang="en-GB" dirty="0"/>
               <a:t> Teori</a:t>
             </a:r>
-            <a:br>
-              <a:rPr lang="en-GB" dirty="0"/>
-            </a:br>
-            <a:r>
-              <a:rPr lang="en-GB" sz="4000" b="0" i="1" dirty="0"/>
-              <a:t>Knowledge Discovery in Databases (KDD)</a:t>
-            </a:r>
             <a:endParaRPr lang="id-ID" dirty="0"/>
           </a:p>
         </p:txBody>
       </p:sp>
       <p:sp>
         <p:nvSpPr>
-          <p:cNvPr id="5" name="Tampungan Nomor Slide 4">
-            <a:extLst>
-              <a:ext uri="{FF2B5EF4-FFF2-40B4-BE49-F238E27FC236}">
-                <a16:creationId xmlns:a16="http://schemas.microsoft.com/office/drawing/2014/main" id="{850C921C-D3AA-E132-ED29-DA456818059D}"/>
-              </a:ext>
-            </a:extLst>
-          </p:cNvPr>
-          <p:cNvSpPr>
-            <a:spLocks noGrp="1"/>
-          </p:cNvSpPr>
-          <p:nvPr>
-            <p:ph type="sldNum" sz="quarter" idx="27"/>
-          </p:nvPr>
-        </p:nvSpPr>
-        <p:spPr>
-          <a:xfrm>
-            <a:off x="9067800" y="6356350"/>
-            <a:ext cx="2743200" cy="365125"/>
-          </a:xfrm>
-        </p:spPr>
-        <p:txBody>
-          <a:bodyPr rtlCol="0"/>
-          <a:lstStyle/>
-          <a:p>
-            <a:pPr rtl="0"/>
-            <a:fld id="{294A09A9-5501-47C1-A89A-A340965A2BE2}" type="slidenum">
-              <a:rPr lang="id-ID" smtClean="0"/>
-              <a:pPr rtl="0"/>
-              <a:t>11</a:t>
-            </a:fld>
-            <a:endParaRPr lang="id-ID"/>
-          </a:p>
-        </p:txBody>
-      </p:sp>
-      <p:sp>
-        <p:nvSpPr>
-          <p:cNvPr id="78" name="Content Placeholder 7">
-            <a:extLst>
-              <a:ext uri="{FF2B5EF4-FFF2-40B4-BE49-F238E27FC236}">
-                <a16:creationId xmlns:a16="http://schemas.microsoft.com/office/drawing/2014/main" id="{BC596EEE-E7DA-888F-8DD6-E1A326759936}"/>
+          <p:cNvPr id="30" name="Content Placeholder 7">
+            <a:extLst>
+              <a:ext uri="{FF2B5EF4-FFF2-40B4-BE49-F238E27FC236}">
+                <a16:creationId xmlns:a16="http://schemas.microsoft.com/office/drawing/2014/main" id="{3356F53D-93D5-F6C0-E8ED-84F1016A46C5}"/>
               </a:ext>
             </a:extLst>
           </p:cNvPr>
@@ -15799,8 +16065,8 @@
         </p:nvSpPr>
         <p:spPr>
           <a:xfrm>
-            <a:off x="576258" y="1706563"/>
-            <a:ext cx="6114726" cy="2687637"/>
+            <a:off x="296406" y="1785144"/>
+            <a:ext cx="9341080" cy="4296342"/>
           </a:xfrm>
           <a:prstGeom prst="rect">
             <a:avLst/>
@@ -15975,6 +16241,956 @@
           <a:p>
             <a:pPr marL="457200" indent="-457200"/>
             <a:r>
+              <a:rPr lang="id-ID" b="1" dirty="0" err="1"/>
+              <a:t>xG</a:t>
+            </a:r>
+            <a:r>
+              <a:rPr lang="id-ID" dirty="0"/>
+              <a:t> adalah metrik untuk mengukur </a:t>
+            </a:r>
+            <a:r>
+              <a:rPr lang="id-ID" b="1" dirty="0"/>
+              <a:t>kualitas sebuah peluang tembakan</a:t>
+            </a:r>
+            <a:r>
+              <a:rPr lang="en-GB" b="1" dirty="0"/>
+              <a:t> </a:t>
+            </a:r>
+            <a:r>
+              <a:rPr lang="en-GB" b="1" dirty="0" err="1"/>
+              <a:t>menggunakan</a:t>
+            </a:r>
+            <a:r>
+              <a:rPr lang="en-GB" b="1" dirty="0"/>
+              <a:t> </a:t>
+            </a:r>
+            <a:r>
+              <a:rPr lang="en-GB" b="1" dirty="0" err="1"/>
+              <a:t>probabilitas</a:t>
+            </a:r>
+            <a:r>
+              <a:rPr lang="id-ID" dirty="0"/>
+              <a:t>.</a:t>
+            </a:r>
+            <a:endParaRPr lang="en-GB" dirty="0"/>
+          </a:p>
+          <a:p>
+            <a:pPr marL="457200" indent="-457200"/>
+            <a:r>
+              <a:rPr lang="en-GB" dirty="0"/>
+              <a:t>Pada </a:t>
+            </a:r>
+            <a:r>
+              <a:rPr lang="en-GB" dirty="0" err="1"/>
+              <a:t>umumnya</a:t>
+            </a:r>
+            <a:r>
+              <a:rPr lang="en-GB" dirty="0"/>
+              <a:t> </a:t>
+            </a:r>
+            <a:r>
+              <a:rPr lang="id-ID" dirty="0"/>
+              <a:t>Model </a:t>
+            </a:r>
+            <a:r>
+              <a:rPr lang="id-ID" dirty="0" err="1"/>
+              <a:t>xG</a:t>
+            </a:r>
+            <a:r>
+              <a:rPr lang="id-ID" dirty="0"/>
+              <a:t> menganalisis ribuan data tembakan historis dengan mempertimbangkan berbagai faktor, seperti:</a:t>
+            </a:r>
+            <a:endParaRPr lang="en-GB" dirty="0"/>
+          </a:p>
+          <a:p>
+            <a:pPr lvl="1"/>
+            <a:r>
+              <a:rPr lang="id-ID" dirty="0"/>
+              <a:t>Jarak dan sudut tembakan</a:t>
+            </a:r>
+          </a:p>
+          <a:p>
+            <a:pPr lvl="1"/>
+            <a:r>
+              <a:rPr lang="id-ID" dirty="0"/>
+              <a:t>Bagian tubuh yang digunakan (kaki atau kepala)</a:t>
+            </a:r>
+          </a:p>
+          <a:p>
+            <a:pPr lvl="1"/>
+            <a:r>
+              <a:rPr lang="id-ID" dirty="0"/>
+              <a:t>Jenis permainan yang mendahului tembakan (umpan terobosan, dll.). (</a:t>
+            </a:r>
+            <a:r>
+              <a:rPr lang="id-ID" dirty="0" err="1"/>
+              <a:t>Olvera-Rojas</a:t>
+            </a:r>
+            <a:r>
+              <a:rPr lang="id-ID" dirty="0"/>
+              <a:t> </a:t>
+            </a:r>
+            <a:r>
+              <a:rPr lang="id-ID" dirty="0" err="1"/>
+              <a:t>et</a:t>
+            </a:r>
+            <a:r>
+              <a:rPr lang="id-ID" dirty="0"/>
+              <a:t> </a:t>
+            </a:r>
+            <a:r>
+              <a:rPr lang="id-ID" dirty="0" err="1"/>
+              <a:t>al.</a:t>
+            </a:r>
+            <a:r>
+              <a:rPr lang="id-ID" dirty="0"/>
+              <a:t>, 2023).</a:t>
+            </a:r>
+          </a:p>
+          <a:p>
+            <a:pPr marL="457200" indent="-457200"/>
+            <a:endParaRPr lang="id-ID" dirty="0"/>
+          </a:p>
+        </p:txBody>
+      </p:sp>
+      <p:sp>
+        <p:nvSpPr>
+          <p:cNvPr id="32" name="Judul 1">
+            <a:extLst>
+              <a:ext uri="{FF2B5EF4-FFF2-40B4-BE49-F238E27FC236}">
+                <a16:creationId xmlns:a16="http://schemas.microsoft.com/office/drawing/2014/main" id="{B27BB883-ED93-314A-0678-70F078C6176D}"/>
+              </a:ext>
+            </a:extLst>
+          </p:cNvPr>
+          <p:cNvSpPr txBox="1">
+            <a:spLocks/>
+          </p:cNvSpPr>
+          <p:nvPr/>
+        </p:nvSpPr>
+        <p:spPr>
+          <a:xfrm>
+            <a:off x="750430" y="1181101"/>
+            <a:ext cx="8401624" cy="444499"/>
+          </a:xfrm>
+          <a:prstGeom prst="rect">
+            <a:avLst/>
+          </a:prstGeom>
+        </p:spPr>
+        <p:txBody>
+          <a:bodyPr vert="horz" lIns="0" tIns="45720" rIns="91440" bIns="45720" rtlCol="0" anchor="b">
+            <a:noAutofit/>
+          </a:bodyPr>
+          <a:lstStyle>
+            <a:lvl1pPr algn="l" defTabSz="914400" rtl="0" eaLnBrk="1" latinLnBrk="0" hangingPunct="1">
+              <a:lnSpc>
+                <a:spcPct val="90000"/>
+              </a:lnSpc>
+              <a:spcBef>
+                <a:spcPct val="0"/>
+              </a:spcBef>
+              <a:buNone/>
+              <a:defRPr sz="4800" b="1" kern="1200">
+                <a:solidFill>
+                  <a:schemeClr val="tx1"/>
+                </a:solidFill>
+                <a:latin typeface="+mj-lt"/>
+                <a:ea typeface="+mj-ea"/>
+                <a:cs typeface="+mj-cs"/>
+              </a:defRPr>
+            </a:lvl1pPr>
+          </a:lstStyle>
+          <a:p>
+            <a:r>
+              <a:rPr lang="en-GB" sz="4000" b="0" i="1" dirty="0"/>
+              <a:t>Expected Goals (</a:t>
+            </a:r>
+            <a:r>
+              <a:rPr lang="en-GB" sz="4000" b="0" i="1" dirty="0" err="1"/>
+              <a:t>xG</a:t>
+            </a:r>
+            <a:r>
+              <a:rPr lang="en-GB" sz="4000" b="0" i="1" dirty="0"/>
+              <a:t>)</a:t>
+            </a:r>
+            <a:endParaRPr lang="id-ID" sz="4000" b="0" i="1" dirty="0"/>
+          </a:p>
+        </p:txBody>
+      </p:sp>
+    </p:spTree>
+    <p:extLst>
+      <p:ext uri="{BB962C8B-B14F-4D97-AF65-F5344CB8AC3E}">
+        <p14:creationId xmlns:p14="http://schemas.microsoft.com/office/powerpoint/2010/main" val="3335690284"/>
+      </p:ext>
+    </p:extLst>
+  </p:cSld>
+  <p:clrMapOvr>
+    <a:masterClrMapping/>
+  </p:clrMapOvr>
+</p:sld>
+</file>
+
+<file path=ppt/slides/slide12.xml><?xml version="1.0" encoding="utf-8"?>
+<p:sld xmlns:a="http://schemas.openxmlformats.org/drawingml/2006/main" xmlns:r="http://schemas.openxmlformats.org/officeDocument/2006/relationships" xmlns:p="http://schemas.openxmlformats.org/presentationml/2006/main">
+  <p:cSld>
+    <p:spTree>
+      <p:nvGrpSpPr>
+        <p:cNvPr id="1" name="">
+          <a:extLst>
+            <a:ext uri="{FF2B5EF4-FFF2-40B4-BE49-F238E27FC236}">
+              <a16:creationId xmlns:a16="http://schemas.microsoft.com/office/drawing/2014/main" id="{8C48F11B-AB1F-36A2-9541-071E58C65026}"/>
+            </a:ext>
+          </a:extLst>
+        </p:cNvPr>
+        <p:cNvGrpSpPr/>
+        <p:nvPr/>
+      </p:nvGrpSpPr>
+      <p:grpSpPr>
+        <a:xfrm>
+          <a:off x="0" y="0"/>
+          <a:ext cx="0" cy="0"/>
+          <a:chOff x="0" y="0"/>
+          <a:chExt cx="0" cy="0"/>
+        </a:xfrm>
+      </p:grpSpPr>
+      <p:sp>
+        <p:nvSpPr>
+          <p:cNvPr id="3" name="Tampungan Tanggal 2">
+            <a:extLst>
+              <a:ext uri="{FF2B5EF4-FFF2-40B4-BE49-F238E27FC236}">
+                <a16:creationId xmlns:a16="http://schemas.microsoft.com/office/drawing/2014/main" id="{1F0A7994-0AFC-7AA4-C729-A5AB30609F6F}"/>
+              </a:ext>
+            </a:extLst>
+          </p:cNvPr>
+          <p:cNvSpPr>
+            <a:spLocks noGrp="1"/>
+          </p:cNvSpPr>
+          <p:nvPr>
+            <p:ph type="dt" sz="half" idx="10"/>
+          </p:nvPr>
+        </p:nvSpPr>
+        <p:spPr/>
+        <p:txBody>
+          <a:bodyPr rtlCol="0"/>
+          <a:lstStyle/>
+          <a:p>
+            <a:pPr rtl="0"/>
+            <a:fld id="{A808DD98-197B-46F5-A6AA-BDA332D7E685}" type="datetime1">
+              <a:rPr lang="id-ID" smtClean="0"/>
+              <a:t>29/07/2025</a:t>
+            </a:fld>
+            <a:endParaRPr lang="id-ID"/>
+          </a:p>
+        </p:txBody>
+      </p:sp>
+      <p:sp>
+        <p:nvSpPr>
+          <p:cNvPr id="4" name="Tampungan Kaki 3">
+            <a:extLst>
+              <a:ext uri="{FF2B5EF4-FFF2-40B4-BE49-F238E27FC236}">
+                <a16:creationId xmlns:a16="http://schemas.microsoft.com/office/drawing/2014/main" id="{58FFB98C-CFF5-B9FA-9A41-DD916B870D49}"/>
+              </a:ext>
+            </a:extLst>
+          </p:cNvPr>
+          <p:cNvSpPr>
+            <a:spLocks noGrp="1"/>
+          </p:cNvSpPr>
+          <p:nvPr>
+            <p:ph type="ftr" sz="quarter" idx="11"/>
+          </p:nvPr>
+        </p:nvSpPr>
+        <p:spPr/>
+        <p:txBody>
+          <a:bodyPr rtlCol="0"/>
+          <a:lstStyle/>
+          <a:p>
+            <a:pPr rtl="0"/>
+            <a:r>
+              <a:rPr lang="en-GB" sz="2000" dirty="0" err="1"/>
+              <a:t>Opta</a:t>
+            </a:r>
+            <a:r>
+              <a:rPr lang="en-GB" sz="2000" dirty="0"/>
+              <a:t> (2023)</a:t>
+            </a:r>
+            <a:endParaRPr lang="id-ID" sz="2000" dirty="0"/>
+          </a:p>
+        </p:txBody>
+      </p:sp>
+      <p:sp>
+        <p:nvSpPr>
+          <p:cNvPr id="5" name="Tampungan Nomor Slide 4">
+            <a:extLst>
+              <a:ext uri="{FF2B5EF4-FFF2-40B4-BE49-F238E27FC236}">
+                <a16:creationId xmlns:a16="http://schemas.microsoft.com/office/drawing/2014/main" id="{8D782479-0704-A2C9-CB87-89344E5169EE}"/>
+              </a:ext>
+            </a:extLst>
+          </p:cNvPr>
+          <p:cNvSpPr>
+            <a:spLocks noGrp="1"/>
+          </p:cNvSpPr>
+          <p:nvPr>
+            <p:ph type="sldNum" sz="quarter" idx="12"/>
+          </p:nvPr>
+        </p:nvSpPr>
+        <p:spPr/>
+        <p:txBody>
+          <a:bodyPr rtlCol="0"/>
+          <a:lstStyle/>
+          <a:p>
+            <a:pPr rtl="0"/>
+            <a:fld id="{294A09A9-5501-47C1-A89A-A340965A2BE2}" type="slidenum">
+              <a:rPr lang="id-ID" smtClean="0"/>
+              <a:pPr rtl="0"/>
+              <a:t>12</a:t>
+            </a:fld>
+            <a:endParaRPr lang="id-ID"/>
+          </a:p>
+        </p:txBody>
+      </p:sp>
+      <p:pic>
+        <p:nvPicPr>
+          <p:cNvPr id="33" name="Picture 32" descr="Alexis Sanchez expected goals (xG) map 2022-23">
+            <a:extLst>
+              <a:ext uri="{FF2B5EF4-FFF2-40B4-BE49-F238E27FC236}">
+                <a16:creationId xmlns:a16="http://schemas.microsoft.com/office/drawing/2014/main" id="{8E2FB1A2-49A7-E85E-D4F3-2E05EE718439}"/>
+              </a:ext>
+            </a:extLst>
+          </p:cNvPr>
+          <p:cNvPicPr>
+            <a:picLocks noChangeAspect="1"/>
+          </p:cNvPicPr>
+          <p:nvPr/>
+        </p:nvPicPr>
+        <p:blipFill>
+          <a:blip r:embed="rId3" cstate="print">
+            <a:extLst>
+              <a:ext uri="{28A0092B-C50C-407E-A947-70E740481C1C}">
+                <a14:useLocalDpi xmlns:a14="http://schemas.microsoft.com/office/drawing/2010/main" val="0"/>
+              </a:ext>
+            </a:extLst>
+          </a:blip>
+          <a:srcRect/>
+          <a:stretch>
+            <a:fillRect/>
+          </a:stretch>
+        </p:blipFill>
+        <p:spPr bwMode="auto">
+          <a:xfrm>
+            <a:off x="2251073" y="136525"/>
+            <a:ext cx="8293100" cy="6219825"/>
+          </a:xfrm>
+          <a:prstGeom prst="rect">
+            <a:avLst/>
+          </a:prstGeom>
+          <a:noFill/>
+          <a:ln>
+            <a:noFill/>
+          </a:ln>
+        </p:spPr>
+      </p:pic>
+    </p:spTree>
+    <p:extLst>
+      <p:ext uri="{BB962C8B-B14F-4D97-AF65-F5344CB8AC3E}">
+        <p14:creationId xmlns:p14="http://schemas.microsoft.com/office/powerpoint/2010/main" val="393962603"/>
+      </p:ext>
+    </p:extLst>
+  </p:cSld>
+  <p:clrMapOvr>
+    <a:masterClrMapping/>
+  </p:clrMapOvr>
+</p:sld>
+</file>
+
+<file path=ppt/slides/slide13.xml><?xml version="1.0" encoding="utf-8"?>
+<p:sld xmlns:a="http://schemas.openxmlformats.org/drawingml/2006/main" xmlns:r="http://schemas.openxmlformats.org/officeDocument/2006/relationships" xmlns:p="http://schemas.openxmlformats.org/presentationml/2006/main">
+  <p:cSld>
+    <p:spTree>
+      <p:nvGrpSpPr>
+        <p:cNvPr id="1" name=""/>
+        <p:cNvGrpSpPr/>
+        <p:nvPr/>
+      </p:nvGrpSpPr>
+      <p:grpSpPr>
+        <a:xfrm>
+          <a:off x="0" y="0"/>
+          <a:ext cx="0" cy="0"/>
+          <a:chOff x="0" y="0"/>
+          <a:chExt cx="0" cy="0"/>
+        </a:xfrm>
+      </p:grpSpPr>
+      <p:sp>
+        <p:nvSpPr>
+          <p:cNvPr id="2" name="Judul 1">
+            <a:extLst>
+              <a:ext uri="{FF2B5EF4-FFF2-40B4-BE49-F238E27FC236}">
+                <a16:creationId xmlns:a16="http://schemas.microsoft.com/office/drawing/2014/main" id="{DD0B6389-2374-4677-B8BB-59410CCC32FD}"/>
+              </a:ext>
+            </a:extLst>
+          </p:cNvPr>
+          <p:cNvSpPr>
+            <a:spLocks noGrp="1"/>
+          </p:cNvSpPr>
+          <p:nvPr>
+            <p:ph type="title"/>
+          </p:nvPr>
+        </p:nvSpPr>
+        <p:spPr>
+          <a:xfrm>
+            <a:off x="1167492" y="381001"/>
+            <a:ext cx="9779183" cy="1262062"/>
+          </a:xfrm>
+        </p:spPr>
+        <p:txBody>
+          <a:bodyPr rtlCol="0">
+            <a:normAutofit fontScale="90000"/>
+          </a:bodyPr>
+          <a:lstStyle/>
+          <a:p>
+            <a:pPr rtl="0"/>
+            <a:r>
+              <a:rPr lang="en-GB" dirty="0" err="1"/>
+              <a:t>Landasan</a:t>
+            </a:r>
+            <a:r>
+              <a:rPr lang="en-GB" dirty="0"/>
+              <a:t> Teori</a:t>
+            </a:r>
+            <a:br>
+              <a:rPr lang="en-GB" dirty="0"/>
+            </a:br>
+            <a:r>
+              <a:rPr lang="en-GB" b="0" i="1" dirty="0" err="1"/>
+              <a:t>LightGBM</a:t>
+            </a:r>
+            <a:endParaRPr lang="id-ID" b="0" i="1" dirty="0"/>
+          </a:p>
+        </p:txBody>
+      </p:sp>
+      <p:sp>
+        <p:nvSpPr>
+          <p:cNvPr id="13" name="TextBox 12">
+            <a:extLst>
+              <a:ext uri="{FF2B5EF4-FFF2-40B4-BE49-F238E27FC236}">
+                <a16:creationId xmlns:a16="http://schemas.microsoft.com/office/drawing/2014/main" id="{3B2B8A14-1FBE-5215-CF2B-905D2837E291}"/>
+              </a:ext>
+            </a:extLst>
+          </p:cNvPr>
+          <p:cNvSpPr txBox="1"/>
+          <p:nvPr/>
+        </p:nvSpPr>
+        <p:spPr>
+          <a:xfrm>
+            <a:off x="792776" y="1720840"/>
+            <a:ext cx="6740139" cy="3416320"/>
+          </a:xfrm>
+          <a:prstGeom prst="rect">
+            <a:avLst/>
+          </a:prstGeom>
+          <a:noFill/>
+        </p:spPr>
+        <p:txBody>
+          <a:bodyPr wrap="square">
+            <a:spAutoFit/>
+          </a:bodyPr>
+          <a:lstStyle/>
+          <a:p>
+            <a:pPr marL="342900" indent="-342900">
+              <a:buFont typeface="Arial" panose="020B0604020202020204" pitchFamily="34" charset="0"/>
+              <a:buChar char="•"/>
+            </a:pPr>
+            <a:r>
+              <a:rPr lang="id-ID" sz="2400" b="1" dirty="0" err="1"/>
+              <a:t>LightGBM</a:t>
+            </a:r>
+            <a:r>
+              <a:rPr lang="id-ID" sz="2400" dirty="0"/>
+              <a:t> adalah algoritma </a:t>
+            </a:r>
+            <a:r>
+              <a:rPr lang="id-ID" sz="2400" i="1" dirty="0" err="1"/>
+              <a:t>machine</a:t>
+            </a:r>
+            <a:r>
+              <a:rPr lang="id-ID" sz="2400" i="1" dirty="0"/>
+              <a:t> </a:t>
+            </a:r>
+            <a:r>
+              <a:rPr lang="id-ID" sz="2400" i="1" dirty="0" err="1"/>
+              <a:t>learning</a:t>
+            </a:r>
+            <a:r>
+              <a:rPr lang="id-ID" sz="2400" dirty="0"/>
+              <a:t> yang dirancang secara khusus untuk mencapai </a:t>
+            </a:r>
+            <a:r>
+              <a:rPr lang="id-ID" sz="2400" b="1" dirty="0"/>
+              <a:t>kecepatan</a:t>
+            </a:r>
+            <a:r>
+              <a:rPr lang="id-ID" sz="2400" dirty="0"/>
+              <a:t> dan </a:t>
+            </a:r>
+            <a:r>
+              <a:rPr lang="id-ID" sz="2400" b="1" dirty="0"/>
+              <a:t>efisiensi</a:t>
+            </a:r>
+            <a:r>
+              <a:rPr lang="id-ID" sz="2400" dirty="0"/>
+              <a:t> yang sangat tinggi.</a:t>
+            </a:r>
+            <a:endParaRPr lang="en-GB" sz="2400" dirty="0"/>
+          </a:p>
+          <a:p>
+            <a:pPr marL="342900" indent="-342900">
+              <a:buFont typeface="Arial" panose="020B0604020202020204" pitchFamily="34" charset="0"/>
+              <a:buChar char="•"/>
+            </a:pPr>
+            <a:r>
+              <a:rPr lang="id-ID" sz="2400" dirty="0" err="1"/>
+              <a:t>LightGBM</a:t>
+            </a:r>
+            <a:r>
+              <a:rPr lang="id-ID" sz="2400" dirty="0"/>
+              <a:t> menggunakan strategi pertumbuhan pohon yang disebut </a:t>
+            </a:r>
+            <a:r>
+              <a:rPr lang="id-ID" sz="2400" b="1" i="1" dirty="0" err="1"/>
+              <a:t>leaf-wise</a:t>
+            </a:r>
+            <a:r>
+              <a:rPr lang="id-ID" sz="2400" dirty="0"/>
+              <a:t>.</a:t>
+            </a:r>
+            <a:endParaRPr lang="en-GB" sz="2400" dirty="0"/>
+          </a:p>
+          <a:p>
+            <a:pPr marL="342900" indent="-342900">
+              <a:buFont typeface="Arial" panose="020B0604020202020204" pitchFamily="34" charset="0"/>
+              <a:buChar char="•"/>
+            </a:pPr>
+            <a:r>
+              <a:rPr lang="id-ID" sz="2400" dirty="0"/>
+              <a:t>Apa Saja Inovasi Utamanya?</a:t>
+            </a:r>
+            <a:endParaRPr lang="en-GB" sz="2400" dirty="0"/>
+          </a:p>
+          <a:p>
+            <a:pPr marL="800100" lvl="1" indent="-342900">
+              <a:buFont typeface="Arial" panose="020B0604020202020204" pitchFamily="34" charset="0"/>
+              <a:buChar char="•"/>
+            </a:pPr>
+            <a:r>
+              <a:rPr lang="id-ID" sz="2400" b="1" dirty="0"/>
+              <a:t>GOSS (</a:t>
+            </a:r>
+            <a:r>
+              <a:rPr lang="id-ID" sz="2400" b="1" dirty="0" err="1"/>
+              <a:t>Gradient-based</a:t>
+            </a:r>
+            <a:r>
+              <a:rPr lang="id-ID" sz="2400" b="1" dirty="0"/>
+              <a:t> One-</a:t>
+            </a:r>
+            <a:r>
+              <a:rPr lang="id-ID" sz="2400" b="1" dirty="0" err="1"/>
+              <a:t>Side</a:t>
+            </a:r>
+            <a:r>
+              <a:rPr lang="id-ID" sz="2400" b="1" dirty="0"/>
+              <a:t> Sampling)</a:t>
+            </a:r>
+            <a:endParaRPr lang="en-GB" sz="2400" b="1" dirty="0"/>
+          </a:p>
+          <a:p>
+            <a:pPr marL="800100" lvl="1" indent="-342900">
+              <a:buFont typeface="Arial" panose="020B0604020202020204" pitchFamily="34" charset="0"/>
+              <a:buChar char="•"/>
+            </a:pPr>
+            <a:r>
+              <a:rPr lang="id-ID" sz="2400" b="1" dirty="0"/>
+              <a:t>EFB (</a:t>
+            </a:r>
+            <a:r>
+              <a:rPr lang="id-ID" sz="2400" b="1" dirty="0" err="1"/>
+              <a:t>Exclusive</a:t>
+            </a:r>
+            <a:r>
+              <a:rPr lang="id-ID" sz="2400" b="1" dirty="0"/>
+              <a:t> </a:t>
+            </a:r>
+            <a:r>
+              <a:rPr lang="id-ID" sz="2400" b="1" dirty="0" err="1"/>
+              <a:t>Feature</a:t>
+            </a:r>
+            <a:r>
+              <a:rPr lang="id-ID" sz="2400" b="1" dirty="0"/>
+              <a:t> </a:t>
+            </a:r>
+            <a:r>
+              <a:rPr lang="id-ID" sz="2400" b="1" dirty="0" err="1"/>
+              <a:t>Bundling</a:t>
+            </a:r>
+            <a:r>
+              <a:rPr lang="id-ID" sz="2400" b="1" dirty="0"/>
+              <a:t>)</a:t>
+            </a:r>
+            <a:endParaRPr lang="id-ID" sz="2400" dirty="0"/>
+          </a:p>
+        </p:txBody>
+      </p:sp>
+      <p:pic>
+        <p:nvPicPr>
+          <p:cNvPr id="3" name="Picture 2">
+            <a:extLst>
+              <a:ext uri="{FF2B5EF4-FFF2-40B4-BE49-F238E27FC236}">
+                <a16:creationId xmlns:a16="http://schemas.microsoft.com/office/drawing/2014/main" id="{89CDB749-A3C2-F68B-9A80-F0F92E3EB5D2}"/>
+              </a:ext>
+            </a:extLst>
+          </p:cNvPr>
+          <p:cNvPicPr>
+            <a:picLocks noChangeAspect="1"/>
+          </p:cNvPicPr>
+          <p:nvPr/>
+        </p:nvPicPr>
+        <p:blipFill>
+          <a:blip r:embed="rId3" cstate="print">
+            <a:extLst>
+              <a:ext uri="{28A0092B-C50C-407E-A947-70E740481C1C}">
+                <a14:useLocalDpi xmlns:a14="http://schemas.microsoft.com/office/drawing/2010/main" val="0"/>
+              </a:ext>
+            </a:extLst>
+          </a:blip>
+          <a:srcRect/>
+          <a:stretch>
+            <a:fillRect/>
+          </a:stretch>
+        </p:blipFill>
+        <p:spPr bwMode="auto">
+          <a:xfrm>
+            <a:off x="7837714" y="-5625"/>
+            <a:ext cx="1553029" cy="6894714"/>
+          </a:xfrm>
+          <a:prstGeom prst="rect">
+            <a:avLst/>
+          </a:prstGeom>
+          <a:solidFill>
+            <a:schemeClr val="bg1"/>
+          </a:solidFill>
+          <a:ln>
+            <a:noFill/>
+          </a:ln>
+        </p:spPr>
+      </p:pic>
+    </p:spTree>
+    <p:extLst>
+      <p:ext uri="{BB962C8B-B14F-4D97-AF65-F5344CB8AC3E}">
+        <p14:creationId xmlns:p14="http://schemas.microsoft.com/office/powerpoint/2010/main" val="700209266"/>
+      </p:ext>
+    </p:extLst>
+  </p:cSld>
+  <p:clrMapOvr>
+    <a:masterClrMapping/>
+  </p:clrMapOvr>
+</p:sld>
+</file>
+
+<file path=ppt/slides/slide14.xml><?xml version="1.0" encoding="utf-8"?>
+<p:sld xmlns:a="http://schemas.openxmlformats.org/drawingml/2006/main" xmlns:r="http://schemas.openxmlformats.org/officeDocument/2006/relationships" xmlns:p="http://schemas.openxmlformats.org/presentationml/2006/main">
+  <p:cSld>
+    <p:spTree>
+      <p:nvGrpSpPr>
+        <p:cNvPr id="1" name="">
+          <a:extLst>
+            <a:ext uri="{FF2B5EF4-FFF2-40B4-BE49-F238E27FC236}">
+              <a16:creationId xmlns:a16="http://schemas.microsoft.com/office/drawing/2014/main" id="{88BC9BD7-3D23-6F10-EF7E-7DC20D307928}"/>
+            </a:ext>
+          </a:extLst>
+        </p:cNvPr>
+        <p:cNvGrpSpPr/>
+        <p:nvPr/>
+      </p:nvGrpSpPr>
+      <p:grpSpPr>
+        <a:xfrm>
+          <a:off x="0" y="0"/>
+          <a:ext cx="0" cy="0"/>
+          <a:chOff x="0" y="0"/>
+          <a:chExt cx="0" cy="0"/>
+        </a:xfrm>
+      </p:grpSpPr>
+      <p:sp>
+        <p:nvSpPr>
+          <p:cNvPr id="2" name="Judul 1">
+            <a:extLst>
+              <a:ext uri="{FF2B5EF4-FFF2-40B4-BE49-F238E27FC236}">
+                <a16:creationId xmlns:a16="http://schemas.microsoft.com/office/drawing/2014/main" id="{621A8F7B-46EE-77F6-2550-6ABA371AFD50}"/>
+              </a:ext>
+            </a:extLst>
+          </p:cNvPr>
+          <p:cNvSpPr>
+            <a:spLocks noGrp="1"/>
+          </p:cNvSpPr>
+          <p:nvPr>
+            <p:ph type="title"/>
+          </p:nvPr>
+        </p:nvSpPr>
+        <p:spPr>
+          <a:xfrm>
+            <a:off x="750430" y="381000"/>
+            <a:ext cx="10678142" cy="1325563"/>
+          </a:xfrm>
+        </p:spPr>
+        <p:txBody>
+          <a:bodyPr rtlCol="0"/>
+          <a:lstStyle/>
+          <a:p>
+            <a:pPr rtl="0"/>
+            <a:r>
+              <a:rPr lang="en-GB" dirty="0" err="1"/>
+              <a:t>Landasan</a:t>
+            </a:r>
+            <a:r>
+              <a:rPr lang="en-GB" dirty="0"/>
+              <a:t> Teori</a:t>
+            </a:r>
+            <a:br>
+              <a:rPr lang="en-GB" dirty="0"/>
+            </a:br>
+            <a:r>
+              <a:rPr lang="en-GB" sz="4000" b="0" i="1" dirty="0"/>
+              <a:t>Knowledge Discovery in Databases (KDD)</a:t>
+            </a:r>
+            <a:endParaRPr lang="id-ID" dirty="0"/>
+          </a:p>
+        </p:txBody>
+      </p:sp>
+      <p:sp>
+        <p:nvSpPr>
+          <p:cNvPr id="5" name="Tampungan Nomor Slide 4">
+            <a:extLst>
+              <a:ext uri="{FF2B5EF4-FFF2-40B4-BE49-F238E27FC236}">
+                <a16:creationId xmlns:a16="http://schemas.microsoft.com/office/drawing/2014/main" id="{850C921C-D3AA-E132-ED29-DA456818059D}"/>
+              </a:ext>
+            </a:extLst>
+          </p:cNvPr>
+          <p:cNvSpPr>
+            <a:spLocks noGrp="1"/>
+          </p:cNvSpPr>
+          <p:nvPr>
+            <p:ph type="sldNum" sz="quarter" idx="27"/>
+          </p:nvPr>
+        </p:nvSpPr>
+        <p:spPr>
+          <a:xfrm>
+            <a:off x="9067800" y="6356350"/>
+            <a:ext cx="2743200" cy="365125"/>
+          </a:xfrm>
+        </p:spPr>
+        <p:txBody>
+          <a:bodyPr rtlCol="0"/>
+          <a:lstStyle/>
+          <a:p>
+            <a:pPr rtl="0"/>
+            <a:fld id="{294A09A9-5501-47C1-A89A-A340965A2BE2}" type="slidenum">
+              <a:rPr lang="id-ID" smtClean="0"/>
+              <a:pPr rtl="0"/>
+              <a:t>14</a:t>
+            </a:fld>
+            <a:endParaRPr lang="id-ID"/>
+          </a:p>
+        </p:txBody>
+      </p:sp>
+      <p:sp>
+        <p:nvSpPr>
+          <p:cNvPr id="78" name="Content Placeholder 7">
+            <a:extLst>
+              <a:ext uri="{FF2B5EF4-FFF2-40B4-BE49-F238E27FC236}">
+                <a16:creationId xmlns:a16="http://schemas.microsoft.com/office/drawing/2014/main" id="{BC596EEE-E7DA-888F-8DD6-E1A326759936}"/>
+              </a:ext>
+            </a:extLst>
+          </p:cNvPr>
+          <p:cNvSpPr txBox="1">
+            <a:spLocks/>
+          </p:cNvSpPr>
+          <p:nvPr/>
+        </p:nvSpPr>
+        <p:spPr>
+          <a:xfrm>
+            <a:off x="576258" y="1706563"/>
+            <a:ext cx="6114726" cy="2687637"/>
+          </a:xfrm>
+          <a:prstGeom prst="rect">
+            <a:avLst/>
+          </a:prstGeom>
+        </p:spPr>
+        <p:txBody>
+          <a:bodyPr/>
+          <a:lstStyle>
+            <a:lvl1pPr marL="228600" indent="-228600" algn="l" defTabSz="914400" rtl="0" eaLnBrk="1" latinLnBrk="0" hangingPunct="1">
+              <a:lnSpc>
+                <a:spcPct val="90000"/>
+              </a:lnSpc>
+              <a:spcBef>
+                <a:spcPts val="1000"/>
+              </a:spcBef>
+              <a:buFont typeface="Arial" panose="020B0604020202020204" pitchFamily="34" charset="0"/>
+              <a:buChar char="•"/>
+              <a:defRPr sz="2800" kern="1200">
+                <a:solidFill>
+                  <a:schemeClr val="tx1"/>
+                </a:solidFill>
+                <a:latin typeface="+mn-lt"/>
+                <a:ea typeface="+mn-ea"/>
+                <a:cs typeface="+mn-cs"/>
+              </a:defRPr>
+            </a:lvl1pPr>
+            <a:lvl2pPr marL="685800" indent="-228600" algn="l" defTabSz="914400" rtl="0" eaLnBrk="1" latinLnBrk="0" hangingPunct="1">
+              <a:lnSpc>
+                <a:spcPct val="90000"/>
+              </a:lnSpc>
+              <a:spcBef>
+                <a:spcPts val="500"/>
+              </a:spcBef>
+              <a:buFont typeface="Arial" panose="020B0604020202020204" pitchFamily="34" charset="0"/>
+              <a:buChar char="•"/>
+              <a:defRPr sz="2400" kern="1200">
+                <a:solidFill>
+                  <a:schemeClr val="tx1"/>
+                </a:solidFill>
+                <a:latin typeface="+mn-lt"/>
+                <a:ea typeface="+mn-ea"/>
+                <a:cs typeface="+mn-cs"/>
+              </a:defRPr>
+            </a:lvl2pPr>
+            <a:lvl3pPr marL="1143000" indent="-228600" algn="l" defTabSz="914400" rtl="0" eaLnBrk="1" latinLnBrk="0" hangingPunct="1">
+              <a:lnSpc>
+                <a:spcPct val="90000"/>
+              </a:lnSpc>
+              <a:spcBef>
+                <a:spcPts val="500"/>
+              </a:spcBef>
+              <a:buFont typeface="Arial" panose="020B0604020202020204" pitchFamily="34" charset="0"/>
+              <a:buChar char="•"/>
+              <a:defRPr sz="2000" kern="1200">
+                <a:solidFill>
+                  <a:schemeClr val="tx1"/>
+                </a:solidFill>
+                <a:latin typeface="+mn-lt"/>
+                <a:ea typeface="+mn-ea"/>
+                <a:cs typeface="+mn-cs"/>
+              </a:defRPr>
+            </a:lvl3pPr>
+            <a:lvl4pPr marL="1600200" indent="-228600" algn="l" defTabSz="914400" rtl="0" eaLnBrk="1" latinLnBrk="0" hangingPunct="1">
+              <a:lnSpc>
+                <a:spcPct val="90000"/>
+              </a:lnSpc>
+              <a:spcBef>
+                <a:spcPts val="500"/>
+              </a:spcBef>
+              <a:buFont typeface="Arial" panose="020B0604020202020204" pitchFamily="34" charset="0"/>
+              <a:buChar char="•"/>
+              <a:defRPr sz="1800" kern="1200">
+                <a:solidFill>
+                  <a:schemeClr val="tx1"/>
+                </a:solidFill>
+                <a:latin typeface="+mn-lt"/>
+                <a:ea typeface="+mn-ea"/>
+                <a:cs typeface="+mn-cs"/>
+              </a:defRPr>
+            </a:lvl4pPr>
+            <a:lvl5pPr marL="2057400" indent="-228600" algn="l" defTabSz="914400" rtl="0" eaLnBrk="1" latinLnBrk="0" hangingPunct="1">
+              <a:lnSpc>
+                <a:spcPct val="90000"/>
+              </a:lnSpc>
+              <a:spcBef>
+                <a:spcPts val="500"/>
+              </a:spcBef>
+              <a:buFont typeface="Arial" panose="020B0604020202020204" pitchFamily="34" charset="0"/>
+              <a:buChar char="•"/>
+              <a:defRPr sz="1800" kern="1200">
+                <a:solidFill>
+                  <a:schemeClr val="tx1"/>
+                </a:solidFill>
+                <a:latin typeface="+mn-lt"/>
+                <a:ea typeface="+mn-ea"/>
+                <a:cs typeface="+mn-cs"/>
+              </a:defRPr>
+            </a:lvl5pPr>
+            <a:lvl6pPr marL="2514600" indent="-228600" algn="l" defTabSz="914400" rtl="0" eaLnBrk="1" latinLnBrk="0" hangingPunct="1">
+              <a:lnSpc>
+                <a:spcPct val="90000"/>
+              </a:lnSpc>
+              <a:spcBef>
+                <a:spcPts val="500"/>
+              </a:spcBef>
+              <a:buFont typeface="Arial" panose="020B0604020202020204" pitchFamily="34" charset="0"/>
+              <a:buChar char="•"/>
+              <a:defRPr sz="1800" kern="1200">
+                <a:solidFill>
+                  <a:schemeClr val="tx1"/>
+                </a:solidFill>
+                <a:latin typeface="+mn-lt"/>
+                <a:ea typeface="+mn-ea"/>
+                <a:cs typeface="+mn-cs"/>
+              </a:defRPr>
+            </a:lvl6pPr>
+            <a:lvl7pPr marL="2971800" indent="-228600" algn="l" defTabSz="914400" rtl="0" eaLnBrk="1" latinLnBrk="0" hangingPunct="1">
+              <a:lnSpc>
+                <a:spcPct val="90000"/>
+              </a:lnSpc>
+              <a:spcBef>
+                <a:spcPts val="500"/>
+              </a:spcBef>
+              <a:buFont typeface="Arial" panose="020B0604020202020204" pitchFamily="34" charset="0"/>
+              <a:buChar char="•"/>
+              <a:defRPr sz="1800" kern="1200">
+                <a:solidFill>
+                  <a:schemeClr val="tx1"/>
+                </a:solidFill>
+                <a:latin typeface="+mn-lt"/>
+                <a:ea typeface="+mn-ea"/>
+                <a:cs typeface="+mn-cs"/>
+              </a:defRPr>
+            </a:lvl7pPr>
+            <a:lvl8pPr marL="3429000" indent="-228600" algn="l" defTabSz="914400" rtl="0" eaLnBrk="1" latinLnBrk="0" hangingPunct="1">
+              <a:lnSpc>
+                <a:spcPct val="90000"/>
+              </a:lnSpc>
+              <a:spcBef>
+                <a:spcPts val="500"/>
+              </a:spcBef>
+              <a:buFont typeface="Arial" panose="020B0604020202020204" pitchFamily="34" charset="0"/>
+              <a:buChar char="•"/>
+              <a:defRPr sz="1800" kern="1200">
+                <a:solidFill>
+                  <a:schemeClr val="tx1"/>
+                </a:solidFill>
+                <a:latin typeface="+mn-lt"/>
+                <a:ea typeface="+mn-ea"/>
+                <a:cs typeface="+mn-cs"/>
+              </a:defRPr>
+            </a:lvl8pPr>
+            <a:lvl9pPr marL="3886200" indent="-228600" algn="l" defTabSz="914400" rtl="0" eaLnBrk="1" latinLnBrk="0" hangingPunct="1">
+              <a:lnSpc>
+                <a:spcPct val="90000"/>
+              </a:lnSpc>
+              <a:spcBef>
+                <a:spcPts val="500"/>
+              </a:spcBef>
+              <a:buFont typeface="Arial" panose="020B0604020202020204" pitchFamily="34" charset="0"/>
+              <a:buChar char="•"/>
+              <a:defRPr sz="1800" kern="1200">
+                <a:solidFill>
+                  <a:schemeClr val="tx1"/>
+                </a:solidFill>
+                <a:latin typeface="+mn-lt"/>
+                <a:ea typeface="+mn-ea"/>
+                <a:cs typeface="+mn-cs"/>
+              </a:defRPr>
+            </a:lvl9pPr>
+          </a:lstStyle>
+          <a:p>
+            <a:pPr marL="457200" indent="-457200"/>
+            <a:r>
               <a:rPr lang="id-ID" sz="2400" b="1" dirty="0"/>
               <a:t>KDD</a:t>
             </a:r>
@@ -16084,7 +17300,7 @@
 </p:sld>
 </file>
 
-<file path=ppt/slides/slide12.xml><?xml version="1.0" encoding="utf-8"?>
+<file path=ppt/slides/slide15.xml><?xml version="1.0" encoding="utf-8"?>
 <p:sld xmlns:a="http://schemas.openxmlformats.org/drawingml/2006/main" xmlns:r="http://schemas.openxmlformats.org/officeDocument/2006/relationships" xmlns:p="http://schemas.openxmlformats.org/presentationml/2006/main">
   <p:cSld>
     <p:spTree>
@@ -16174,7 +17390,7 @@
             <a:fld id="{294A09A9-5501-47C1-A89A-A340965A2BE2}" type="slidenum">
               <a:rPr lang="id-ID" smtClean="0"/>
               <a:pPr rtl="0"/>
-              <a:t>12</a:t>
+              <a:t>15</a:t>
             </a:fld>
             <a:endParaRPr lang="id-ID"/>
           </a:p>
@@ -17107,7 +18323,7 @@
 </p:sld>
 </file>
 
-<file path=ppt/slides/slide13.xml><?xml version="1.0" encoding="utf-8"?>
+<file path=ppt/slides/slide16.xml><?xml version="1.0" encoding="utf-8"?>
 <p:sld xmlns:a="http://schemas.openxmlformats.org/drawingml/2006/main" xmlns:r="http://schemas.openxmlformats.org/officeDocument/2006/relationships" xmlns:p="http://schemas.openxmlformats.org/presentationml/2006/main">
   <p:cSld>
     <p:spTree>
@@ -17193,35 +18409,6 @@
       </p:sp>
       <p:sp>
         <p:nvSpPr>
-          <p:cNvPr id="4" name="Tampungan Kaki 3">
-            <a:extLst>
-              <a:ext uri="{FF2B5EF4-FFF2-40B4-BE49-F238E27FC236}">
-                <a16:creationId xmlns:a16="http://schemas.microsoft.com/office/drawing/2014/main" id="{6E4EA976-8646-0143-BA18-8675E6FA5EB7}"/>
-              </a:ext>
-            </a:extLst>
-          </p:cNvPr>
-          <p:cNvSpPr>
-            <a:spLocks noGrp="1"/>
-          </p:cNvSpPr>
-          <p:nvPr>
-            <p:ph type="ftr" sz="quarter" idx="11"/>
-          </p:nvPr>
-        </p:nvSpPr>
-        <p:spPr/>
-        <p:txBody>
-          <a:bodyPr rtlCol="0"/>
-          <a:lstStyle/>
-          <a:p>
-            <a:pPr rtl="0"/>
-            <a:r>
-              <a:rPr lang="id-ID"/>
-              <a:t>JUDUL PRESENTASI</a:t>
-            </a:r>
-          </a:p>
-        </p:txBody>
-      </p:sp>
-      <p:sp>
-        <p:nvSpPr>
           <p:cNvPr id="5" name="Tampungan Nomor Slide 4">
             <a:extLst>
               <a:ext uri="{FF2B5EF4-FFF2-40B4-BE49-F238E27FC236}">
@@ -17245,7 +18432,7 @@
             <a:fld id="{294A09A9-5501-47C1-A89A-A340965A2BE2}" type="slidenum">
               <a:rPr lang="id-ID" smtClean="0"/>
               <a:pPr rtl="0"/>
-              <a:t>13</a:t>
+              <a:t>16</a:t>
             </a:fld>
             <a:endParaRPr lang="id-ID"/>
           </a:p>
@@ -17307,7 +18494,7 @@
 </p:sld>
 </file>
 
-<file path=ppt/slides/slide14.xml><?xml version="1.0" encoding="utf-8"?>
+<file path=ppt/slides/slide17.xml><?xml version="1.0" encoding="utf-8"?>
 <p:sld xmlns:a="http://schemas.openxmlformats.org/drawingml/2006/main" xmlns:r="http://schemas.openxmlformats.org/officeDocument/2006/relationships" xmlns:p="http://schemas.openxmlformats.org/presentationml/2006/main">
   <p:cSld>
     <p:spTree>
@@ -17499,7 +18686,7 @@
             <a:fld id="{294A09A9-5501-47C1-A89A-A340965A2BE2}" type="slidenum">
               <a:rPr lang="id-ID" smtClean="0"/>
               <a:pPr rtl="0"/>
-              <a:t>14</a:t>
+              <a:t>17</a:t>
             </a:fld>
             <a:endParaRPr lang="id-ID"/>
           </a:p>
@@ -17561,7 +18748,7 @@
 </p:sld>
 </file>
 
-<file path=ppt/slides/slide15.xml><?xml version="1.0" encoding="utf-8"?>
+<file path=ppt/slides/slide18.xml><?xml version="1.0" encoding="utf-8"?>
 <p:sld xmlns:a="http://schemas.openxmlformats.org/drawingml/2006/main" xmlns:r="http://schemas.openxmlformats.org/officeDocument/2006/relationships" xmlns:p="http://schemas.openxmlformats.org/presentationml/2006/main">
   <p:cSld>
     <p:spTree>
@@ -17642,7 +18829,7 @@
             <a:pPr rtl="0"/>
             <a:fld id="{294A09A9-5501-47C1-A89A-A340965A2BE2}" type="slidenum">
               <a:rPr lang="id-ID" smtClean="0"/>
-              <a:t>15</a:t>
+              <a:t>18</a:t>
             </a:fld>
             <a:endParaRPr lang="id-ID" dirty="0"/>
           </a:p>
@@ -17929,7 +19116,7 @@
 </p:sld>
 </file>
 
-<file path=ppt/slides/slide16.xml><?xml version="1.0" encoding="utf-8"?>
+<file path=ppt/slides/slide19.xml><?xml version="1.0" encoding="utf-8"?>
 <p:sld xmlns:a="http://schemas.openxmlformats.org/drawingml/2006/main" xmlns:r="http://schemas.openxmlformats.org/officeDocument/2006/relationships" xmlns:p="http://schemas.openxmlformats.org/presentationml/2006/main">
   <p:cSld>
     <p:spTree>
@@ -18108,7 +19295,7 @@
             <a:fld id="{294A09A9-5501-47C1-A89A-A340965A2BE2}" type="slidenum">
               <a:rPr lang="id-ID" smtClean="0"/>
               <a:pPr rtl="0"/>
-              <a:t>16</a:t>
+              <a:t>19</a:t>
             </a:fld>
             <a:endParaRPr lang="id-ID"/>
           </a:p>
@@ -18170,7 +19357,448 @@
 </p:sld>
 </file>
 
-<file path=ppt/slides/slide17.xml><?xml version="1.0" encoding="utf-8"?>
+<file path=ppt/slides/slide2.xml><?xml version="1.0" encoding="utf-8"?>
+<p:sld xmlns:a="http://schemas.openxmlformats.org/drawingml/2006/main" xmlns:r="http://schemas.openxmlformats.org/officeDocument/2006/relationships" xmlns:p="http://schemas.openxmlformats.org/presentationml/2006/main">
+  <p:cSld>
+    <p:spTree>
+      <p:nvGrpSpPr>
+        <p:cNvPr id="1" name="">
+          <a:extLst>
+            <a:ext uri="{FF2B5EF4-FFF2-40B4-BE49-F238E27FC236}">
+              <a16:creationId xmlns:a16="http://schemas.microsoft.com/office/drawing/2014/main" id="{CAE7D148-4E9F-218D-0CAE-EFC01133DE41}"/>
+            </a:ext>
+          </a:extLst>
+        </p:cNvPr>
+        <p:cNvGrpSpPr/>
+        <p:nvPr/>
+      </p:nvGrpSpPr>
+      <p:grpSpPr>
+        <a:xfrm>
+          <a:off x="0" y="0"/>
+          <a:ext cx="0" cy="0"/>
+          <a:chOff x="0" y="0"/>
+          <a:chExt cx="0" cy="0"/>
+        </a:xfrm>
+      </p:grpSpPr>
+      <p:sp>
+        <p:nvSpPr>
+          <p:cNvPr id="2" name="Judul 1">
+            <a:extLst>
+              <a:ext uri="{FF2B5EF4-FFF2-40B4-BE49-F238E27FC236}">
+                <a16:creationId xmlns:a16="http://schemas.microsoft.com/office/drawing/2014/main" id="{F7B15747-D2A1-592F-EA5B-B41F5AAF2A8A}"/>
+              </a:ext>
+            </a:extLst>
+          </p:cNvPr>
+          <p:cNvSpPr>
+            <a:spLocks noGrp="1"/>
+          </p:cNvSpPr>
+          <p:nvPr>
+            <p:ph type="title"/>
+          </p:nvPr>
+        </p:nvSpPr>
+        <p:spPr>
+          <a:xfrm>
+            <a:off x="1167492" y="381000"/>
+            <a:ext cx="9779183" cy="1325563"/>
+          </a:xfrm>
+        </p:spPr>
+        <p:txBody>
+          <a:bodyPr rtlCol="0"/>
+          <a:lstStyle/>
+          <a:p>
+            <a:pPr rtl="0"/>
+            <a:r>
+              <a:rPr lang="en-GB" dirty="0"/>
+              <a:t>Al-</a:t>
+            </a:r>
+            <a:r>
+              <a:rPr lang="en-GB" dirty="0" err="1"/>
+              <a:t>Alaq</a:t>
+            </a:r>
+            <a:r>
+              <a:rPr lang="en-GB" dirty="0"/>
+              <a:t> 1-5</a:t>
+            </a:r>
+            <a:endParaRPr lang="id-ID" dirty="0"/>
+          </a:p>
+        </p:txBody>
+      </p:sp>
+      <p:sp>
+        <p:nvSpPr>
+          <p:cNvPr id="4" name="Tampungan Konten 3">
+            <a:extLst>
+              <a:ext uri="{FF2B5EF4-FFF2-40B4-BE49-F238E27FC236}">
+                <a16:creationId xmlns:a16="http://schemas.microsoft.com/office/drawing/2014/main" id="{735DD3C0-4274-8316-486D-64F0F6768A22}"/>
+              </a:ext>
+            </a:extLst>
+          </p:cNvPr>
+          <p:cNvSpPr>
+            <a:spLocks noGrp="1"/>
+          </p:cNvSpPr>
+          <p:nvPr>
+            <p:ph idx="1"/>
+          </p:nvPr>
+        </p:nvSpPr>
+        <p:spPr>
+          <a:xfrm>
+            <a:off x="1167492" y="2020529"/>
+            <a:ext cx="9157607" cy="3347884"/>
+          </a:xfrm>
+        </p:spPr>
+        <p:txBody>
+          <a:bodyPr vert="horz" lIns="91440" tIns="45720" rIns="91440" bIns="45720" rtlCol="0" anchor="t">
+            <a:normAutofit fontScale="85000" lnSpcReduction="10000"/>
+          </a:bodyPr>
+          <a:lstStyle/>
+          <a:p>
+            <a:pPr algn="r"/>
+            <a:r>
+              <a:rPr lang="ar-AE" sz="4800" dirty="0"/>
+              <a:t>ٱقْرَأْ بِٱسْمِ رَبِّكَ ٱلَّذِى خَلَقَ ١خَلَقَ ٱلْإِنسَـٰنَ مِنْ عَلَقٍ ٢ٱقْرَأْ وَرَبُّكَ ٱلْأَكْرَمُ ٣ٱلَّذِى عَلَّمَ بِٱلْقَلَمِ ٤عَلَّمَ ٱلْإِنسَـٰنَ مَا لَمْ يَعْلَمْ </a:t>
+            </a:r>
+            <a:r>
+              <a:rPr lang="ar-AE" sz="3200" dirty="0"/>
+              <a:t>٥</a:t>
+            </a:r>
+            <a:endParaRPr lang="en-GB" sz="3200" dirty="0"/>
+          </a:p>
+          <a:p>
+            <a:r>
+              <a:rPr lang="en-GB" sz="3200" dirty="0"/>
+              <a:t>1. </a:t>
+            </a:r>
+            <a:r>
+              <a:rPr lang="en-GB" sz="3200" dirty="0" err="1"/>
+              <a:t>Bacalah</a:t>
+            </a:r>
+            <a:r>
+              <a:rPr lang="en-GB" sz="3200" dirty="0"/>
+              <a:t> </a:t>
+            </a:r>
+            <a:r>
+              <a:rPr lang="en-GB" sz="3200" dirty="0" err="1"/>
+              <a:t>dengan</a:t>
+            </a:r>
+            <a:r>
+              <a:rPr lang="en-GB" sz="3200" dirty="0"/>
+              <a:t> (</a:t>
+            </a:r>
+            <a:r>
+              <a:rPr lang="en-GB" sz="3200" dirty="0" err="1"/>
+              <a:t>menyebut</a:t>
+            </a:r>
+            <a:r>
+              <a:rPr lang="en-GB" sz="3200" dirty="0"/>
+              <a:t>) nama </a:t>
+            </a:r>
+            <a:r>
+              <a:rPr lang="en-GB" sz="3200" dirty="0" err="1"/>
+              <a:t>Tuhanmu</a:t>
+            </a:r>
+            <a:r>
+              <a:rPr lang="en-GB" sz="3200" dirty="0"/>
+              <a:t> yang </a:t>
+            </a:r>
+            <a:r>
+              <a:rPr lang="en-GB" sz="3200" dirty="0" err="1"/>
+              <a:t>menciptakan</a:t>
+            </a:r>
+            <a:r>
+              <a:rPr lang="en-GB" sz="3200" dirty="0"/>
+              <a:t> 2. </a:t>
+            </a:r>
+            <a:r>
+              <a:rPr lang="pt-BR" sz="3200" dirty="0"/>
+              <a:t>Dia telah menciptakan manusia dari segumpal darah 3. Bacalah, dan Tuhanmulah Yang Mahamulia 4. Yang mengajar (manusia) dengan pena 5. Dia mengajarkan manusia apa yang tidak diketahuinya.</a:t>
+            </a:r>
+            <a:endParaRPr lang="ar-AE" sz="3200" dirty="0"/>
+          </a:p>
+        </p:txBody>
+      </p:sp>
+      <p:sp>
+        <p:nvSpPr>
+          <p:cNvPr id="9" name="Tampungan Nomor Slide 8">
+            <a:extLst>
+              <a:ext uri="{FF2B5EF4-FFF2-40B4-BE49-F238E27FC236}">
+                <a16:creationId xmlns:a16="http://schemas.microsoft.com/office/drawing/2014/main" id="{D67054B4-F7B9-3AEE-8A0C-375D9ADED946}"/>
+              </a:ext>
+            </a:extLst>
+          </p:cNvPr>
+          <p:cNvSpPr>
+            <a:spLocks noGrp="1"/>
+          </p:cNvSpPr>
+          <p:nvPr>
+            <p:ph type="sldNum" sz="quarter" idx="4"/>
+          </p:nvPr>
+        </p:nvSpPr>
+        <p:spPr>
+          <a:xfrm>
+            <a:off x="10153276" y="6356350"/>
+            <a:ext cx="1657723" cy="365125"/>
+          </a:xfrm>
+        </p:spPr>
+        <p:txBody>
+          <a:bodyPr rtlCol="0"/>
+          <a:lstStyle/>
+          <a:p>
+            <a:pPr rtl="0"/>
+            <a:fld id="{294A09A9-5501-47C1-A89A-A340965A2BE2}" type="slidenum">
+              <a:rPr lang="id-ID" smtClean="0"/>
+              <a:pPr rtl="0"/>
+              <a:t>2</a:t>
+            </a:fld>
+            <a:endParaRPr lang="id-ID"/>
+          </a:p>
+        </p:txBody>
+      </p:sp>
+    </p:spTree>
+    <p:extLst>
+      <p:ext uri="{BB962C8B-B14F-4D97-AF65-F5344CB8AC3E}">
+        <p14:creationId xmlns:p14="http://schemas.microsoft.com/office/powerpoint/2010/main" val="4192597707"/>
+      </p:ext>
+    </p:extLst>
+  </p:cSld>
+  <p:clrMapOvr>
+    <a:masterClrMapping/>
+  </p:clrMapOvr>
+</p:sld>
+</file>
+
+<file path=ppt/slides/slide20.xml><?xml version="1.0" encoding="utf-8"?>
+<p:sld xmlns:a="http://schemas.openxmlformats.org/drawingml/2006/main" xmlns:r="http://schemas.openxmlformats.org/officeDocument/2006/relationships" xmlns:p="http://schemas.openxmlformats.org/presentationml/2006/main">
+  <p:cSld>
+    <p:spTree>
+      <p:nvGrpSpPr>
+        <p:cNvPr id="1" name="">
+          <a:extLst>
+            <a:ext uri="{FF2B5EF4-FFF2-40B4-BE49-F238E27FC236}">
+              <a16:creationId xmlns:a16="http://schemas.microsoft.com/office/drawing/2014/main" id="{390592A4-A83C-D7D6-419C-0F7740BA27C4}"/>
+            </a:ext>
+          </a:extLst>
+        </p:cNvPr>
+        <p:cNvGrpSpPr/>
+        <p:nvPr/>
+      </p:nvGrpSpPr>
+      <p:grpSpPr>
+        <a:xfrm>
+          <a:off x="0" y="0"/>
+          <a:ext cx="0" cy="0"/>
+          <a:chOff x="0" y="0"/>
+          <a:chExt cx="0" cy="0"/>
+        </a:xfrm>
+      </p:grpSpPr>
+      <p:sp>
+        <p:nvSpPr>
+          <p:cNvPr id="2" name="Judul 1">
+            <a:extLst>
+              <a:ext uri="{FF2B5EF4-FFF2-40B4-BE49-F238E27FC236}">
+                <a16:creationId xmlns:a16="http://schemas.microsoft.com/office/drawing/2014/main" id="{A13E8637-FC4E-C738-E35F-C628071DF34C}"/>
+              </a:ext>
+            </a:extLst>
+          </p:cNvPr>
+          <p:cNvSpPr>
+            <a:spLocks noGrp="1"/>
+          </p:cNvSpPr>
+          <p:nvPr>
+            <p:ph type="title"/>
+          </p:nvPr>
+        </p:nvSpPr>
+        <p:spPr>
+          <a:xfrm>
+            <a:off x="1167492" y="381000"/>
+            <a:ext cx="9779183" cy="1325563"/>
+          </a:xfrm>
+        </p:spPr>
+        <p:txBody>
+          <a:bodyPr rtlCol="0"/>
+          <a:lstStyle/>
+          <a:p>
+            <a:pPr rtl="0"/>
+            <a:r>
+              <a:rPr lang="en-GB" dirty="0" err="1"/>
+              <a:t>Abstrak</a:t>
+            </a:r>
+            <a:endParaRPr lang="id-ID" dirty="0"/>
+          </a:p>
+        </p:txBody>
+      </p:sp>
+      <p:sp>
+        <p:nvSpPr>
+          <p:cNvPr id="3" name="Tampungan Konten 2">
+            <a:extLst>
+              <a:ext uri="{FF2B5EF4-FFF2-40B4-BE49-F238E27FC236}">
+                <a16:creationId xmlns:a16="http://schemas.microsoft.com/office/drawing/2014/main" id="{E3DD77AE-85EC-FB89-4756-4BF51E470805}"/>
+              </a:ext>
+            </a:extLst>
+          </p:cNvPr>
+          <p:cNvSpPr>
+            <a:spLocks noGrp="1"/>
+          </p:cNvSpPr>
+          <p:nvPr>
+            <p:ph type="body" idx="1"/>
+          </p:nvPr>
+        </p:nvSpPr>
+        <p:spPr>
+          <a:xfrm>
+            <a:off x="430892" y="2409371"/>
+            <a:ext cx="10991851" cy="3946979"/>
+          </a:xfrm>
+        </p:spPr>
+        <p:txBody>
+          <a:bodyPr vert="horz" lIns="91440" tIns="45720" rIns="91440" bIns="45720" rtlCol="0" anchor="t">
+            <a:normAutofit fontScale="85000" lnSpcReduction="10000"/>
+          </a:bodyPr>
+          <a:lstStyle/>
+          <a:p>
+            <a:r>
+              <a:rPr lang="id-ID" dirty="0"/>
+              <a:t>Model </a:t>
+            </a:r>
+            <a:r>
+              <a:rPr lang="id-ID" i="1" dirty="0" err="1"/>
+              <a:t>Expected</a:t>
+            </a:r>
+            <a:r>
+              <a:rPr lang="id-ID" i="1" dirty="0"/>
+              <a:t> </a:t>
+            </a:r>
+            <a:r>
+              <a:rPr lang="id-ID" i="1" dirty="0" err="1"/>
+              <a:t>Goals</a:t>
+            </a:r>
+            <a:r>
+              <a:rPr lang="id-ID" dirty="0"/>
+              <a:t> (</a:t>
+            </a:r>
+            <a:r>
+              <a:rPr lang="id-ID" dirty="0" err="1"/>
+              <a:t>xG</a:t>
+            </a:r>
+            <a:r>
+              <a:rPr lang="id-ID" dirty="0"/>
+              <a:t>) yang ada saat ini </a:t>
+            </a:r>
+            <a:r>
+              <a:rPr lang="id-ID" dirty="0" err="1"/>
+              <a:t>seringkali</a:t>
+            </a:r>
+            <a:r>
+              <a:rPr lang="id-ID" dirty="0"/>
+              <a:t> menghadapi dilema antara akurasi dan efisiensi komputasi. Penelitian ini bertujuan untuk mengevaluasi penerapan algoritma </a:t>
+            </a:r>
+            <a:r>
+              <a:rPr lang="id-ID" dirty="0" err="1"/>
+              <a:t>LightGBM</a:t>
+            </a:r>
+            <a:r>
+              <a:rPr lang="id-ID" dirty="0"/>
+              <a:t> untuk membangun model prediksi </a:t>
+            </a:r>
+            <a:r>
+              <a:rPr lang="id-ID" dirty="0" err="1"/>
+              <a:t>xG</a:t>
+            </a:r>
+            <a:r>
+              <a:rPr lang="id-ID" dirty="0"/>
+              <a:t> yang akurat sekaligus efisien. Penelitian ini </a:t>
+            </a:r>
+            <a:r>
+              <a:rPr lang="en-GB" dirty="0"/>
+              <a:t>m</a:t>
+            </a:r>
+            <a:r>
+              <a:rPr lang="id-ID" dirty="0" err="1"/>
+              <a:t>enggunakan</a:t>
+            </a:r>
+            <a:r>
+              <a:rPr lang="id-ID" dirty="0"/>
+              <a:t> pendekatan kuantitatif dengan kerangka kerja KDD, model </a:t>
+            </a:r>
+            <a:r>
+              <a:rPr lang="id-ID" dirty="0" err="1"/>
+              <a:t>LightGBM</a:t>
+            </a:r>
+            <a:r>
+              <a:rPr lang="id-ID" dirty="0"/>
+              <a:t> akan dibangun dan dioptimalkan menggunakan data publik dari </a:t>
+            </a:r>
+            <a:r>
+              <a:rPr lang="id-ID" dirty="0" err="1"/>
+              <a:t>StatsBomb</a:t>
+            </a:r>
+            <a:r>
+              <a:rPr lang="id-ID" dirty="0"/>
+              <a:t>. Kinerja model akan dievaluasi secara komprehensif dari sisi akurasi, menggunakan metrik seperti ROC AUC dan </a:t>
+            </a:r>
+            <a:r>
+              <a:rPr lang="id-ID" dirty="0" err="1"/>
+              <a:t>Brier</a:t>
+            </a:r>
+            <a:r>
+              <a:rPr lang="id-ID" dirty="0"/>
+              <a:t> </a:t>
+            </a:r>
+            <a:r>
+              <a:rPr lang="id-ID" dirty="0" err="1"/>
+              <a:t>Score</a:t>
+            </a:r>
+            <a:r>
+              <a:rPr lang="id-ID" dirty="0"/>
+              <a:t>, serta efisiensi komputasi yang diukur melalui waktu pelatihan. Penelitian ini diharapkan dapat menetapkan sebuah tolok ukur baru, menyediakan alat analisis yang lebih andal dan praktis untuk pengambilan keputusan strategis di industri sepak bola.</a:t>
+            </a:r>
+          </a:p>
+        </p:txBody>
+      </p:sp>
+      <p:sp>
+        <p:nvSpPr>
+          <p:cNvPr id="6" name="Tampungan Nomor Slide 5">
+            <a:extLst>
+              <a:ext uri="{FF2B5EF4-FFF2-40B4-BE49-F238E27FC236}">
+                <a16:creationId xmlns:a16="http://schemas.microsoft.com/office/drawing/2014/main" id="{F3551556-18E9-0B9C-4819-F6CC308D5003}"/>
+              </a:ext>
+            </a:extLst>
+          </p:cNvPr>
+          <p:cNvSpPr>
+            <a:spLocks noGrp="1"/>
+          </p:cNvSpPr>
+          <p:nvPr>
+            <p:ph type="sldNum" sz="quarter" idx="12"/>
+          </p:nvPr>
+        </p:nvSpPr>
+        <p:spPr>
+          <a:xfrm>
+            <a:off x="10206318" y="6356350"/>
+            <a:ext cx="1604682" cy="365125"/>
+          </a:xfrm>
+        </p:spPr>
+        <p:txBody>
+          <a:bodyPr rtlCol="0"/>
+          <a:lstStyle/>
+          <a:p>
+            <a:pPr rtl="0"/>
+            <a:fld id="{294A09A9-5501-47C1-A89A-A340965A2BE2}" type="slidenum">
+              <a:rPr lang="id-ID" smtClean="0"/>
+              <a:pPr rtl="0"/>
+              <a:t>20</a:t>
+            </a:fld>
+            <a:endParaRPr lang="id-ID"/>
+          </a:p>
+        </p:txBody>
+      </p:sp>
+    </p:spTree>
+    <p:extLst>
+      <p:ext uri="{BB962C8B-B14F-4D97-AF65-F5344CB8AC3E}">
+        <p14:creationId xmlns:p14="http://schemas.microsoft.com/office/powerpoint/2010/main" val="517861623"/>
+      </p:ext>
+    </p:extLst>
+  </p:cSld>
+  <p:clrMapOvr>
+    <a:masterClrMapping/>
+  </p:clrMapOvr>
+</p:sld>
+</file>
+
+<file path=ppt/slides/slide21.xml><?xml version="1.0" encoding="utf-8"?>
 <p:sld xmlns:a="http://schemas.openxmlformats.org/drawingml/2006/main" xmlns:r="http://schemas.openxmlformats.org/officeDocument/2006/relationships" xmlns:p="http://schemas.openxmlformats.org/presentationml/2006/main">
   <p:cSld>
     <p:spTree>
@@ -18225,242 +19853,6 @@
     <p:extLst>
       <p:ext uri="{BB962C8B-B14F-4D97-AF65-F5344CB8AC3E}">
         <p14:creationId xmlns:p14="http://schemas.microsoft.com/office/powerpoint/2010/main" val="926184573"/>
-      </p:ext>
-    </p:extLst>
-  </p:cSld>
-  <p:clrMapOvr>
-    <a:masterClrMapping/>
-  </p:clrMapOvr>
-</p:sld>
-</file>
-
-<file path=ppt/slides/slide2.xml><?xml version="1.0" encoding="utf-8"?>
-<p:sld xmlns:a="http://schemas.openxmlformats.org/drawingml/2006/main" xmlns:r="http://schemas.openxmlformats.org/officeDocument/2006/relationships" xmlns:p="http://schemas.openxmlformats.org/presentationml/2006/main">
-  <p:cSld>
-    <p:spTree>
-      <p:nvGrpSpPr>
-        <p:cNvPr id="1" name=""/>
-        <p:cNvGrpSpPr/>
-        <p:nvPr/>
-      </p:nvGrpSpPr>
-      <p:grpSpPr>
-        <a:xfrm>
-          <a:off x="0" y="0"/>
-          <a:ext cx="0" cy="0"/>
-          <a:chOff x="0" y="0"/>
-          <a:chExt cx="0" cy="0"/>
-        </a:xfrm>
-      </p:grpSpPr>
-      <p:sp>
-        <p:nvSpPr>
-          <p:cNvPr id="2" name="Judul 1">
-            <a:extLst>
-              <a:ext uri="{FF2B5EF4-FFF2-40B4-BE49-F238E27FC236}">
-                <a16:creationId xmlns:a16="http://schemas.microsoft.com/office/drawing/2014/main" id="{8C543F67-9C70-4748-8C0C-3A7863422F99}"/>
-              </a:ext>
-            </a:extLst>
-          </p:cNvPr>
-          <p:cNvSpPr>
-            <a:spLocks noGrp="1"/>
-          </p:cNvSpPr>
-          <p:nvPr>
-            <p:ph type="title"/>
-          </p:nvPr>
-        </p:nvSpPr>
-        <p:spPr>
-          <a:xfrm>
-            <a:off x="1167492" y="381000"/>
-            <a:ext cx="9779183" cy="1325563"/>
-          </a:xfrm>
-        </p:spPr>
-        <p:txBody>
-          <a:bodyPr rtlCol="0"/>
-          <a:lstStyle/>
-          <a:p>
-            <a:pPr rtl="0"/>
-            <a:r>
-              <a:rPr lang="en-GB" dirty="0"/>
-              <a:t>Latar </a:t>
-            </a:r>
-            <a:r>
-              <a:rPr lang="en-GB" dirty="0" err="1"/>
-              <a:t>Belakang</a:t>
-            </a:r>
-            <a:endParaRPr lang="id-ID" dirty="0"/>
-          </a:p>
-        </p:txBody>
-      </p:sp>
-      <p:sp>
-        <p:nvSpPr>
-          <p:cNvPr id="3" name="Tampungan Konten 2">
-            <a:extLst>
-              <a:ext uri="{FF2B5EF4-FFF2-40B4-BE49-F238E27FC236}">
-                <a16:creationId xmlns:a16="http://schemas.microsoft.com/office/drawing/2014/main" id="{95B371F2-DBA5-415A-82C8-651F587B857A}"/>
-              </a:ext>
-            </a:extLst>
-          </p:cNvPr>
-          <p:cNvSpPr>
-            <a:spLocks noGrp="1"/>
-          </p:cNvSpPr>
-          <p:nvPr>
-            <p:ph type="body" idx="1"/>
-          </p:nvPr>
-        </p:nvSpPr>
-        <p:spPr>
-          <a:xfrm>
-            <a:off x="1167492" y="2653167"/>
-            <a:ext cx="9779183" cy="3436483"/>
-          </a:xfrm>
-        </p:spPr>
-        <p:txBody>
-          <a:bodyPr vert="horz" lIns="91440" tIns="45720" rIns="91440" bIns="45720" rtlCol="0" anchor="t">
-            <a:normAutofit fontScale="85000" lnSpcReduction="20000"/>
-          </a:bodyPr>
-          <a:lstStyle/>
-          <a:p>
-            <a:pPr marL="342900" indent="-342900">
-              <a:buFont typeface="Arial" panose="020B0604020202020204" pitchFamily="34" charset="0"/>
-              <a:buChar char="•"/>
-            </a:pPr>
-            <a:r>
-              <a:rPr lang="id-ID" dirty="0"/>
-              <a:t>Sepak bola modern telah bertransformasi menjadi industri global di mana analisis data</a:t>
-            </a:r>
-            <a:r>
-              <a:rPr lang="en-GB" dirty="0"/>
-              <a:t> (data-driven)</a:t>
-            </a:r>
-            <a:r>
-              <a:rPr lang="id-ID" dirty="0"/>
-              <a:t> menjadi kunci untuk meraih keunggulan kompetitif. Dalam konteks ini, metrik analitis seperti </a:t>
-            </a:r>
-            <a:r>
-              <a:rPr lang="id-ID" i="1" dirty="0" err="1"/>
-              <a:t>Expected</a:t>
-            </a:r>
-            <a:r>
-              <a:rPr lang="id-ID" i="1" dirty="0"/>
-              <a:t> </a:t>
-            </a:r>
-            <a:r>
-              <a:rPr lang="id-ID" i="1" dirty="0" err="1"/>
-              <a:t>Goals</a:t>
-            </a:r>
-            <a:r>
-              <a:rPr lang="id-ID" dirty="0"/>
-              <a:t> (</a:t>
-            </a:r>
-            <a:r>
-              <a:rPr lang="id-ID" dirty="0" err="1"/>
-              <a:t>xG</a:t>
-            </a:r>
-            <a:r>
-              <a:rPr lang="id-ID" dirty="0"/>
-              <a:t>) menjadi fundamental.</a:t>
-            </a:r>
-            <a:endParaRPr lang="en-GB" dirty="0"/>
-          </a:p>
-          <a:p>
-            <a:pPr marL="342900" indent="-342900">
-              <a:buFont typeface="Arial" panose="020B0604020202020204" pitchFamily="34" charset="0"/>
-              <a:buChar char="•"/>
-            </a:pPr>
-            <a:r>
-              <a:rPr lang="id-ID" dirty="0"/>
-              <a:t>Secara sederhana, </a:t>
-            </a:r>
-            <a:r>
-              <a:rPr lang="id-ID" dirty="0" err="1"/>
-              <a:t>xG</a:t>
-            </a:r>
-            <a:r>
-              <a:rPr lang="id-ID" dirty="0"/>
-              <a:t> adalah skor yang mengukur kualitas sebuah peluang, dengan nilai </a:t>
-            </a:r>
-            <a:r>
-              <a:rPr lang="id-ID" b="1" dirty="0"/>
-              <a:t>dari</a:t>
-            </a:r>
-            <a:r>
-              <a:rPr lang="id-ID" dirty="0"/>
-              <a:t> 0 (tidak mungkin gol) </a:t>
-            </a:r>
-            <a:r>
-              <a:rPr lang="id-ID" b="1" dirty="0"/>
-              <a:t>hingga</a:t>
-            </a:r>
-            <a:r>
-              <a:rPr lang="id-ID" dirty="0"/>
-              <a:t> 1 (pasti gol). Skor ini dihitung dengan menganalisis ribuan data tembakan sejenis untuk menjawab pertanyaan: </a:t>
-            </a:r>
-            <a:r>
-              <a:rPr lang="id-ID" i="1" dirty="0"/>
-              <a:t>"Seberapa besar kemungkinan tembakan dari posisi dan situasi ini menjadi gol?"</a:t>
-            </a:r>
-            <a:r>
-              <a:rPr lang="id-ID" dirty="0"/>
-              <a:t> (</a:t>
-            </a:r>
-            <a:r>
-              <a:rPr lang="id-ID" dirty="0" err="1"/>
-              <a:t>Rathke</a:t>
-            </a:r>
-            <a:r>
-              <a:rPr lang="id-ID" dirty="0"/>
-              <a:t>, 2017; </a:t>
-            </a:r>
-            <a:r>
-              <a:rPr lang="id-ID" dirty="0" err="1"/>
-              <a:t>Eggels</a:t>
-            </a:r>
-            <a:r>
-              <a:rPr lang="id-ID" dirty="0"/>
-              <a:t>, 2016).</a:t>
-            </a:r>
-            <a:endParaRPr lang="en-GB" dirty="0"/>
-          </a:p>
-        </p:txBody>
-      </p:sp>
-      <p:sp>
-        <p:nvSpPr>
-          <p:cNvPr id="6" name="Tampungan Nomor Slide 5">
-            <a:extLst>
-              <a:ext uri="{FF2B5EF4-FFF2-40B4-BE49-F238E27FC236}">
-                <a16:creationId xmlns:a16="http://schemas.microsoft.com/office/drawing/2014/main" id="{134C72D2-EFDF-844A-8472-CB49A59B127B}"/>
-              </a:ext>
-            </a:extLst>
-          </p:cNvPr>
-          <p:cNvSpPr>
-            <a:spLocks noGrp="1"/>
-          </p:cNvSpPr>
-          <p:nvPr>
-            <p:ph type="sldNum" sz="quarter" idx="12"/>
-          </p:nvPr>
-        </p:nvSpPr>
-        <p:spPr>
-          <a:xfrm>
-            <a:off x="10206318" y="6356350"/>
-            <a:ext cx="1604682" cy="365125"/>
-          </a:xfrm>
-        </p:spPr>
-        <p:txBody>
-          <a:bodyPr rtlCol="0"/>
-          <a:lstStyle/>
-          <a:p>
-            <a:pPr rtl="0"/>
-            <a:fld id="{294A09A9-5501-47C1-A89A-A340965A2BE2}" type="slidenum">
-              <a:rPr lang="id-ID" smtClean="0"/>
-              <a:pPr rtl="0"/>
-              <a:t>2</a:t>
-            </a:fld>
-            <a:endParaRPr lang="id-ID"/>
-          </a:p>
-        </p:txBody>
-      </p:sp>
-    </p:spTree>
-    <p:extLst>
-      <p:ext uri="{BB962C8B-B14F-4D97-AF65-F5344CB8AC3E}">
-        <p14:creationId xmlns:p14="http://schemas.microsoft.com/office/powerpoint/2010/main" val="1639799154"/>
       </p:ext>
     </p:extLst>
   </p:cSld>
@@ -18492,7 +19884,7 @@
           <p:cNvPr id="2" name="Judul 1">
             <a:extLst>
               <a:ext uri="{FF2B5EF4-FFF2-40B4-BE49-F238E27FC236}">
-                <a16:creationId xmlns:a16="http://schemas.microsoft.com/office/drawing/2014/main" id="{912DF434-28DB-4621-A497-D62C41CE0419}"/>
+                <a16:creationId xmlns:a16="http://schemas.microsoft.com/office/drawing/2014/main" id="{8C543F67-9C70-4748-8C0C-3A7863422F99}"/>
               </a:ext>
             </a:extLst>
           </p:cNvPr>
@@ -18531,7 +19923,7 @@
           <p:cNvPr id="3" name="Tampungan Konten 2">
             <a:extLst>
               <a:ext uri="{FF2B5EF4-FFF2-40B4-BE49-F238E27FC236}">
-                <a16:creationId xmlns:a16="http://schemas.microsoft.com/office/drawing/2014/main" id="{22788C46-D0BC-4307-AE55-7601A139E7CB}"/>
+                <a16:creationId xmlns:a16="http://schemas.microsoft.com/office/drawing/2014/main" id="{95B371F2-DBA5-415A-82C8-651F587B857A}"/>
               </a:ext>
             </a:extLst>
           </p:cNvPr>
@@ -18539,18 +19931,18 @@
             <a:spLocks noGrp="1"/>
           </p:cNvSpPr>
           <p:nvPr>
-            <p:ph idx="1"/>
+            <p:ph type="body" idx="1"/>
           </p:nvPr>
         </p:nvSpPr>
         <p:spPr>
           <a:xfrm>
-            <a:off x="1167493" y="2017467"/>
-            <a:ext cx="9779182" cy="3366815"/>
+            <a:off x="1167492" y="2653167"/>
+            <a:ext cx="9779183" cy="3436483"/>
           </a:xfrm>
         </p:spPr>
         <p:txBody>
           <a:bodyPr vert="horz" lIns="91440" tIns="45720" rIns="91440" bIns="45720" rtlCol="0" anchor="t">
-            <a:normAutofit/>
+            <a:normAutofit fontScale="85000" lnSpcReduction="20000"/>
           </a:bodyPr>
           <a:lstStyle/>
           <a:p>
@@ -18559,98 +19951,42 @@
               <a:buChar char="•"/>
             </a:pPr>
             <a:r>
-              <a:rPr lang="id-ID" sz="2000" dirty="0"/>
-              <a:t>Tantangan utama dalam pemodelan </a:t>
-            </a:r>
-            <a:r>
-              <a:rPr lang="id-ID" sz="2000" dirty="0" err="1"/>
+              <a:rPr lang="id-ID" dirty="0"/>
+              <a:t>Sepak bola modern telah bertransformasi menjadi industri global di mana analisis data</a:t>
+            </a:r>
+            <a:r>
+              <a:rPr lang="en-GB" dirty="0"/>
+              <a:t> (data-driven)</a:t>
+            </a:r>
+            <a:r>
+              <a:rPr lang="id-ID" dirty="0"/>
+              <a:t> menjadi kunci untuk meraih keunggulan kompetitif. Dalam konteks ini, metrik analitis seperti </a:t>
+            </a:r>
+            <a:r>
+              <a:rPr lang="id-ID" i="1" dirty="0" err="1"/>
+              <a:t>Expected</a:t>
+            </a:r>
+            <a:r>
+              <a:rPr lang="id-ID" i="1" dirty="0"/>
+              <a:t> </a:t>
+            </a:r>
+            <a:r>
+              <a:rPr lang="id-ID" i="1" dirty="0" err="1"/>
+              <a:t>Goals</a:t>
+            </a:r>
+            <a:r>
+              <a:rPr lang="id-ID" dirty="0"/>
+              <a:t> (</a:t>
+            </a:r>
+            <a:r>
+              <a:rPr lang="id-ID" dirty="0" err="1"/>
               <a:t>xG</a:t>
             </a:r>
             <a:r>
-              <a:rPr lang="id-ID" sz="2000" dirty="0"/>
-              <a:t> adalah sifat data sepak bola yang sangat kompleks dan </a:t>
-            </a:r>
-            <a:r>
-              <a:rPr lang="id-ID" sz="2000" b="1" dirty="0"/>
-              <a:t>non-linear</a:t>
-            </a:r>
-            <a:r>
-              <a:rPr lang="id-ID" sz="2000" dirty="0"/>
-              <a:t>. Model linear (misalnya, Regresi Logistik) terbukti tidak memadai, sementara model non-linear yang lebih akurat </a:t>
-            </a:r>
-            <a:r>
-              <a:rPr lang="id-ID" sz="2000" dirty="0" err="1"/>
-              <a:t>seringkali</a:t>
-            </a:r>
-            <a:r>
-              <a:rPr lang="id-ID" sz="2000" dirty="0"/>
-              <a:t> mengorbankan </a:t>
-            </a:r>
-            <a:r>
-              <a:rPr lang="id-ID" sz="2000" b="1" dirty="0"/>
-              <a:t>efisiensi komputasi</a:t>
-            </a:r>
-            <a:r>
-              <a:rPr lang="id-ID" sz="2000" dirty="0"/>
-              <a:t> secara signifikan, menjadikannya lambat dan berat. (</a:t>
-            </a:r>
-            <a:r>
-              <a:rPr lang="id-ID" sz="2000" dirty="0" err="1"/>
-              <a:t>Anzer</a:t>
-            </a:r>
-            <a:r>
-              <a:rPr lang="id-ID" sz="2000" dirty="0"/>
-              <a:t> &amp; </a:t>
-            </a:r>
-            <a:r>
-              <a:rPr lang="id-ID" sz="2000" dirty="0" err="1"/>
-              <a:t>Bauer</a:t>
-            </a:r>
-            <a:r>
-              <a:rPr lang="id-ID" sz="2000" dirty="0"/>
-              <a:t>, 2021; </a:t>
-            </a:r>
-            <a:r>
-              <a:rPr lang="id-ID" sz="2000" dirty="0" err="1"/>
-              <a:t>Méndez</a:t>
-            </a:r>
-            <a:r>
-              <a:rPr lang="id-ID" sz="2000" dirty="0"/>
-              <a:t> </a:t>
-            </a:r>
-            <a:r>
-              <a:rPr lang="id-ID" sz="2000" dirty="0" err="1"/>
-              <a:t>et</a:t>
-            </a:r>
-            <a:r>
-              <a:rPr lang="id-ID" sz="2000" dirty="0"/>
-              <a:t> </a:t>
-            </a:r>
-            <a:r>
-              <a:rPr lang="id-ID" sz="2000" dirty="0" err="1"/>
-              <a:t>al.</a:t>
-            </a:r>
-            <a:r>
-              <a:rPr lang="id-ID" sz="2000" dirty="0"/>
-              <a:t>, 2023; </a:t>
-            </a:r>
-            <a:r>
-              <a:rPr lang="id-ID" sz="2000" dirty="0" err="1"/>
-              <a:t>Hewitt</a:t>
-            </a:r>
-            <a:r>
-              <a:rPr lang="id-ID" sz="2000" dirty="0"/>
-              <a:t> &amp; </a:t>
-            </a:r>
-            <a:r>
-              <a:rPr lang="id-ID" sz="2000" dirty="0" err="1"/>
-              <a:t>Karakuş</a:t>
-            </a:r>
-            <a:r>
-              <a:rPr lang="id-ID" sz="2000" dirty="0"/>
-              <a:t>, 2023).</a:t>
-            </a:r>
-            <a:endParaRPr lang="en-GB" sz="2000" dirty="0"/>
+              <a:rPr lang="id-ID" dirty="0"/>
+              <a:t>) menjadi fundamental.</a:t>
+            </a:r>
+            <a:endParaRPr lang="en-GB" dirty="0"/>
           </a:p>
           <a:p>
             <a:pPr marL="342900" indent="-342900">
@@ -18658,90 +19994,67 @@
               <a:buChar char="•"/>
             </a:pPr>
             <a:r>
-              <a:rPr lang="id-ID" sz="2000" b="1" dirty="0" err="1"/>
-              <a:t>LightGBM</a:t>
-            </a:r>
-            <a:r>
-              <a:rPr lang="id-ID" sz="2000" dirty="0"/>
-              <a:t> diajukan sebagai solusi karena dirancang secara spesifik untuk mengatasi dilema antara akurasi dan efisiensi. Algoritma ini terbukti mampu memproses </a:t>
-            </a:r>
-            <a:r>
-              <a:rPr lang="id-ID" sz="2000" i="1" dirty="0" err="1"/>
-              <a:t>dataset</a:t>
-            </a:r>
-            <a:r>
-              <a:rPr lang="id-ID" sz="2000" dirty="0"/>
-              <a:t> masif dengan waktu pelatihan yang jauh lebih cepat</a:t>
-            </a:r>
-            <a:r>
-              <a:rPr lang="en-GB" sz="2000" dirty="0"/>
-              <a:t>, </a:t>
-            </a:r>
-            <a:r>
-              <a:rPr lang="id-ID" sz="2000" dirty="0"/>
-              <a:t>bahkan </a:t>
-            </a:r>
-            <a:r>
-              <a:rPr lang="id-ID" sz="2000" b="1" dirty="0"/>
-              <a:t>lebih dari 10 kali lipat</a:t>
-            </a:r>
-            <a:r>
-              <a:rPr lang="en-GB" sz="2000" b="1" dirty="0"/>
-              <a:t>, </a:t>
-            </a:r>
-            <a:r>
-              <a:rPr lang="id-ID" sz="2000" dirty="0"/>
-              <a:t>dibandingkan implementasi </a:t>
-            </a:r>
-            <a:r>
-              <a:rPr lang="id-ID" sz="2000" i="1" dirty="0" err="1"/>
-              <a:t>boosting</a:t>
-            </a:r>
-            <a:r>
-              <a:rPr lang="id-ID" sz="2000" dirty="0"/>
-              <a:t> populer lainnya, tanpa mengorbankan akurasi. (Ke </a:t>
-            </a:r>
-            <a:r>
-              <a:rPr lang="id-ID" sz="2000" dirty="0" err="1"/>
-              <a:t>et</a:t>
-            </a:r>
-            <a:r>
-              <a:rPr lang="id-ID" sz="2000" dirty="0"/>
-              <a:t> </a:t>
-            </a:r>
-            <a:r>
-              <a:rPr lang="id-ID" sz="2000" dirty="0" err="1"/>
-              <a:t>al.</a:t>
-            </a:r>
-            <a:r>
-              <a:rPr lang="id-ID" sz="2000" dirty="0"/>
+              <a:rPr lang="id-ID" dirty="0"/>
+              <a:t>Secara sederhana, </a:t>
+            </a:r>
+            <a:r>
+              <a:rPr lang="id-ID" dirty="0" err="1"/>
+              <a:t>xG</a:t>
+            </a:r>
+            <a:r>
+              <a:rPr lang="id-ID" dirty="0"/>
+              <a:t> adalah skor yang mengukur kualitas sebuah peluang, dengan nilai </a:t>
+            </a:r>
+            <a:r>
+              <a:rPr lang="id-ID" b="1" dirty="0"/>
+              <a:t>dari</a:t>
+            </a:r>
+            <a:r>
+              <a:rPr lang="id-ID" dirty="0"/>
+              <a:t> 0 (tidak mungkin gol) </a:t>
+            </a:r>
+            <a:r>
+              <a:rPr lang="id-ID" b="1" dirty="0"/>
+              <a:t>hingga</a:t>
+            </a:r>
+            <a:r>
+              <a:rPr lang="id-ID" dirty="0"/>
+              <a:t> 1 (pasti gol). Skor ini dihitung dengan menganalisis ribuan data tembakan sejenis untuk menjawab pertanyaan: </a:t>
+            </a:r>
+            <a:r>
+              <a:rPr lang="id-ID" i="1" dirty="0"/>
+              <a:t>"Seberapa besar kemungkinan tembakan dari posisi dan situasi ini menjadi gol?"</a:t>
+            </a:r>
+            <a:r>
+              <a:rPr lang="id-ID" dirty="0"/>
+              <a:t> (</a:t>
+            </a:r>
+            <a:r>
+              <a:rPr lang="id-ID" dirty="0" err="1"/>
+              <a:t>Rathke</a:t>
+            </a:r>
+            <a:r>
+              <a:rPr lang="id-ID" dirty="0"/>
               <a:t>, 2017; </a:t>
             </a:r>
             <a:r>
-              <a:rPr lang="id-ID" sz="2000" dirty="0" err="1"/>
-              <a:t>Florek</a:t>
-            </a:r>
-            <a:r>
-              <a:rPr lang="id-ID" sz="2000" dirty="0"/>
-              <a:t> &amp; </a:t>
-            </a:r>
-            <a:r>
-              <a:rPr lang="id-ID" sz="2000" dirty="0" err="1"/>
-              <a:t>Zagdański</a:t>
-            </a:r>
-            <a:r>
-              <a:rPr lang="id-ID" sz="2000" dirty="0"/>
-              <a:t>, 2023).</a:t>
-            </a:r>
-          </a:p>
-        </p:txBody>
-      </p:sp>
-      <p:sp>
-        <p:nvSpPr>
-          <p:cNvPr id="4" name="Tampungan Tanggal 3">
-            <a:extLst>
-              <a:ext uri="{FF2B5EF4-FFF2-40B4-BE49-F238E27FC236}">
-                <a16:creationId xmlns:a16="http://schemas.microsoft.com/office/drawing/2014/main" id="{5739303D-13C0-6A41-947A-F998CC47B32E}"/>
+              <a:rPr lang="id-ID" dirty="0" err="1"/>
+              <a:t>Eggels</a:t>
+            </a:r>
+            <a:r>
+              <a:rPr lang="id-ID" dirty="0"/>
+              <a:t>, 2016).</a:t>
+            </a:r>
+            <a:endParaRPr lang="en-GB" dirty="0"/>
+          </a:p>
+        </p:txBody>
+      </p:sp>
+      <p:sp>
+        <p:nvSpPr>
+          <p:cNvPr id="6" name="Tampungan Nomor Slide 5">
+            <a:extLst>
+              <a:ext uri="{FF2B5EF4-FFF2-40B4-BE49-F238E27FC236}">
+                <a16:creationId xmlns:a16="http://schemas.microsoft.com/office/drawing/2014/main" id="{134C72D2-EFDF-844A-8472-CB49A59B127B}"/>
               </a:ext>
             </a:extLst>
           </p:cNvPr>
@@ -18749,82 +20062,13 @@
             <a:spLocks noGrp="1"/>
           </p:cNvSpPr>
           <p:nvPr>
-            <p:ph type="dt" sz="half" idx="2"/>
+            <p:ph type="sldNum" sz="quarter" idx="12"/>
           </p:nvPr>
         </p:nvSpPr>
         <p:spPr>
           <a:xfrm>
-            <a:off x="381000" y="6356350"/>
-            <a:ext cx="2743200" cy="365125"/>
-          </a:xfrm>
-        </p:spPr>
-        <p:txBody>
-          <a:bodyPr rtlCol="0"/>
-          <a:lstStyle/>
-          <a:p>
-            <a:pPr rtl="0"/>
-            <a:fld id="{70C69C4D-CAFD-4E0E-94E0-4B1709D96441}" type="datetime1">
-              <a:rPr lang="id-ID" smtClean="0"/>
-              <a:t>28/07/2025</a:t>
-            </a:fld>
-            <a:endParaRPr lang="id-ID"/>
-          </a:p>
-        </p:txBody>
-      </p:sp>
-      <p:sp>
-        <p:nvSpPr>
-          <p:cNvPr id="5" name="Tampungan Kaki 4">
-            <a:extLst>
-              <a:ext uri="{FF2B5EF4-FFF2-40B4-BE49-F238E27FC236}">
-                <a16:creationId xmlns:a16="http://schemas.microsoft.com/office/drawing/2014/main" id="{6209FEB4-4C5C-EB43-9696-7B42453DB79B}"/>
-              </a:ext>
-            </a:extLst>
-          </p:cNvPr>
-          <p:cNvSpPr>
-            <a:spLocks noGrp="1"/>
-          </p:cNvSpPr>
-          <p:nvPr>
-            <p:ph type="ftr" sz="quarter" idx="3"/>
-          </p:nvPr>
-        </p:nvSpPr>
-        <p:spPr>
-          <a:xfrm>
-            <a:off x="4038600" y="6356350"/>
-            <a:ext cx="4114800" cy="365125"/>
-          </a:xfrm>
-        </p:spPr>
-        <p:txBody>
-          <a:bodyPr rtlCol="0"/>
-          <a:lstStyle/>
-          <a:p>
-            <a:pPr rtl="0"/>
-            <a:r>
-              <a:rPr lang="id-ID"/>
-              <a:t>JUDUL PRESENTASI</a:t>
-            </a:r>
-          </a:p>
-        </p:txBody>
-      </p:sp>
-      <p:sp>
-        <p:nvSpPr>
-          <p:cNvPr id="6" name="Tampungan Nomor Slide 5">
-            <a:extLst>
-              <a:ext uri="{FF2B5EF4-FFF2-40B4-BE49-F238E27FC236}">
-                <a16:creationId xmlns:a16="http://schemas.microsoft.com/office/drawing/2014/main" id="{60D470D0-6D64-5E42-9515-048F8779CD5E}"/>
-              </a:ext>
-            </a:extLst>
-          </p:cNvPr>
-          <p:cNvSpPr>
-            <a:spLocks noGrp="1"/>
-          </p:cNvSpPr>
-          <p:nvPr>
-            <p:ph type="sldNum" sz="quarter" idx="4"/>
-          </p:nvPr>
-        </p:nvSpPr>
-        <p:spPr>
-          <a:xfrm>
-            <a:off x="10153276" y="6356350"/>
-            <a:ext cx="1657723" cy="365125"/>
+            <a:off x="10206318" y="6356350"/>
+            <a:ext cx="1604682" cy="365125"/>
           </a:xfrm>
         </p:spPr>
         <p:txBody>
@@ -18844,7 +20088,7 @@
     </p:spTree>
     <p:extLst>
       <p:ext uri="{BB962C8B-B14F-4D97-AF65-F5344CB8AC3E}">
-        <p14:creationId xmlns:p14="http://schemas.microsoft.com/office/powerpoint/2010/main" val="1325608595"/>
+        <p14:creationId xmlns:p14="http://schemas.microsoft.com/office/powerpoint/2010/main" val="1639799154"/>
       </p:ext>
     </p:extLst>
   </p:cSld>
@@ -18876,7 +20120,7 @@
           <p:cNvPr id="2" name="Judul 1">
             <a:extLst>
               <a:ext uri="{FF2B5EF4-FFF2-40B4-BE49-F238E27FC236}">
-                <a16:creationId xmlns:a16="http://schemas.microsoft.com/office/drawing/2014/main" id="{D543047E-FBFD-4F79-BCA5-10E69740F030}"/>
+                <a16:creationId xmlns:a16="http://schemas.microsoft.com/office/drawing/2014/main" id="{912DF434-28DB-4621-A497-D62C41CE0419}"/>
               </a:ext>
             </a:extLst>
           </p:cNvPr>
@@ -18887,6 +20131,384 @@
             <p:ph type="title"/>
           </p:nvPr>
         </p:nvSpPr>
+        <p:spPr>
+          <a:xfrm>
+            <a:off x="1167492" y="381000"/>
+            <a:ext cx="9779183" cy="1325563"/>
+          </a:xfrm>
+        </p:spPr>
+        <p:txBody>
+          <a:bodyPr rtlCol="0"/>
+          <a:lstStyle/>
+          <a:p>
+            <a:pPr rtl="0"/>
+            <a:r>
+              <a:rPr lang="en-GB" dirty="0"/>
+              <a:t>Latar </a:t>
+            </a:r>
+            <a:r>
+              <a:rPr lang="en-GB" dirty="0" err="1"/>
+              <a:t>Belakang</a:t>
+            </a:r>
+            <a:endParaRPr lang="id-ID" dirty="0"/>
+          </a:p>
+        </p:txBody>
+      </p:sp>
+      <p:sp>
+        <p:nvSpPr>
+          <p:cNvPr id="3" name="Tampungan Konten 2">
+            <a:extLst>
+              <a:ext uri="{FF2B5EF4-FFF2-40B4-BE49-F238E27FC236}">
+                <a16:creationId xmlns:a16="http://schemas.microsoft.com/office/drawing/2014/main" id="{22788C46-D0BC-4307-AE55-7601A139E7CB}"/>
+              </a:ext>
+            </a:extLst>
+          </p:cNvPr>
+          <p:cNvSpPr>
+            <a:spLocks noGrp="1"/>
+          </p:cNvSpPr>
+          <p:nvPr>
+            <p:ph idx="1"/>
+          </p:nvPr>
+        </p:nvSpPr>
+        <p:spPr>
+          <a:xfrm>
+            <a:off x="1167493" y="2017467"/>
+            <a:ext cx="9779182" cy="3526990"/>
+          </a:xfrm>
+        </p:spPr>
+        <p:txBody>
+          <a:bodyPr vert="horz" lIns="91440" tIns="45720" rIns="91440" bIns="45720" rtlCol="0" anchor="t">
+            <a:normAutofit/>
+          </a:bodyPr>
+          <a:lstStyle/>
+          <a:p>
+            <a:pPr marL="342900" indent="-342900">
+              <a:buFont typeface="Arial" panose="020B0604020202020204" pitchFamily="34" charset="0"/>
+              <a:buChar char="•"/>
+            </a:pPr>
+            <a:r>
+              <a:rPr lang="id-ID" sz="2000" dirty="0"/>
+              <a:t>Tantangan utama dalam pemodelan </a:t>
+            </a:r>
+            <a:r>
+              <a:rPr lang="id-ID" sz="2000" dirty="0" err="1"/>
+              <a:t>xG</a:t>
+            </a:r>
+            <a:r>
+              <a:rPr lang="id-ID" sz="2000" dirty="0"/>
+              <a:t> adalah sifat data sepak bola yang sangat kompleks dan </a:t>
+            </a:r>
+            <a:r>
+              <a:rPr lang="id-ID" sz="2000" b="1" dirty="0"/>
+              <a:t>non-linear</a:t>
+            </a:r>
+            <a:r>
+              <a:rPr lang="id-ID" sz="2000" dirty="0"/>
+              <a:t>. Model linear (misalnya, Regresi Logistik) terbukti tidak memadai, sementara model non-linear yang lebih akurat </a:t>
+            </a:r>
+            <a:r>
+              <a:rPr lang="id-ID" sz="2000" dirty="0" err="1"/>
+              <a:t>seringkali</a:t>
+            </a:r>
+            <a:r>
+              <a:rPr lang="id-ID" sz="2000" dirty="0"/>
+              <a:t> mengorbankan </a:t>
+            </a:r>
+            <a:r>
+              <a:rPr lang="id-ID" sz="2000" b="1" dirty="0"/>
+              <a:t>efisiensi komputasi</a:t>
+            </a:r>
+            <a:r>
+              <a:rPr lang="id-ID" sz="2000" dirty="0"/>
+              <a:t> secara signifikan, menjadikannya lambat dan berat. (</a:t>
+            </a:r>
+            <a:r>
+              <a:rPr lang="id-ID" sz="2000" dirty="0" err="1"/>
+              <a:t>Anzer</a:t>
+            </a:r>
+            <a:r>
+              <a:rPr lang="id-ID" sz="2000" dirty="0"/>
+              <a:t> &amp; </a:t>
+            </a:r>
+            <a:r>
+              <a:rPr lang="id-ID" sz="2000" dirty="0" err="1"/>
+              <a:t>Bauer</a:t>
+            </a:r>
+            <a:r>
+              <a:rPr lang="id-ID" sz="2000" dirty="0"/>
+              <a:t>, 2021; </a:t>
+            </a:r>
+            <a:r>
+              <a:rPr lang="id-ID" sz="2000" dirty="0" err="1"/>
+              <a:t>Méndez</a:t>
+            </a:r>
+            <a:r>
+              <a:rPr lang="id-ID" sz="2000" dirty="0"/>
+              <a:t> </a:t>
+            </a:r>
+            <a:r>
+              <a:rPr lang="id-ID" sz="2000" dirty="0" err="1"/>
+              <a:t>et</a:t>
+            </a:r>
+            <a:r>
+              <a:rPr lang="id-ID" sz="2000" dirty="0"/>
+              <a:t> </a:t>
+            </a:r>
+            <a:r>
+              <a:rPr lang="id-ID" sz="2000" dirty="0" err="1"/>
+              <a:t>al.</a:t>
+            </a:r>
+            <a:r>
+              <a:rPr lang="id-ID" sz="2000" dirty="0"/>
+              <a:t>, 2023; </a:t>
+            </a:r>
+            <a:r>
+              <a:rPr lang="id-ID" sz="2000" dirty="0" err="1"/>
+              <a:t>Hewitt</a:t>
+            </a:r>
+            <a:r>
+              <a:rPr lang="id-ID" sz="2000" dirty="0"/>
+              <a:t> &amp; </a:t>
+            </a:r>
+            <a:r>
+              <a:rPr lang="id-ID" sz="2000" dirty="0" err="1"/>
+              <a:t>Karakuş</a:t>
+            </a:r>
+            <a:r>
+              <a:rPr lang="id-ID" sz="2000" dirty="0"/>
+              <a:t>, 2023).</a:t>
+            </a:r>
+            <a:endParaRPr lang="en-GB" sz="2000" dirty="0"/>
+          </a:p>
+          <a:p>
+            <a:pPr marL="342900" indent="-342900">
+              <a:buFont typeface="Arial" panose="020B0604020202020204" pitchFamily="34" charset="0"/>
+              <a:buChar char="•"/>
+            </a:pPr>
+            <a:r>
+              <a:rPr lang="id-ID" sz="2000" b="1" dirty="0" err="1"/>
+              <a:t>LightGBM</a:t>
+            </a:r>
+            <a:r>
+              <a:rPr lang="id-ID" sz="2000" dirty="0"/>
+              <a:t> diajukan sebagai solusi ideal. Sebagai model yang berbasis </a:t>
+            </a:r>
+            <a:r>
+              <a:rPr lang="id-ID" sz="2000" i="1" dirty="0" err="1"/>
+              <a:t>decision</a:t>
+            </a:r>
+            <a:r>
+              <a:rPr lang="id-ID" sz="2000" i="1" dirty="0"/>
+              <a:t> </a:t>
+            </a:r>
+            <a:r>
+              <a:rPr lang="id-ID" sz="2000" i="1" dirty="0" err="1"/>
+              <a:t>tree</a:t>
+            </a:r>
+            <a:r>
+              <a:rPr lang="id-ID" sz="2000" dirty="0"/>
+              <a:t>, ia secara inheren bersifat </a:t>
+            </a:r>
+            <a:r>
+              <a:rPr lang="id-ID" sz="2000" b="1" dirty="0"/>
+              <a:t>non-linear</a:t>
+            </a:r>
+            <a:r>
+              <a:rPr lang="id-ID" sz="2000" dirty="0"/>
+              <a:t> karena kemampuannya </a:t>
+            </a:r>
+            <a:r>
+              <a:rPr lang="id-ID" sz="2000" dirty="0" err="1"/>
+              <a:t>mempartisi</a:t>
+            </a:r>
+            <a:r>
+              <a:rPr lang="id-ID" sz="2000" dirty="0"/>
+              <a:t> data ke dalam segmen-segmen kompleks, sehingga mampu menangkap hubungan antar variabel yang tidak lurus. Keunggulannya adalah kombinasi antara </a:t>
+            </a:r>
+            <a:r>
+              <a:rPr lang="id-ID" sz="2000" b="1" dirty="0"/>
+              <a:t>akurasi tinggi</a:t>
+            </a:r>
+            <a:r>
+              <a:rPr lang="id-ID" sz="2000" dirty="0"/>
+              <a:t> dan </a:t>
+            </a:r>
+            <a:r>
+              <a:rPr lang="id-ID" sz="2000" b="1" dirty="0"/>
+              <a:t>efisiensi luar biasa</a:t>
+            </a:r>
+            <a:r>
+              <a:rPr lang="id-ID" sz="2000" dirty="0"/>
+              <a:t>, dengan waktu pelatihan terbukti </a:t>
+            </a:r>
+            <a:r>
+              <a:rPr lang="id-ID" sz="2000" b="1" dirty="0"/>
+              <a:t>lebih dari 10 kali lebih cepat</a:t>
+            </a:r>
+            <a:r>
+              <a:rPr lang="id-ID" sz="2000" dirty="0"/>
+              <a:t> dibandingkan implementasi </a:t>
+            </a:r>
+            <a:r>
+              <a:rPr lang="id-ID" sz="2000" i="1" dirty="0" err="1"/>
+              <a:t>boosting</a:t>
+            </a:r>
+            <a:r>
+              <a:rPr lang="id-ID" sz="2000" dirty="0"/>
+              <a:t> populer lainnya. (Ke </a:t>
+            </a:r>
+            <a:r>
+              <a:rPr lang="id-ID" sz="2000" dirty="0" err="1"/>
+              <a:t>et</a:t>
+            </a:r>
+            <a:r>
+              <a:rPr lang="id-ID" sz="2000" dirty="0"/>
+              <a:t> </a:t>
+            </a:r>
+            <a:r>
+              <a:rPr lang="id-ID" sz="2000" dirty="0" err="1"/>
+              <a:t>al.</a:t>
+            </a:r>
+            <a:r>
+              <a:rPr lang="id-ID" sz="2000" dirty="0"/>
+              <a:t>, 2017; </a:t>
+            </a:r>
+            <a:r>
+              <a:rPr lang="id-ID" sz="2000" dirty="0" err="1"/>
+              <a:t>Florek</a:t>
+            </a:r>
+            <a:r>
+              <a:rPr lang="id-ID" sz="2000" dirty="0"/>
+              <a:t> &amp; </a:t>
+            </a:r>
+            <a:r>
+              <a:rPr lang="id-ID" sz="2000" dirty="0" err="1"/>
+              <a:t>Zagdański</a:t>
+            </a:r>
+            <a:r>
+              <a:rPr lang="id-ID" sz="2000" dirty="0"/>
+              <a:t>, 2023).</a:t>
+            </a:r>
+          </a:p>
+        </p:txBody>
+      </p:sp>
+      <p:sp>
+        <p:nvSpPr>
+          <p:cNvPr id="4" name="Tampungan Tanggal 3">
+            <a:extLst>
+              <a:ext uri="{FF2B5EF4-FFF2-40B4-BE49-F238E27FC236}">
+                <a16:creationId xmlns:a16="http://schemas.microsoft.com/office/drawing/2014/main" id="{5739303D-13C0-6A41-947A-F998CC47B32E}"/>
+              </a:ext>
+            </a:extLst>
+          </p:cNvPr>
+          <p:cNvSpPr>
+            <a:spLocks noGrp="1"/>
+          </p:cNvSpPr>
+          <p:nvPr>
+            <p:ph type="dt" sz="half" idx="2"/>
+          </p:nvPr>
+        </p:nvSpPr>
+        <p:spPr>
+          <a:xfrm>
+            <a:off x="381000" y="6356350"/>
+            <a:ext cx="2743200" cy="365125"/>
+          </a:xfrm>
+        </p:spPr>
+        <p:txBody>
+          <a:bodyPr rtlCol="0"/>
+          <a:lstStyle/>
+          <a:p>
+            <a:pPr rtl="0"/>
+            <a:fld id="{70C69C4D-CAFD-4E0E-94E0-4B1709D96441}" type="datetime1">
+              <a:rPr lang="id-ID" smtClean="0"/>
+              <a:t>28/07/2025</a:t>
+            </a:fld>
+            <a:endParaRPr lang="id-ID"/>
+          </a:p>
+        </p:txBody>
+      </p:sp>
+      <p:sp>
+        <p:nvSpPr>
+          <p:cNvPr id="6" name="Tampungan Nomor Slide 5">
+            <a:extLst>
+              <a:ext uri="{FF2B5EF4-FFF2-40B4-BE49-F238E27FC236}">
+                <a16:creationId xmlns:a16="http://schemas.microsoft.com/office/drawing/2014/main" id="{60D470D0-6D64-5E42-9515-048F8779CD5E}"/>
+              </a:ext>
+            </a:extLst>
+          </p:cNvPr>
+          <p:cNvSpPr>
+            <a:spLocks noGrp="1"/>
+          </p:cNvSpPr>
+          <p:nvPr>
+            <p:ph type="sldNum" sz="quarter" idx="4"/>
+          </p:nvPr>
+        </p:nvSpPr>
+        <p:spPr>
+          <a:xfrm>
+            <a:off x="10153276" y="6356350"/>
+            <a:ext cx="1657723" cy="365125"/>
+          </a:xfrm>
+        </p:spPr>
+        <p:txBody>
+          <a:bodyPr rtlCol="0"/>
+          <a:lstStyle/>
+          <a:p>
+            <a:pPr rtl="0"/>
+            <a:fld id="{294A09A9-5501-47C1-A89A-A340965A2BE2}" type="slidenum">
+              <a:rPr lang="id-ID" smtClean="0"/>
+              <a:pPr rtl="0"/>
+              <a:t>4</a:t>
+            </a:fld>
+            <a:endParaRPr lang="id-ID"/>
+          </a:p>
+        </p:txBody>
+      </p:sp>
+    </p:spTree>
+    <p:extLst>
+      <p:ext uri="{BB962C8B-B14F-4D97-AF65-F5344CB8AC3E}">
+        <p14:creationId xmlns:p14="http://schemas.microsoft.com/office/powerpoint/2010/main" val="1325608595"/>
+      </p:ext>
+    </p:extLst>
+  </p:cSld>
+  <p:clrMapOvr>
+    <a:masterClrMapping/>
+  </p:clrMapOvr>
+</p:sld>
+</file>
+
+<file path=ppt/slides/slide5.xml><?xml version="1.0" encoding="utf-8"?>
+<p:sld xmlns:a="http://schemas.openxmlformats.org/drawingml/2006/main" xmlns:r="http://schemas.openxmlformats.org/officeDocument/2006/relationships" xmlns:p="http://schemas.openxmlformats.org/presentationml/2006/main">
+  <p:cSld>
+    <p:spTree>
+      <p:nvGrpSpPr>
+        <p:cNvPr id="1" name=""/>
+        <p:cNvGrpSpPr/>
+        <p:nvPr/>
+      </p:nvGrpSpPr>
+      <p:grpSpPr>
+        <a:xfrm>
+          <a:off x="0" y="0"/>
+          <a:ext cx="0" cy="0"/>
+          <a:chOff x="0" y="0"/>
+          <a:chExt cx="0" cy="0"/>
+        </a:xfrm>
+      </p:grpSpPr>
+      <p:sp>
+        <p:nvSpPr>
+          <p:cNvPr id="2" name="Judul 1">
+            <a:extLst>
+              <a:ext uri="{FF2B5EF4-FFF2-40B4-BE49-F238E27FC236}">
+                <a16:creationId xmlns:a16="http://schemas.microsoft.com/office/drawing/2014/main" id="{D543047E-FBFD-4F79-BCA5-10E69740F030}"/>
+              </a:ext>
+            </a:extLst>
+          </p:cNvPr>
+          <p:cNvSpPr>
+            <a:spLocks noGrp="1"/>
+          </p:cNvSpPr>
+          <p:nvPr>
+            <p:ph type="title"/>
+          </p:nvPr>
+        </p:nvSpPr>
         <p:spPr/>
         <p:txBody>
           <a:bodyPr rtlCol="0"/>
@@ -18923,8 +20545,8 @@
         </p:nvSpPr>
         <p:spPr>
           <a:xfrm>
-            <a:off x="3999682" y="5898134"/>
-            <a:ext cx="4522017" cy="365125"/>
+            <a:off x="3580129" y="5898134"/>
+            <a:ext cx="5652318" cy="365125"/>
           </a:xfrm>
         </p:spPr>
         <p:txBody>
@@ -18932,44 +20554,44 @@
           <a:lstStyle/>
           <a:p>
             <a:r>
-              <a:rPr lang="en-GB" dirty="0"/>
+              <a:rPr lang="en-GB" sz="1800" dirty="0"/>
               <a:t>Tabel </a:t>
             </a:r>
             <a:r>
-              <a:rPr lang="en-GB" dirty="0" err="1"/>
-              <a:t>Perbandingan</a:t>
-            </a:r>
-            <a:r>
-              <a:rPr lang="en-GB" dirty="0"/>
-              <a:t> Waktu </a:t>
-            </a:r>
-            <a:r>
-              <a:rPr lang="en-GB" dirty="0" err="1"/>
-              <a:t>Pelatihan</a:t>
-            </a:r>
-            <a:r>
-              <a:rPr lang="en-GB" dirty="0"/>
+              <a:rPr lang="id-ID" sz="1800" dirty="0"/>
+              <a:t>Keterbatasan Model Linear</a:t>
+            </a:r>
+            <a:r>
+              <a:rPr lang="en-GB" sz="1800" dirty="0"/>
               <a:t> </a:t>
             </a:r>
             <a:r>
-              <a:rPr lang="id-ID" dirty="0"/>
+              <a:rPr lang="id-ID" sz="1800" dirty="0"/>
               <a:t>(</a:t>
             </a:r>
             <a:r>
-              <a:rPr lang="id-ID" dirty="0" err="1"/>
-              <a:t>Florek</a:t>
-            </a:r>
-            <a:r>
-              <a:rPr lang="id-ID" dirty="0"/>
-              <a:t> &amp; </a:t>
-            </a:r>
-            <a:r>
-              <a:rPr lang="id-ID" dirty="0" err="1"/>
-              <a:t>Zagdański</a:t>
-            </a:r>
-            <a:r>
-              <a:rPr lang="id-ID" dirty="0"/>
-              <a:t>, 2023)</a:t>
+              <a:rPr lang="id-ID" sz="1800" dirty="0" err="1"/>
+              <a:t>Méndez</a:t>
+            </a:r>
+            <a:r>
+              <a:rPr lang="id-ID" sz="1800" dirty="0"/>
+              <a:t> </a:t>
+            </a:r>
+            <a:r>
+              <a:rPr lang="id-ID" sz="1800" dirty="0" err="1"/>
+              <a:t>et</a:t>
+            </a:r>
+            <a:r>
+              <a:rPr lang="id-ID" sz="1800" dirty="0"/>
+              <a:t> </a:t>
+            </a:r>
+            <a:r>
+              <a:rPr lang="id-ID" sz="1800" dirty="0" err="1"/>
+              <a:t>al.</a:t>
+            </a:r>
+            <a:r>
+              <a:rPr lang="id-ID" sz="1800" dirty="0"/>
+              <a:t> 2023)</a:t>
             </a:r>
           </a:p>
         </p:txBody>
@@ -18999,7 +20621,7 @@
             <a:fld id="{294A09A9-5501-47C1-A89A-A340965A2BE2}" type="slidenum">
               <a:rPr lang="id-ID" smtClean="0"/>
               <a:pPr rtl="0"/>
-              <a:t>4</a:t>
+              <a:t>5</a:t>
             </a:fld>
             <a:endParaRPr lang="id-ID" dirty="0"/>
           </a:p>
@@ -19020,10 +20642,698 @@
           <p:nvPr>
             <p:extLst>
               <p:ext uri="{D42A27DB-BD31-4B8C-83A1-F6EECF244321}">
-                <p14:modId xmlns:p14="http://schemas.microsoft.com/office/powerpoint/2010/main" val="2865002951"/>
+                <p14:modId xmlns:p14="http://schemas.microsoft.com/office/powerpoint/2010/main" val="1612815024"/>
               </p:ext>
             </p:extLst>
           </p:nvPr>
+        </p:nvGraphicFramePr>
+        <p:xfrm>
+          <a:off x="1593033" y="1803400"/>
+          <a:ext cx="9626511" cy="4001643"/>
+        </p:xfrm>
+        <a:graphic>
+          <a:graphicData uri="http://schemas.openxmlformats.org/drawingml/2006/table">
+            <a:tbl>
+              <a:tblPr firstRow="1" firstCol="1" bandRow="1">
+                <a:tableStyleId>{5C22544A-7EE6-4342-B048-85BDC9FD1C3A}</a:tableStyleId>
+              </a:tblPr>
+              <a:tblGrid>
+                <a:gridCol w="3208837">
+                  <a:extLst>
+                    <a:ext uri="{9D8B030D-6E8A-4147-A177-3AD203B41FA5}">
+                      <a16:colId xmlns:a16="http://schemas.microsoft.com/office/drawing/2014/main" val="3209082739"/>
+                    </a:ext>
+                  </a:extLst>
+                </a:gridCol>
+                <a:gridCol w="3208837">
+                  <a:extLst>
+                    <a:ext uri="{9D8B030D-6E8A-4147-A177-3AD203B41FA5}">
+                      <a16:colId xmlns:a16="http://schemas.microsoft.com/office/drawing/2014/main" val="1888921284"/>
+                    </a:ext>
+                  </a:extLst>
+                </a:gridCol>
+                <a:gridCol w="3208837">
+                  <a:extLst>
+                    <a:ext uri="{9D8B030D-6E8A-4147-A177-3AD203B41FA5}">
+                      <a16:colId xmlns:a16="http://schemas.microsoft.com/office/drawing/2014/main" val="4077521047"/>
+                    </a:ext>
+                  </a:extLst>
+                </a:gridCol>
+              </a:tblGrid>
+              <a:tr h="784860">
+                <a:tc>
+                  <a:txBody>
+                    <a:bodyPr/>
+                    <a:lstStyle/>
+                    <a:p>
+                      <a:pPr algn="l">
+                        <a:lnSpc>
+                          <a:spcPct val="150000"/>
+                        </a:lnSpc>
+                        <a:buNone/>
+                      </a:pPr>
+                      <a:r>
+                        <a:rPr lang="id-ID" sz="2000" dirty="0"/>
+                        <a:t>Metrik Evaluasi</a:t>
+                      </a:r>
+                      <a:endParaRPr lang="id-ID" sz="3200" kern="100" dirty="0">
+                        <a:solidFill>
+                          <a:srgbClr val="000000"/>
+                        </a:solidFill>
+                        <a:effectLst/>
+                        <a:latin typeface="Times New Roman" panose="02020603050405020304" pitchFamily="18" charset="0"/>
+                        <a:ea typeface="Calibri" panose="020F0502020204030204" pitchFamily="34" charset="0"/>
+                        <a:cs typeface="Arial" panose="020B0604020202020204" pitchFamily="34" charset="0"/>
+                      </a:endParaRPr>
+                    </a:p>
+                  </a:txBody>
+                  <a:tcPr marL="68580" marR="68580" marT="0" marB="0" anchor="ctr"/>
+                </a:tc>
+                <a:tc>
+                  <a:txBody>
+                    <a:bodyPr/>
+                    <a:lstStyle/>
+                    <a:p>
+                      <a:pPr algn="l">
+                        <a:lnSpc>
+                          <a:spcPct val="150000"/>
+                        </a:lnSpc>
+                        <a:buNone/>
+                      </a:pPr>
+                      <a:r>
+                        <a:rPr lang="id-ID" sz="2000" dirty="0"/>
+                        <a:t>Model Non-Linear (MLP)</a:t>
+                      </a:r>
+                      <a:endParaRPr lang="id-ID" sz="3200" kern="100" dirty="0">
+                        <a:solidFill>
+                          <a:srgbClr val="000000"/>
+                        </a:solidFill>
+                        <a:effectLst/>
+                        <a:latin typeface="Times New Roman" panose="02020603050405020304" pitchFamily="18" charset="0"/>
+                        <a:ea typeface="Calibri" panose="020F0502020204030204" pitchFamily="34" charset="0"/>
+                        <a:cs typeface="Arial" panose="020B0604020202020204" pitchFamily="34" charset="0"/>
+                      </a:endParaRPr>
+                    </a:p>
+                  </a:txBody>
+                  <a:tcPr marL="68580" marR="68580" marT="0" marB="0" anchor="ctr"/>
+                </a:tc>
+                <a:tc>
+                  <a:txBody>
+                    <a:bodyPr/>
+                    <a:lstStyle/>
+                    <a:p>
+                      <a:pPr algn="l">
+                        <a:lnSpc>
+                          <a:spcPct val="150000"/>
+                        </a:lnSpc>
+                        <a:buNone/>
+                      </a:pPr>
+                      <a:r>
+                        <a:rPr lang="id-ID" sz="2000" dirty="0"/>
+                        <a:t>Model Linear (Regresi Logistik)</a:t>
+                      </a:r>
+                      <a:endParaRPr lang="id-ID" sz="3200" kern="100" dirty="0">
+                        <a:solidFill>
+                          <a:srgbClr val="000000"/>
+                        </a:solidFill>
+                        <a:effectLst/>
+                        <a:latin typeface="Times New Roman" panose="02020603050405020304" pitchFamily="18" charset="0"/>
+                        <a:ea typeface="Calibri" panose="020F0502020204030204" pitchFamily="34" charset="0"/>
+                        <a:cs typeface="Arial" panose="020B0604020202020204" pitchFamily="34" charset="0"/>
+                      </a:endParaRPr>
+                    </a:p>
+                  </a:txBody>
+                  <a:tcPr marL="68580" marR="68580" marT="0" marB="0" anchor="ctr"/>
+                </a:tc>
+                <a:extLst>
+                  <a:ext uri="{0D108BD9-81ED-4DB2-BD59-A6C34878D82A}">
+                    <a16:rowId xmlns:a16="http://schemas.microsoft.com/office/drawing/2014/main" val="2196113673"/>
+                  </a:ext>
+                </a:extLst>
+              </a:tr>
+              <a:tr h="784860">
+                <a:tc>
+                  <a:txBody>
+                    <a:bodyPr/>
+                    <a:lstStyle/>
+                    <a:p>
+                      <a:pPr algn="l">
+                        <a:lnSpc>
+                          <a:spcPct val="150000"/>
+                        </a:lnSpc>
+                        <a:buNone/>
+                      </a:pPr>
+                      <a:r>
+                        <a:rPr lang="id-ID" sz="2000" dirty="0"/>
+                        <a:t>ROC AUC</a:t>
+                      </a:r>
+                      <a:endParaRPr lang="id-ID" sz="3200" kern="100" dirty="0">
+                        <a:solidFill>
+                          <a:srgbClr val="000000"/>
+                        </a:solidFill>
+                        <a:effectLst/>
+                        <a:latin typeface="Times New Roman" panose="02020603050405020304" pitchFamily="18" charset="0"/>
+                        <a:ea typeface="Calibri" panose="020F0502020204030204" pitchFamily="34" charset="0"/>
+                        <a:cs typeface="Arial" panose="020B0604020202020204" pitchFamily="34" charset="0"/>
+                      </a:endParaRPr>
+                    </a:p>
+                  </a:txBody>
+                  <a:tcPr marL="68580" marR="68580" marT="0" marB="0" anchor="ctr"/>
+                </a:tc>
+                <a:tc>
+                  <a:txBody>
+                    <a:bodyPr/>
+                    <a:lstStyle/>
+                    <a:p>
+                      <a:pPr algn="l">
+                        <a:lnSpc>
+                          <a:spcPct val="150000"/>
+                        </a:lnSpc>
+                        <a:buNone/>
+                      </a:pPr>
+                      <a:r>
+                        <a:rPr lang="id-ID" sz="2000" dirty="0"/>
+                        <a:t>0.87</a:t>
+                      </a:r>
+                      <a:endParaRPr lang="id-ID" sz="3200" kern="100" dirty="0">
+                        <a:solidFill>
+                          <a:srgbClr val="000000"/>
+                        </a:solidFill>
+                        <a:effectLst/>
+                        <a:latin typeface="Times New Roman" panose="02020603050405020304" pitchFamily="18" charset="0"/>
+                        <a:ea typeface="Calibri" panose="020F0502020204030204" pitchFamily="34" charset="0"/>
+                        <a:cs typeface="Arial" panose="020B0604020202020204" pitchFamily="34" charset="0"/>
+                      </a:endParaRPr>
+                    </a:p>
+                  </a:txBody>
+                  <a:tcPr marL="68580" marR="68580" marT="0" marB="0" anchor="ctr"/>
+                </a:tc>
+                <a:tc>
+                  <a:txBody>
+                    <a:bodyPr/>
+                    <a:lstStyle/>
+                    <a:p>
+                      <a:pPr algn="l">
+                        <a:lnSpc>
+                          <a:spcPct val="150000"/>
+                        </a:lnSpc>
+                        <a:buNone/>
+                      </a:pPr>
+                      <a:r>
+                        <a:rPr lang="id-ID" sz="2000" dirty="0"/>
+                        <a:t>0.82</a:t>
+                      </a:r>
+                      <a:endParaRPr lang="id-ID" sz="3200" kern="100" dirty="0">
+                        <a:solidFill>
+                          <a:srgbClr val="000000"/>
+                        </a:solidFill>
+                        <a:effectLst/>
+                        <a:latin typeface="Times New Roman" panose="02020603050405020304" pitchFamily="18" charset="0"/>
+                        <a:ea typeface="Calibri" panose="020F0502020204030204" pitchFamily="34" charset="0"/>
+                        <a:cs typeface="Arial" panose="020B0604020202020204" pitchFamily="34" charset="0"/>
+                      </a:endParaRPr>
+                    </a:p>
+                  </a:txBody>
+                  <a:tcPr marL="68580" marR="68580" marT="0" marB="0" anchor="ctr"/>
+                </a:tc>
+                <a:extLst>
+                  <a:ext uri="{0D108BD9-81ED-4DB2-BD59-A6C34878D82A}">
+                    <a16:rowId xmlns:a16="http://schemas.microsoft.com/office/drawing/2014/main" val="2071363258"/>
+                  </a:ext>
+                </a:extLst>
+              </a:tr>
+              <a:tr h="784860">
+                <a:tc>
+                  <a:txBody>
+                    <a:bodyPr/>
+                    <a:lstStyle/>
+                    <a:p>
+                      <a:pPr algn="l">
+                        <a:lnSpc>
+                          <a:spcPct val="150000"/>
+                        </a:lnSpc>
+                        <a:buNone/>
+                      </a:pPr>
+                      <a:r>
+                        <a:rPr lang="id-ID" sz="2000" dirty="0" err="1"/>
+                        <a:t>Brier</a:t>
+                      </a:r>
+                      <a:r>
+                        <a:rPr lang="id-ID" sz="2000" dirty="0"/>
+                        <a:t> </a:t>
+                      </a:r>
+                      <a:r>
+                        <a:rPr lang="id-ID" sz="2000" dirty="0" err="1"/>
+                        <a:t>Score</a:t>
+                      </a:r>
+                      <a:endParaRPr lang="id-ID" sz="3200" kern="100" dirty="0">
+                        <a:solidFill>
+                          <a:srgbClr val="000000"/>
+                        </a:solidFill>
+                        <a:effectLst/>
+                        <a:latin typeface="Times New Roman" panose="02020603050405020304" pitchFamily="18" charset="0"/>
+                        <a:ea typeface="Calibri" panose="020F0502020204030204" pitchFamily="34" charset="0"/>
+                        <a:cs typeface="Arial" panose="020B0604020202020204" pitchFamily="34" charset="0"/>
+                      </a:endParaRPr>
+                    </a:p>
+                  </a:txBody>
+                  <a:tcPr marL="68580" marR="68580" marT="0" marB="0" anchor="ctr"/>
+                </a:tc>
+                <a:tc>
+                  <a:txBody>
+                    <a:bodyPr/>
+                    <a:lstStyle/>
+                    <a:p>
+                      <a:pPr algn="l">
+                        <a:lnSpc>
+                          <a:spcPct val="150000"/>
+                        </a:lnSpc>
+                        <a:buNone/>
+                      </a:pPr>
+                      <a:r>
+                        <a:rPr lang="id-ID" sz="2000" dirty="0"/>
+                        <a:t>0.076</a:t>
+                      </a:r>
+                      <a:endParaRPr lang="id-ID" sz="3200" kern="100" dirty="0">
+                        <a:solidFill>
+                          <a:srgbClr val="000000"/>
+                        </a:solidFill>
+                        <a:effectLst/>
+                        <a:latin typeface="Times New Roman" panose="02020603050405020304" pitchFamily="18" charset="0"/>
+                        <a:ea typeface="Calibri" panose="020F0502020204030204" pitchFamily="34" charset="0"/>
+                        <a:cs typeface="Arial" panose="020B0604020202020204" pitchFamily="34" charset="0"/>
+                      </a:endParaRPr>
+                    </a:p>
+                  </a:txBody>
+                  <a:tcPr marL="68580" marR="68580" marT="0" marB="0" anchor="ctr"/>
+                </a:tc>
+                <a:tc>
+                  <a:txBody>
+                    <a:bodyPr/>
+                    <a:lstStyle/>
+                    <a:p>
+                      <a:pPr algn="l">
+                        <a:lnSpc>
+                          <a:spcPct val="150000"/>
+                        </a:lnSpc>
+                        <a:buNone/>
+                      </a:pPr>
+                      <a:r>
+                        <a:rPr lang="id-ID" sz="2000" dirty="0"/>
+                        <a:t>0.081</a:t>
+                      </a:r>
+                      <a:endParaRPr lang="id-ID" sz="3200" kern="100" dirty="0">
+                        <a:solidFill>
+                          <a:srgbClr val="000000"/>
+                        </a:solidFill>
+                        <a:effectLst/>
+                        <a:latin typeface="Times New Roman" panose="02020603050405020304" pitchFamily="18" charset="0"/>
+                        <a:ea typeface="Calibri" panose="020F0502020204030204" pitchFamily="34" charset="0"/>
+                        <a:cs typeface="Arial" panose="020B0604020202020204" pitchFamily="34" charset="0"/>
+                      </a:endParaRPr>
+                    </a:p>
+                  </a:txBody>
+                  <a:tcPr marL="68580" marR="68580" marT="0" marB="0" anchor="ctr"/>
+                </a:tc>
+                <a:extLst>
+                  <a:ext uri="{0D108BD9-81ED-4DB2-BD59-A6C34878D82A}">
+                    <a16:rowId xmlns:a16="http://schemas.microsoft.com/office/drawing/2014/main" val="1984725224"/>
+                  </a:ext>
+                </a:extLst>
+              </a:tr>
+              <a:tr h="784860">
+                <a:tc>
+                  <a:txBody>
+                    <a:bodyPr/>
+                    <a:lstStyle/>
+                    <a:p>
+                      <a:pPr algn="l">
+                        <a:lnSpc>
+                          <a:spcPct val="150000"/>
+                        </a:lnSpc>
+                        <a:buNone/>
+                      </a:pPr>
+                      <a:r>
+                        <a:rPr lang="id-ID" sz="2000" dirty="0"/>
+                        <a:t>Log-</a:t>
+                      </a:r>
+                      <a:r>
+                        <a:rPr lang="id-ID" sz="2000" dirty="0" err="1"/>
+                        <a:t>Loss</a:t>
+                      </a:r>
+                      <a:endParaRPr lang="id-ID" sz="3200" kern="100" dirty="0">
+                        <a:solidFill>
+                          <a:srgbClr val="000000"/>
+                        </a:solidFill>
+                        <a:effectLst/>
+                        <a:latin typeface="Times New Roman" panose="02020603050405020304" pitchFamily="18" charset="0"/>
+                        <a:ea typeface="Calibri" panose="020F0502020204030204" pitchFamily="34" charset="0"/>
+                        <a:cs typeface="Arial" panose="020B0604020202020204" pitchFamily="34" charset="0"/>
+                      </a:endParaRPr>
+                    </a:p>
+                  </a:txBody>
+                  <a:tcPr marL="68580" marR="68580" marT="0" marB="0" anchor="ctr"/>
+                </a:tc>
+                <a:tc>
+                  <a:txBody>
+                    <a:bodyPr/>
+                    <a:lstStyle/>
+                    <a:p>
+                      <a:pPr algn="l">
+                        <a:lnSpc>
+                          <a:spcPct val="150000"/>
+                        </a:lnSpc>
+                        <a:buNone/>
+                      </a:pPr>
+                      <a:r>
+                        <a:rPr lang="id-ID" sz="2000" dirty="0"/>
+                        <a:t>0.262</a:t>
+                      </a:r>
+                      <a:endParaRPr lang="id-ID" sz="3200" kern="100" dirty="0">
+                        <a:solidFill>
+                          <a:srgbClr val="000000"/>
+                        </a:solidFill>
+                        <a:effectLst/>
+                        <a:latin typeface="Times New Roman" panose="02020603050405020304" pitchFamily="18" charset="0"/>
+                        <a:ea typeface="Calibri" panose="020F0502020204030204" pitchFamily="34" charset="0"/>
+                        <a:cs typeface="Arial" panose="020B0604020202020204" pitchFamily="34" charset="0"/>
+                      </a:endParaRPr>
+                    </a:p>
+                  </a:txBody>
+                  <a:tcPr marL="68580" marR="68580" marT="0" marB="0" anchor="ctr"/>
+                </a:tc>
+                <a:tc>
+                  <a:txBody>
+                    <a:bodyPr/>
+                    <a:lstStyle/>
+                    <a:p>
+                      <a:pPr algn="l">
+                        <a:lnSpc>
+                          <a:spcPct val="150000"/>
+                        </a:lnSpc>
+                        <a:buNone/>
+                      </a:pPr>
+                      <a:r>
+                        <a:rPr lang="id-ID" sz="2000" dirty="0"/>
+                        <a:t>0.280</a:t>
+                      </a:r>
+                      <a:endParaRPr lang="id-ID" sz="3200" kern="100" dirty="0">
+                        <a:solidFill>
+                          <a:srgbClr val="000000"/>
+                        </a:solidFill>
+                        <a:effectLst/>
+                        <a:latin typeface="Times New Roman" panose="02020603050405020304" pitchFamily="18" charset="0"/>
+                        <a:ea typeface="Calibri" panose="020F0502020204030204" pitchFamily="34" charset="0"/>
+                        <a:cs typeface="Arial" panose="020B0604020202020204" pitchFamily="34" charset="0"/>
+                      </a:endParaRPr>
+                    </a:p>
+                  </a:txBody>
+                  <a:tcPr marL="68580" marR="68580" marT="0" marB="0" anchor="ctr"/>
+                </a:tc>
+                <a:extLst>
+                  <a:ext uri="{0D108BD9-81ED-4DB2-BD59-A6C34878D82A}">
+                    <a16:rowId xmlns:a16="http://schemas.microsoft.com/office/drawing/2014/main" val="2696177661"/>
+                  </a:ext>
+                </a:extLst>
+              </a:tr>
+              <a:tr h="784860">
+                <a:tc>
+                  <a:txBody>
+                    <a:bodyPr/>
+                    <a:lstStyle/>
+                    <a:p>
+                      <a:pPr algn="l">
+                        <a:lnSpc>
+                          <a:spcPct val="150000"/>
+                        </a:lnSpc>
+                        <a:buNone/>
+                      </a:pPr>
+                      <a:r>
+                        <a:rPr lang="id-ID" sz="2000" dirty="0"/>
+                        <a:t>F1-Score</a:t>
+                      </a:r>
+                      <a:endParaRPr lang="id-ID" sz="3200" kern="100" dirty="0">
+                        <a:solidFill>
+                          <a:srgbClr val="000000"/>
+                        </a:solidFill>
+                        <a:effectLst/>
+                        <a:latin typeface="Times New Roman" panose="02020603050405020304" pitchFamily="18" charset="0"/>
+                        <a:ea typeface="Calibri" panose="020F0502020204030204" pitchFamily="34" charset="0"/>
+                        <a:cs typeface="Arial" panose="020B0604020202020204" pitchFamily="34" charset="0"/>
+                      </a:endParaRPr>
+                    </a:p>
+                  </a:txBody>
+                  <a:tcPr marL="68580" marR="68580" marT="0" marB="0" anchor="ctr"/>
+                </a:tc>
+                <a:tc>
+                  <a:txBody>
+                    <a:bodyPr/>
+                    <a:lstStyle/>
+                    <a:p>
+                      <a:pPr algn="l">
+                        <a:lnSpc>
+                          <a:spcPct val="150000"/>
+                        </a:lnSpc>
+                        <a:buNone/>
+                      </a:pPr>
+                      <a:r>
+                        <a:rPr lang="id-ID" sz="2000" dirty="0"/>
+                        <a:t>0.41</a:t>
+                      </a:r>
+                      <a:endParaRPr lang="id-ID" sz="3200" kern="100" dirty="0">
+                        <a:solidFill>
+                          <a:srgbClr val="000000"/>
+                        </a:solidFill>
+                        <a:effectLst/>
+                        <a:latin typeface="Times New Roman" panose="02020603050405020304" pitchFamily="18" charset="0"/>
+                        <a:ea typeface="Calibri" panose="020F0502020204030204" pitchFamily="34" charset="0"/>
+                        <a:cs typeface="Arial" panose="020B0604020202020204" pitchFamily="34" charset="0"/>
+                      </a:endParaRPr>
+                    </a:p>
+                  </a:txBody>
+                  <a:tcPr marL="68580" marR="68580" marT="0" marB="0" anchor="ctr"/>
+                </a:tc>
+                <a:tc>
+                  <a:txBody>
+                    <a:bodyPr/>
+                    <a:lstStyle/>
+                    <a:p>
+                      <a:pPr algn="l">
+                        <a:lnSpc>
+                          <a:spcPct val="150000"/>
+                        </a:lnSpc>
+                        <a:buNone/>
+                      </a:pPr>
+                      <a:r>
+                        <a:rPr lang="id-ID" sz="2000" dirty="0"/>
+                        <a:t>0.34</a:t>
+                      </a:r>
+                      <a:endParaRPr lang="id-ID" sz="3200" kern="100" dirty="0">
+                        <a:solidFill>
+                          <a:srgbClr val="000000"/>
+                        </a:solidFill>
+                        <a:effectLst/>
+                        <a:latin typeface="Times New Roman" panose="02020603050405020304" pitchFamily="18" charset="0"/>
+                        <a:ea typeface="Calibri" panose="020F0502020204030204" pitchFamily="34" charset="0"/>
+                        <a:cs typeface="Arial" panose="020B0604020202020204" pitchFamily="34" charset="0"/>
+                      </a:endParaRPr>
+                    </a:p>
+                  </a:txBody>
+                  <a:tcPr marL="68580" marR="68580" marT="0" marB="0" anchor="ctr"/>
+                </a:tc>
+                <a:extLst>
+                  <a:ext uri="{0D108BD9-81ED-4DB2-BD59-A6C34878D82A}">
+                    <a16:rowId xmlns:a16="http://schemas.microsoft.com/office/drawing/2014/main" val="2214560729"/>
+                  </a:ext>
+                </a:extLst>
+              </a:tr>
+            </a:tbl>
+          </a:graphicData>
+        </a:graphic>
+      </p:graphicFrame>
+    </p:spTree>
+    <p:extLst>
+      <p:ext uri="{BB962C8B-B14F-4D97-AF65-F5344CB8AC3E}">
+        <p14:creationId xmlns:p14="http://schemas.microsoft.com/office/powerpoint/2010/main" val="1527386939"/>
+      </p:ext>
+    </p:extLst>
+  </p:cSld>
+  <p:clrMapOvr>
+    <a:masterClrMapping/>
+  </p:clrMapOvr>
+</p:sld>
+</file>
+
+<file path=ppt/slides/slide6.xml><?xml version="1.0" encoding="utf-8"?>
+<p:sld xmlns:a="http://schemas.openxmlformats.org/drawingml/2006/main" xmlns:r="http://schemas.openxmlformats.org/officeDocument/2006/relationships" xmlns:p="http://schemas.openxmlformats.org/presentationml/2006/main">
+  <p:cSld>
+    <p:spTree>
+      <p:nvGrpSpPr>
+        <p:cNvPr id="1" name="">
+          <a:extLst>
+            <a:ext uri="{FF2B5EF4-FFF2-40B4-BE49-F238E27FC236}">
+              <a16:creationId xmlns:a16="http://schemas.microsoft.com/office/drawing/2014/main" id="{5CA68338-ECBF-989D-1638-94790D36BCD1}"/>
+            </a:ext>
+          </a:extLst>
+        </p:cNvPr>
+        <p:cNvGrpSpPr/>
+        <p:nvPr/>
+      </p:nvGrpSpPr>
+      <p:grpSpPr>
+        <a:xfrm>
+          <a:off x="0" y="0"/>
+          <a:ext cx="0" cy="0"/>
+          <a:chOff x="0" y="0"/>
+          <a:chExt cx="0" cy="0"/>
+        </a:xfrm>
+      </p:grpSpPr>
+      <p:sp>
+        <p:nvSpPr>
+          <p:cNvPr id="2" name="Judul 1">
+            <a:extLst>
+              <a:ext uri="{FF2B5EF4-FFF2-40B4-BE49-F238E27FC236}">
+                <a16:creationId xmlns:a16="http://schemas.microsoft.com/office/drawing/2014/main" id="{C584F8A7-D836-556F-B9F1-1404EC19A8CD}"/>
+              </a:ext>
+            </a:extLst>
+          </p:cNvPr>
+          <p:cNvSpPr>
+            <a:spLocks noGrp="1"/>
+          </p:cNvSpPr>
+          <p:nvPr>
+            <p:ph type="title"/>
+          </p:nvPr>
+        </p:nvSpPr>
+        <p:spPr/>
+        <p:txBody>
+          <a:bodyPr rtlCol="0"/>
+          <a:lstStyle/>
+          <a:p>
+            <a:pPr rtl="0"/>
+            <a:r>
+              <a:rPr lang="en-GB" dirty="0"/>
+              <a:t>Latar </a:t>
+            </a:r>
+            <a:r>
+              <a:rPr lang="en-GB" dirty="0" err="1"/>
+              <a:t>Belakang</a:t>
+            </a:r>
+            <a:endParaRPr lang="id-ID" dirty="0"/>
+          </a:p>
+        </p:txBody>
+      </p:sp>
+      <p:sp>
+        <p:nvSpPr>
+          <p:cNvPr id="5" name="Tampungan Kaki 4">
+            <a:extLst>
+              <a:ext uri="{FF2B5EF4-FFF2-40B4-BE49-F238E27FC236}">
+                <a16:creationId xmlns:a16="http://schemas.microsoft.com/office/drawing/2014/main" id="{4C71EDAF-8447-660F-CF54-A308225702BA}"/>
+              </a:ext>
+            </a:extLst>
+          </p:cNvPr>
+          <p:cNvSpPr>
+            <a:spLocks noGrp="1"/>
+          </p:cNvSpPr>
+          <p:nvPr>
+            <p:ph type="ftr" sz="quarter" idx="3"/>
+          </p:nvPr>
+        </p:nvSpPr>
+        <p:spPr>
+          <a:xfrm>
+            <a:off x="2815771" y="5898134"/>
+            <a:ext cx="6749143" cy="365125"/>
+          </a:xfrm>
+        </p:spPr>
+        <p:txBody>
+          <a:bodyPr rtlCol="0"/>
+          <a:lstStyle/>
+          <a:p>
+            <a:r>
+              <a:rPr lang="en-GB" sz="1800" dirty="0"/>
+              <a:t>Tabel </a:t>
+            </a:r>
+            <a:r>
+              <a:rPr lang="en-GB" sz="1800" dirty="0" err="1"/>
+              <a:t>Perbandingan</a:t>
+            </a:r>
+            <a:r>
+              <a:rPr lang="en-GB" sz="1800" dirty="0"/>
+              <a:t> Waktu </a:t>
+            </a:r>
+            <a:r>
+              <a:rPr lang="en-GB" sz="1800" dirty="0" err="1"/>
+              <a:t>Pelatihan</a:t>
+            </a:r>
+            <a:r>
+              <a:rPr lang="en-GB" sz="1800" dirty="0"/>
+              <a:t> </a:t>
+            </a:r>
+            <a:r>
+              <a:rPr lang="id-ID" sz="1800" dirty="0"/>
+              <a:t>(</a:t>
+            </a:r>
+            <a:r>
+              <a:rPr lang="id-ID" sz="1800" dirty="0" err="1"/>
+              <a:t>Florek</a:t>
+            </a:r>
+            <a:r>
+              <a:rPr lang="id-ID" sz="1800" dirty="0"/>
+              <a:t> &amp; </a:t>
+            </a:r>
+            <a:r>
+              <a:rPr lang="id-ID" sz="1800" dirty="0" err="1"/>
+              <a:t>Zagdański</a:t>
+            </a:r>
+            <a:r>
+              <a:rPr lang="id-ID" sz="1800" dirty="0"/>
+              <a:t>, 2023)</a:t>
+            </a:r>
+          </a:p>
+        </p:txBody>
+      </p:sp>
+      <p:sp>
+        <p:nvSpPr>
+          <p:cNvPr id="7" name="Tampungan Nomor Slide 6">
+            <a:extLst>
+              <a:ext uri="{FF2B5EF4-FFF2-40B4-BE49-F238E27FC236}">
+                <a16:creationId xmlns:a16="http://schemas.microsoft.com/office/drawing/2014/main" id="{A2A488E4-DFD5-DE4F-C6CE-75A6EFEE2D2D}"/>
+              </a:ext>
+            </a:extLst>
+          </p:cNvPr>
+          <p:cNvSpPr>
+            <a:spLocks noGrp="1"/>
+          </p:cNvSpPr>
+          <p:nvPr>
+            <p:ph type="sldNum" sz="quarter" idx="4"/>
+          </p:nvPr>
+        </p:nvSpPr>
+        <p:spPr/>
+        <p:txBody>
+          <a:bodyPr rtlCol="0"/>
+          <a:lstStyle/>
+          <a:p>
+            <a:pPr rtl="0"/>
+            <a:fld id="{294A09A9-5501-47C1-A89A-A340965A2BE2}" type="slidenum">
+              <a:rPr lang="id-ID" smtClean="0"/>
+              <a:pPr rtl="0"/>
+              <a:t>6</a:t>
+            </a:fld>
+            <a:endParaRPr lang="id-ID" dirty="0"/>
+          </a:p>
+        </p:txBody>
+      </p:sp>
+      <p:graphicFrame>
+        <p:nvGraphicFramePr>
+          <p:cNvPr id="10" name="Table 9">
+            <a:extLst>
+              <a:ext uri="{FF2B5EF4-FFF2-40B4-BE49-F238E27FC236}">
+                <a16:creationId xmlns:a16="http://schemas.microsoft.com/office/drawing/2014/main" id="{7CA923E5-4F0A-96B5-C3A7-D9241BACC7F9}"/>
+              </a:ext>
+            </a:extLst>
+          </p:cNvPr>
+          <p:cNvGraphicFramePr>
+            <a:graphicFrameLocks noGrp="1"/>
+          </p:cNvGraphicFramePr>
+          <p:nvPr/>
         </p:nvGraphicFramePr>
         <p:xfrm>
           <a:off x="1593033" y="1803400"/>
@@ -19876,397 +22186,7 @@
     </p:spTree>
     <p:extLst>
       <p:ext uri="{BB962C8B-B14F-4D97-AF65-F5344CB8AC3E}">
-        <p14:creationId xmlns:p14="http://schemas.microsoft.com/office/powerpoint/2010/main" val="1527386939"/>
-      </p:ext>
-    </p:extLst>
-  </p:cSld>
-  <p:clrMapOvr>
-    <a:masterClrMapping/>
-  </p:clrMapOvr>
-</p:sld>
-</file>
-
-<file path=ppt/slides/slide5.xml><?xml version="1.0" encoding="utf-8"?>
-<p:sld xmlns:a="http://schemas.openxmlformats.org/drawingml/2006/main" xmlns:r="http://schemas.openxmlformats.org/officeDocument/2006/relationships" xmlns:p="http://schemas.openxmlformats.org/presentationml/2006/main">
-  <p:cSld>
-    <p:spTree>
-      <p:nvGrpSpPr>
-        <p:cNvPr id="1" name=""/>
-        <p:cNvGrpSpPr/>
-        <p:nvPr/>
-      </p:nvGrpSpPr>
-      <p:grpSpPr>
-        <a:xfrm>
-          <a:off x="0" y="0"/>
-          <a:ext cx="0" cy="0"/>
-          <a:chOff x="0" y="0"/>
-          <a:chExt cx="0" cy="0"/>
-        </a:xfrm>
-      </p:grpSpPr>
-      <p:sp>
-        <p:nvSpPr>
-          <p:cNvPr id="2" name="Judul 1">
-            <a:extLst>
-              <a:ext uri="{FF2B5EF4-FFF2-40B4-BE49-F238E27FC236}">
-                <a16:creationId xmlns:a16="http://schemas.microsoft.com/office/drawing/2014/main" id="{19256B7E-1633-44AB-8584-82DF5B726834}"/>
-              </a:ext>
-            </a:extLst>
-          </p:cNvPr>
-          <p:cNvSpPr>
-            <a:spLocks noGrp="1"/>
-          </p:cNvSpPr>
-          <p:nvPr>
-            <p:ph type="title"/>
-          </p:nvPr>
-        </p:nvSpPr>
-        <p:spPr>
-          <a:xfrm>
-            <a:off x="1167492" y="381000"/>
-            <a:ext cx="9779183" cy="1325563"/>
-          </a:xfrm>
-        </p:spPr>
-        <p:txBody>
-          <a:bodyPr rtlCol="0"/>
-          <a:lstStyle/>
-          <a:p>
-            <a:pPr rtl="0"/>
-            <a:r>
-              <a:rPr lang="en-GB" dirty="0" err="1"/>
-              <a:t>Identifikasi</a:t>
-            </a:r>
-            <a:r>
-              <a:rPr lang="en-GB" dirty="0"/>
-              <a:t> </a:t>
-            </a:r>
-            <a:r>
-              <a:rPr lang="en-GB" dirty="0" err="1"/>
-              <a:t>Masalah</a:t>
-            </a:r>
-            <a:endParaRPr lang="id-ID" dirty="0"/>
-          </a:p>
-        </p:txBody>
-      </p:sp>
-      <p:sp>
-        <p:nvSpPr>
-          <p:cNvPr id="4" name="Tampungan Konten 3">
-            <a:extLst>
-              <a:ext uri="{FF2B5EF4-FFF2-40B4-BE49-F238E27FC236}">
-                <a16:creationId xmlns:a16="http://schemas.microsoft.com/office/drawing/2014/main" id="{950677C9-3E42-427F-93B8-526692906471}"/>
-              </a:ext>
-            </a:extLst>
-          </p:cNvPr>
-          <p:cNvSpPr>
-            <a:spLocks noGrp="1"/>
-          </p:cNvSpPr>
-          <p:nvPr>
-            <p:ph idx="1"/>
-          </p:nvPr>
-        </p:nvSpPr>
-        <p:spPr>
-          <a:xfrm>
-            <a:off x="1167492" y="2020529"/>
-            <a:ext cx="9157607" cy="3347884"/>
-          </a:xfrm>
-        </p:spPr>
-        <p:txBody>
-          <a:bodyPr vert="horz" lIns="91440" tIns="45720" rIns="91440" bIns="45720" rtlCol="0" anchor="t">
-            <a:normAutofit/>
-          </a:bodyPr>
-          <a:lstStyle/>
-          <a:p>
-            <a:pPr marL="342900" indent="-342900">
-              <a:buFont typeface="Arial" panose="020B0604020202020204" pitchFamily="34" charset="0"/>
-              <a:buChar char="•"/>
-            </a:pPr>
-            <a:r>
-              <a:rPr lang="id-ID" sz="3200" dirty="0"/>
-              <a:t>Model yang umum digunakan (seperti Regresi Logistik) kesulitan menangkap </a:t>
-            </a:r>
-            <a:r>
-              <a:rPr lang="id-ID" sz="3200" b="1" dirty="0"/>
-              <a:t>pola data yang kompleks (non-linear)</a:t>
-            </a:r>
-            <a:r>
-              <a:rPr lang="id-ID" sz="3200" dirty="0"/>
-              <a:t> dalam sepak bola.</a:t>
-            </a:r>
-          </a:p>
-          <a:p>
-            <a:pPr marL="342900" indent="-342900">
-              <a:buFont typeface="Arial" panose="020B0604020202020204" pitchFamily="34" charset="0"/>
-              <a:buChar char="•"/>
-            </a:pPr>
-            <a:r>
-              <a:rPr lang="en-GB" sz="3200" dirty="0" err="1"/>
-              <a:t>Namun</a:t>
-            </a:r>
-            <a:r>
-              <a:rPr lang="en-GB" sz="3200" dirty="0"/>
-              <a:t>, a</a:t>
-            </a:r>
-            <a:r>
-              <a:rPr lang="id-ID" sz="3200" dirty="0" err="1"/>
-              <a:t>lgoritma</a:t>
-            </a:r>
-            <a:r>
-              <a:rPr lang="id-ID" sz="3200" dirty="0"/>
-              <a:t> yang lebih </a:t>
-            </a:r>
-            <a:r>
-              <a:rPr lang="en-GB" sz="3200" dirty="0" err="1"/>
-              <a:t>baik</a:t>
-            </a:r>
-            <a:r>
-              <a:rPr lang="en-GB" sz="3200" dirty="0"/>
-              <a:t> </a:t>
-            </a:r>
-            <a:r>
-              <a:rPr lang="en-GB" sz="3200" dirty="0" err="1"/>
-              <a:t>menangkap</a:t>
-            </a:r>
-            <a:r>
-              <a:rPr lang="en-GB" sz="3200" dirty="0"/>
-              <a:t> </a:t>
-            </a:r>
-            <a:r>
-              <a:rPr lang="en-GB" sz="3200" dirty="0" err="1"/>
-              <a:t>pola</a:t>
-            </a:r>
-            <a:r>
-              <a:rPr lang="en-GB" sz="3200" dirty="0"/>
-              <a:t> data non-linear</a:t>
-            </a:r>
-            <a:r>
-              <a:rPr lang="id-ID" sz="3200" dirty="0"/>
-              <a:t> </a:t>
-            </a:r>
-            <a:r>
-              <a:rPr lang="id-ID" sz="3200" dirty="0" err="1"/>
-              <a:t>seringkali</a:t>
-            </a:r>
-            <a:r>
-              <a:rPr lang="id-ID" sz="3200" dirty="0"/>
-              <a:t> </a:t>
-            </a:r>
-            <a:r>
-              <a:rPr lang="id-ID" sz="3200" b="1" dirty="0"/>
-              <a:t>tidak efisien</a:t>
-            </a:r>
-            <a:r>
-              <a:rPr lang="id-ID" sz="3200" dirty="0"/>
-              <a:t> dan </a:t>
-            </a:r>
-            <a:r>
-              <a:rPr lang="id-ID" sz="3200" b="1" dirty="0"/>
-              <a:t>lambat</a:t>
-            </a:r>
-            <a:r>
-              <a:rPr lang="id-ID" sz="3200" dirty="0"/>
-              <a:t> saat dihadapkan pada volume data yang besar.</a:t>
-            </a:r>
-          </a:p>
-        </p:txBody>
-      </p:sp>
-      <p:sp>
-        <p:nvSpPr>
-          <p:cNvPr id="9" name="Tampungan Nomor Slide 8">
-            <a:extLst>
-              <a:ext uri="{FF2B5EF4-FFF2-40B4-BE49-F238E27FC236}">
-                <a16:creationId xmlns:a16="http://schemas.microsoft.com/office/drawing/2014/main" id="{6FD448B0-743E-0045-8131-69B4EEC58365}"/>
-              </a:ext>
-            </a:extLst>
-          </p:cNvPr>
-          <p:cNvSpPr>
-            <a:spLocks noGrp="1"/>
-          </p:cNvSpPr>
-          <p:nvPr>
-            <p:ph type="sldNum" sz="quarter" idx="4"/>
-          </p:nvPr>
-        </p:nvSpPr>
-        <p:spPr>
-          <a:xfrm>
-            <a:off x="10153276" y="6356350"/>
-            <a:ext cx="1657723" cy="365125"/>
-          </a:xfrm>
-        </p:spPr>
-        <p:txBody>
-          <a:bodyPr rtlCol="0"/>
-          <a:lstStyle/>
-          <a:p>
-            <a:pPr rtl="0"/>
-            <a:fld id="{294A09A9-5501-47C1-A89A-A340965A2BE2}" type="slidenum">
-              <a:rPr lang="id-ID" smtClean="0"/>
-              <a:pPr rtl="0"/>
-              <a:t>5</a:t>
-            </a:fld>
-            <a:endParaRPr lang="id-ID"/>
-          </a:p>
-        </p:txBody>
-      </p:sp>
-    </p:spTree>
-    <p:extLst>
-      <p:ext uri="{BB962C8B-B14F-4D97-AF65-F5344CB8AC3E}">
-        <p14:creationId xmlns:p14="http://schemas.microsoft.com/office/powerpoint/2010/main" val="2563119616"/>
-      </p:ext>
-    </p:extLst>
-  </p:cSld>
-  <p:clrMapOvr>
-    <a:masterClrMapping/>
-  </p:clrMapOvr>
-</p:sld>
-</file>
-
-<file path=ppt/slides/slide6.xml><?xml version="1.0" encoding="utf-8"?>
-<p:sld xmlns:a="http://schemas.openxmlformats.org/drawingml/2006/main" xmlns:r="http://schemas.openxmlformats.org/officeDocument/2006/relationships" xmlns:p="http://schemas.openxmlformats.org/presentationml/2006/main">
-  <p:cSld>
-    <p:spTree>
-      <p:nvGrpSpPr>
-        <p:cNvPr id="1" name=""/>
-        <p:cNvGrpSpPr/>
-        <p:nvPr/>
-      </p:nvGrpSpPr>
-      <p:grpSpPr>
-        <a:xfrm>
-          <a:off x="0" y="0"/>
-          <a:ext cx="0" cy="0"/>
-          <a:chOff x="0" y="0"/>
-          <a:chExt cx="0" cy="0"/>
-        </a:xfrm>
-      </p:grpSpPr>
-      <p:sp>
-        <p:nvSpPr>
-          <p:cNvPr id="2" name="Judul 1">
-            <a:extLst>
-              <a:ext uri="{FF2B5EF4-FFF2-40B4-BE49-F238E27FC236}">
-                <a16:creationId xmlns:a16="http://schemas.microsoft.com/office/drawing/2014/main" id="{F96F75DE-8A44-4EC5-83C6-95BDDF10DFD9}"/>
-              </a:ext>
-            </a:extLst>
-          </p:cNvPr>
-          <p:cNvSpPr>
-            <a:spLocks noGrp="1"/>
-          </p:cNvSpPr>
-          <p:nvPr>
-            <p:ph type="title"/>
-          </p:nvPr>
-        </p:nvSpPr>
-        <p:spPr>
-          <a:xfrm>
-            <a:off x="1167492" y="522807"/>
-            <a:ext cx="9779183" cy="1325563"/>
-          </a:xfrm>
-        </p:spPr>
-        <p:txBody>
-          <a:bodyPr rtlCol="0"/>
-          <a:lstStyle/>
-          <a:p>
-            <a:pPr rtl="0"/>
-            <a:r>
-              <a:rPr lang="en-GB" sz="5400" dirty="0" err="1"/>
-              <a:t>Rumusan</a:t>
-            </a:r>
-            <a:r>
-              <a:rPr lang="en-GB" sz="5400" dirty="0"/>
-              <a:t> </a:t>
-            </a:r>
-            <a:r>
-              <a:rPr lang="en-GB" sz="5400" dirty="0" err="1"/>
-              <a:t>Masalah</a:t>
-            </a:r>
-            <a:endParaRPr lang="id-ID" sz="5400" dirty="0"/>
-          </a:p>
-        </p:txBody>
-      </p:sp>
-      <p:sp>
-        <p:nvSpPr>
-          <p:cNvPr id="6" name="Tampungan Nomor Slide 5">
-            <a:extLst>
-              <a:ext uri="{FF2B5EF4-FFF2-40B4-BE49-F238E27FC236}">
-                <a16:creationId xmlns:a16="http://schemas.microsoft.com/office/drawing/2014/main" id="{50B6C709-8794-DF4E-A15C-6E648F09DD12}"/>
-              </a:ext>
-            </a:extLst>
-          </p:cNvPr>
-          <p:cNvSpPr>
-            <a:spLocks noGrp="1"/>
-          </p:cNvSpPr>
-          <p:nvPr>
-            <p:ph type="sldNum" sz="quarter" idx="4"/>
-          </p:nvPr>
-        </p:nvSpPr>
-        <p:spPr/>
-        <p:txBody>
-          <a:bodyPr rtlCol="0"/>
-          <a:lstStyle/>
-          <a:p>
-            <a:pPr rtl="0"/>
-            <a:fld id="{294A09A9-5501-47C1-A89A-A340965A2BE2}" type="slidenum">
-              <a:rPr lang="id-ID" smtClean="0"/>
-              <a:pPr rtl="0"/>
-              <a:t>6</a:t>
-            </a:fld>
-            <a:endParaRPr lang="id-ID"/>
-          </a:p>
-        </p:txBody>
-      </p:sp>
-      <p:sp>
-        <p:nvSpPr>
-          <p:cNvPr id="8" name="Content Placeholder 7">
-            <a:extLst>
-              <a:ext uri="{FF2B5EF4-FFF2-40B4-BE49-F238E27FC236}">
-                <a16:creationId xmlns:a16="http://schemas.microsoft.com/office/drawing/2014/main" id="{5378EF9A-6DF2-1B01-4D25-5907CD183193}"/>
-              </a:ext>
-            </a:extLst>
-          </p:cNvPr>
-          <p:cNvSpPr>
-            <a:spLocks noGrp="1"/>
-          </p:cNvSpPr>
-          <p:nvPr>
-            <p:ph idx="1"/>
-          </p:nvPr>
-        </p:nvSpPr>
-        <p:spPr>
-          <a:xfrm>
-            <a:off x="1167493" y="2087563"/>
-            <a:ext cx="9437007" cy="2687637"/>
-          </a:xfrm>
-        </p:spPr>
-        <p:txBody>
-          <a:bodyPr/>
-          <a:lstStyle/>
-          <a:p>
-            <a:pPr marL="457200" indent="-457200">
-              <a:buFont typeface="Arial" panose="020B0604020202020204" pitchFamily="34" charset="0"/>
-              <a:buChar char="•"/>
-            </a:pPr>
-            <a:r>
-              <a:rPr lang="sv-SE" sz="4000" dirty="0"/>
-              <a:t>Bagaimana LightGBM dapat </a:t>
-            </a:r>
-            <a:r>
-              <a:rPr lang="sv-SE" sz="3600" dirty="0"/>
-              <a:t>meningkatkan</a:t>
-            </a:r>
-            <a:r>
-              <a:rPr lang="sv-SE" sz="4000" dirty="0"/>
-              <a:t> akurasi prediksi xG?</a:t>
-            </a:r>
-          </a:p>
-          <a:p>
-            <a:pPr marL="457200" indent="-457200">
-              <a:buFont typeface="Arial" panose="020B0604020202020204" pitchFamily="34" charset="0"/>
-              <a:buChar char="•"/>
-            </a:pPr>
-            <a:r>
-              <a:rPr lang="pt-BR" sz="4000" dirty="0"/>
-              <a:t>Seberapa efisien LightGBM dalam memproses data untuk prediksi xG?</a:t>
-            </a:r>
-            <a:endParaRPr lang="id-ID" sz="4000" dirty="0"/>
-          </a:p>
-        </p:txBody>
-      </p:sp>
-    </p:spTree>
-    <p:extLst>
-      <p:ext uri="{BB962C8B-B14F-4D97-AF65-F5344CB8AC3E}">
-        <p14:creationId xmlns:p14="http://schemas.microsoft.com/office/powerpoint/2010/main" val="4212917468"/>
+        <p14:creationId xmlns:p14="http://schemas.microsoft.com/office/powerpoint/2010/main" val="3776707092"/>
       </p:ext>
     </p:extLst>
   </p:cSld>
@@ -20298,7 +22218,7 @@
           <p:cNvPr id="2" name="Judul 1">
             <a:extLst>
               <a:ext uri="{FF2B5EF4-FFF2-40B4-BE49-F238E27FC236}">
-                <a16:creationId xmlns:a16="http://schemas.microsoft.com/office/drawing/2014/main" id="{27A6F7BB-30A8-4980-AD4A-2FB0B53FA6C9}"/>
+                <a16:creationId xmlns:a16="http://schemas.microsoft.com/office/drawing/2014/main" id="{19256B7E-1633-44AB-8584-82DF5B726834}"/>
               </a:ext>
             </a:extLst>
           </p:cNvPr>
@@ -20311,6 +22231,396 @@
         </p:nvSpPr>
         <p:spPr>
           <a:xfrm>
+            <a:off x="1167492" y="381000"/>
+            <a:ext cx="9779183" cy="1325563"/>
+          </a:xfrm>
+        </p:spPr>
+        <p:txBody>
+          <a:bodyPr rtlCol="0"/>
+          <a:lstStyle/>
+          <a:p>
+            <a:pPr rtl="0"/>
+            <a:r>
+              <a:rPr lang="en-GB" dirty="0" err="1"/>
+              <a:t>Identifikasi</a:t>
+            </a:r>
+            <a:r>
+              <a:rPr lang="en-GB" dirty="0"/>
+              <a:t> </a:t>
+            </a:r>
+            <a:r>
+              <a:rPr lang="en-GB" dirty="0" err="1"/>
+              <a:t>Masalah</a:t>
+            </a:r>
+            <a:endParaRPr lang="id-ID" dirty="0"/>
+          </a:p>
+        </p:txBody>
+      </p:sp>
+      <p:sp>
+        <p:nvSpPr>
+          <p:cNvPr id="4" name="Tampungan Konten 3">
+            <a:extLst>
+              <a:ext uri="{FF2B5EF4-FFF2-40B4-BE49-F238E27FC236}">
+                <a16:creationId xmlns:a16="http://schemas.microsoft.com/office/drawing/2014/main" id="{950677C9-3E42-427F-93B8-526692906471}"/>
+              </a:ext>
+            </a:extLst>
+          </p:cNvPr>
+          <p:cNvSpPr>
+            <a:spLocks noGrp="1"/>
+          </p:cNvSpPr>
+          <p:nvPr>
+            <p:ph idx="1"/>
+          </p:nvPr>
+        </p:nvSpPr>
+        <p:spPr>
+          <a:xfrm>
+            <a:off x="1167492" y="2020529"/>
+            <a:ext cx="9157607" cy="3347884"/>
+          </a:xfrm>
+        </p:spPr>
+        <p:txBody>
+          <a:bodyPr vert="horz" lIns="91440" tIns="45720" rIns="91440" bIns="45720" rtlCol="0" anchor="t">
+            <a:normAutofit/>
+          </a:bodyPr>
+          <a:lstStyle/>
+          <a:p>
+            <a:pPr marL="342900" indent="-342900">
+              <a:buFont typeface="Arial" panose="020B0604020202020204" pitchFamily="34" charset="0"/>
+              <a:buChar char="•"/>
+            </a:pPr>
+            <a:r>
+              <a:rPr lang="id-ID" sz="3200" dirty="0"/>
+              <a:t>Model yang umum digunakan (seperti Regresi Logistik) kesulitan menangkap </a:t>
+            </a:r>
+            <a:r>
+              <a:rPr lang="id-ID" sz="3200" b="1" dirty="0"/>
+              <a:t>pola data yang kompleks (non-linear)</a:t>
+            </a:r>
+            <a:r>
+              <a:rPr lang="id-ID" sz="3200" dirty="0"/>
+              <a:t> dalam sepak bola.</a:t>
+            </a:r>
+          </a:p>
+          <a:p>
+            <a:pPr marL="342900" indent="-342900">
+              <a:buFont typeface="Arial" panose="020B0604020202020204" pitchFamily="34" charset="0"/>
+              <a:buChar char="•"/>
+            </a:pPr>
+            <a:r>
+              <a:rPr lang="en-GB" sz="3200" dirty="0" err="1"/>
+              <a:t>Namun</a:t>
+            </a:r>
+            <a:r>
+              <a:rPr lang="en-GB" sz="3200" dirty="0"/>
+              <a:t>, a</a:t>
+            </a:r>
+            <a:r>
+              <a:rPr lang="id-ID" sz="3200" dirty="0" err="1"/>
+              <a:t>lgoritma</a:t>
+            </a:r>
+            <a:r>
+              <a:rPr lang="id-ID" sz="3200" dirty="0"/>
+              <a:t> yang lebih </a:t>
+            </a:r>
+            <a:r>
+              <a:rPr lang="en-GB" sz="3200" dirty="0" err="1"/>
+              <a:t>baik</a:t>
+            </a:r>
+            <a:r>
+              <a:rPr lang="en-GB" sz="3200" dirty="0"/>
+              <a:t> </a:t>
+            </a:r>
+            <a:r>
+              <a:rPr lang="en-GB" sz="3200" dirty="0" err="1"/>
+              <a:t>menangkap</a:t>
+            </a:r>
+            <a:r>
+              <a:rPr lang="en-GB" sz="3200" dirty="0"/>
+              <a:t> </a:t>
+            </a:r>
+            <a:r>
+              <a:rPr lang="en-GB" sz="3200" dirty="0" err="1"/>
+              <a:t>pola</a:t>
+            </a:r>
+            <a:r>
+              <a:rPr lang="en-GB" sz="3200" dirty="0"/>
+              <a:t> data non-linear</a:t>
+            </a:r>
+            <a:r>
+              <a:rPr lang="id-ID" sz="3200" dirty="0"/>
+              <a:t> </a:t>
+            </a:r>
+            <a:r>
+              <a:rPr lang="id-ID" sz="3200" dirty="0" err="1"/>
+              <a:t>seringkali</a:t>
+            </a:r>
+            <a:r>
+              <a:rPr lang="id-ID" sz="3200" dirty="0"/>
+              <a:t> </a:t>
+            </a:r>
+            <a:r>
+              <a:rPr lang="id-ID" sz="3200" b="1" dirty="0"/>
+              <a:t>tidak efisien</a:t>
+            </a:r>
+            <a:r>
+              <a:rPr lang="id-ID" sz="3200" dirty="0"/>
+              <a:t> dan </a:t>
+            </a:r>
+            <a:r>
+              <a:rPr lang="id-ID" sz="3200" b="1" dirty="0"/>
+              <a:t>lambat</a:t>
+            </a:r>
+            <a:r>
+              <a:rPr lang="id-ID" sz="3200" dirty="0"/>
+              <a:t> saat dihadapkan pada volume data yang besar.</a:t>
+            </a:r>
+          </a:p>
+        </p:txBody>
+      </p:sp>
+      <p:sp>
+        <p:nvSpPr>
+          <p:cNvPr id="9" name="Tampungan Nomor Slide 8">
+            <a:extLst>
+              <a:ext uri="{FF2B5EF4-FFF2-40B4-BE49-F238E27FC236}">
+                <a16:creationId xmlns:a16="http://schemas.microsoft.com/office/drawing/2014/main" id="{6FD448B0-743E-0045-8131-69B4EEC58365}"/>
+              </a:ext>
+            </a:extLst>
+          </p:cNvPr>
+          <p:cNvSpPr>
+            <a:spLocks noGrp="1"/>
+          </p:cNvSpPr>
+          <p:nvPr>
+            <p:ph type="sldNum" sz="quarter" idx="4"/>
+          </p:nvPr>
+        </p:nvSpPr>
+        <p:spPr>
+          <a:xfrm>
+            <a:off x="10153276" y="6356350"/>
+            <a:ext cx="1657723" cy="365125"/>
+          </a:xfrm>
+        </p:spPr>
+        <p:txBody>
+          <a:bodyPr rtlCol="0"/>
+          <a:lstStyle/>
+          <a:p>
+            <a:pPr rtl="0"/>
+            <a:fld id="{294A09A9-5501-47C1-A89A-A340965A2BE2}" type="slidenum">
+              <a:rPr lang="id-ID" smtClean="0"/>
+              <a:pPr rtl="0"/>
+              <a:t>7</a:t>
+            </a:fld>
+            <a:endParaRPr lang="id-ID"/>
+          </a:p>
+        </p:txBody>
+      </p:sp>
+    </p:spTree>
+    <p:extLst>
+      <p:ext uri="{BB962C8B-B14F-4D97-AF65-F5344CB8AC3E}">
+        <p14:creationId xmlns:p14="http://schemas.microsoft.com/office/powerpoint/2010/main" val="2563119616"/>
+      </p:ext>
+    </p:extLst>
+  </p:cSld>
+  <p:clrMapOvr>
+    <a:masterClrMapping/>
+  </p:clrMapOvr>
+</p:sld>
+</file>
+
+<file path=ppt/slides/slide8.xml><?xml version="1.0" encoding="utf-8"?>
+<p:sld xmlns:a="http://schemas.openxmlformats.org/drawingml/2006/main" xmlns:r="http://schemas.openxmlformats.org/officeDocument/2006/relationships" xmlns:p="http://schemas.openxmlformats.org/presentationml/2006/main">
+  <p:cSld>
+    <p:spTree>
+      <p:nvGrpSpPr>
+        <p:cNvPr id="1" name=""/>
+        <p:cNvGrpSpPr/>
+        <p:nvPr/>
+      </p:nvGrpSpPr>
+      <p:grpSpPr>
+        <a:xfrm>
+          <a:off x="0" y="0"/>
+          <a:ext cx="0" cy="0"/>
+          <a:chOff x="0" y="0"/>
+          <a:chExt cx="0" cy="0"/>
+        </a:xfrm>
+      </p:grpSpPr>
+      <p:sp>
+        <p:nvSpPr>
+          <p:cNvPr id="2" name="Judul 1">
+            <a:extLst>
+              <a:ext uri="{FF2B5EF4-FFF2-40B4-BE49-F238E27FC236}">
+                <a16:creationId xmlns:a16="http://schemas.microsoft.com/office/drawing/2014/main" id="{F96F75DE-8A44-4EC5-83C6-95BDDF10DFD9}"/>
+              </a:ext>
+            </a:extLst>
+          </p:cNvPr>
+          <p:cNvSpPr>
+            <a:spLocks noGrp="1"/>
+          </p:cNvSpPr>
+          <p:nvPr>
+            <p:ph type="title"/>
+          </p:nvPr>
+        </p:nvSpPr>
+        <p:spPr>
+          <a:xfrm>
+            <a:off x="1167492" y="522807"/>
+            <a:ext cx="9779183" cy="1325563"/>
+          </a:xfrm>
+        </p:spPr>
+        <p:txBody>
+          <a:bodyPr rtlCol="0"/>
+          <a:lstStyle/>
+          <a:p>
+            <a:pPr rtl="0"/>
+            <a:r>
+              <a:rPr lang="en-GB" sz="5400" dirty="0" err="1"/>
+              <a:t>Rumusan</a:t>
+            </a:r>
+            <a:r>
+              <a:rPr lang="en-GB" sz="5400" dirty="0"/>
+              <a:t> </a:t>
+            </a:r>
+            <a:r>
+              <a:rPr lang="en-GB" sz="5400" dirty="0" err="1"/>
+              <a:t>Masalah</a:t>
+            </a:r>
+            <a:endParaRPr lang="id-ID" sz="5400" dirty="0"/>
+          </a:p>
+        </p:txBody>
+      </p:sp>
+      <p:sp>
+        <p:nvSpPr>
+          <p:cNvPr id="6" name="Tampungan Nomor Slide 5">
+            <a:extLst>
+              <a:ext uri="{FF2B5EF4-FFF2-40B4-BE49-F238E27FC236}">
+                <a16:creationId xmlns:a16="http://schemas.microsoft.com/office/drawing/2014/main" id="{50B6C709-8794-DF4E-A15C-6E648F09DD12}"/>
+              </a:ext>
+            </a:extLst>
+          </p:cNvPr>
+          <p:cNvSpPr>
+            <a:spLocks noGrp="1"/>
+          </p:cNvSpPr>
+          <p:nvPr>
+            <p:ph type="sldNum" sz="quarter" idx="4"/>
+          </p:nvPr>
+        </p:nvSpPr>
+        <p:spPr/>
+        <p:txBody>
+          <a:bodyPr rtlCol="0"/>
+          <a:lstStyle/>
+          <a:p>
+            <a:pPr rtl="0"/>
+            <a:fld id="{294A09A9-5501-47C1-A89A-A340965A2BE2}" type="slidenum">
+              <a:rPr lang="id-ID" smtClean="0"/>
+              <a:pPr rtl="0"/>
+              <a:t>8</a:t>
+            </a:fld>
+            <a:endParaRPr lang="id-ID"/>
+          </a:p>
+        </p:txBody>
+      </p:sp>
+      <p:sp>
+        <p:nvSpPr>
+          <p:cNvPr id="8" name="Content Placeholder 7">
+            <a:extLst>
+              <a:ext uri="{FF2B5EF4-FFF2-40B4-BE49-F238E27FC236}">
+                <a16:creationId xmlns:a16="http://schemas.microsoft.com/office/drawing/2014/main" id="{5378EF9A-6DF2-1B01-4D25-5907CD183193}"/>
+              </a:ext>
+            </a:extLst>
+          </p:cNvPr>
+          <p:cNvSpPr>
+            <a:spLocks noGrp="1"/>
+          </p:cNvSpPr>
+          <p:nvPr>
+            <p:ph idx="1"/>
+          </p:nvPr>
+        </p:nvSpPr>
+        <p:spPr>
+          <a:xfrm>
+            <a:off x="1167493" y="2087563"/>
+            <a:ext cx="9437007" cy="2687637"/>
+          </a:xfrm>
+        </p:spPr>
+        <p:txBody>
+          <a:bodyPr/>
+          <a:lstStyle/>
+          <a:p>
+            <a:pPr marL="457200" indent="-457200">
+              <a:buFont typeface="Arial" panose="020B0604020202020204" pitchFamily="34" charset="0"/>
+              <a:buChar char="•"/>
+            </a:pPr>
+            <a:r>
+              <a:rPr lang="sv-SE" sz="4000" dirty="0"/>
+              <a:t>Bagaimana LightGBM dapat </a:t>
+            </a:r>
+            <a:r>
+              <a:rPr lang="sv-SE" sz="3600" dirty="0"/>
+              <a:t>meningkatkan</a:t>
+            </a:r>
+            <a:r>
+              <a:rPr lang="sv-SE" sz="4000" dirty="0"/>
+              <a:t> akurasi prediksi xG?</a:t>
+            </a:r>
+          </a:p>
+          <a:p>
+            <a:pPr marL="457200" indent="-457200">
+              <a:buFont typeface="Arial" panose="020B0604020202020204" pitchFamily="34" charset="0"/>
+              <a:buChar char="•"/>
+            </a:pPr>
+            <a:r>
+              <a:rPr lang="pt-BR" sz="4000" dirty="0"/>
+              <a:t>Seberapa efisien LightGBM dalam memproses data untuk prediksi xG?</a:t>
+            </a:r>
+            <a:endParaRPr lang="id-ID" sz="4000" dirty="0"/>
+          </a:p>
+        </p:txBody>
+      </p:sp>
+    </p:spTree>
+    <p:extLst>
+      <p:ext uri="{BB962C8B-B14F-4D97-AF65-F5344CB8AC3E}">
+        <p14:creationId xmlns:p14="http://schemas.microsoft.com/office/powerpoint/2010/main" val="4212917468"/>
+      </p:ext>
+    </p:extLst>
+  </p:cSld>
+  <p:clrMapOvr>
+    <a:masterClrMapping/>
+  </p:clrMapOvr>
+</p:sld>
+</file>
+
+<file path=ppt/slides/slide9.xml><?xml version="1.0" encoding="utf-8"?>
+<p:sld xmlns:a="http://schemas.openxmlformats.org/drawingml/2006/main" xmlns:r="http://schemas.openxmlformats.org/officeDocument/2006/relationships" xmlns:p="http://schemas.openxmlformats.org/presentationml/2006/main">
+  <p:cSld>
+    <p:spTree>
+      <p:nvGrpSpPr>
+        <p:cNvPr id="1" name=""/>
+        <p:cNvGrpSpPr/>
+        <p:nvPr/>
+      </p:nvGrpSpPr>
+      <p:grpSpPr>
+        <a:xfrm>
+          <a:off x="0" y="0"/>
+          <a:ext cx="0" cy="0"/>
+          <a:chOff x="0" y="0"/>
+          <a:chExt cx="0" cy="0"/>
+        </a:xfrm>
+      </p:grpSpPr>
+      <p:sp>
+        <p:nvSpPr>
+          <p:cNvPr id="2" name="Judul 1">
+            <a:extLst>
+              <a:ext uri="{FF2B5EF4-FFF2-40B4-BE49-F238E27FC236}">
+                <a16:creationId xmlns:a16="http://schemas.microsoft.com/office/drawing/2014/main" id="{27A6F7BB-30A8-4980-AD4A-2FB0B53FA6C9}"/>
+              </a:ext>
+            </a:extLst>
+          </p:cNvPr>
+          <p:cNvSpPr>
+            <a:spLocks noGrp="1"/>
+          </p:cNvSpPr>
+          <p:nvPr>
+            <p:ph type="title"/>
+          </p:nvPr>
+        </p:nvSpPr>
+        <p:spPr>
+          <a:xfrm>
             <a:off x="750430" y="381000"/>
             <a:ext cx="10678142" cy="1325563"/>
           </a:xfrm>
@@ -20431,7 +22741,7 @@
             <a:fld id="{294A09A9-5501-47C1-A89A-A340965A2BE2}" type="slidenum">
               <a:rPr lang="id-ID" smtClean="0"/>
               <a:pPr rtl="0"/>
-              <a:t>7</a:t>
+              <a:t>9</a:t>
             </a:fld>
             <a:endParaRPr lang="id-ID"/>
           </a:p>
@@ -20750,652 +23060,6 @@
     <p:extLst>
       <p:ext uri="{BB962C8B-B14F-4D97-AF65-F5344CB8AC3E}">
         <p14:creationId xmlns:p14="http://schemas.microsoft.com/office/powerpoint/2010/main" val="3396266754"/>
-      </p:ext>
-    </p:extLst>
-  </p:cSld>
-  <p:clrMapOvr>
-    <a:masterClrMapping/>
-  </p:clrMapOvr>
-</p:sld>
-</file>
-
-<file path=ppt/slides/slide8.xml><?xml version="1.0" encoding="utf-8"?>
-<p:sld xmlns:a="http://schemas.openxmlformats.org/drawingml/2006/main" xmlns:r="http://schemas.openxmlformats.org/officeDocument/2006/relationships" xmlns:p="http://schemas.openxmlformats.org/presentationml/2006/main">
-  <p:cSld>
-    <p:spTree>
-      <p:nvGrpSpPr>
-        <p:cNvPr id="1" name=""/>
-        <p:cNvGrpSpPr/>
-        <p:nvPr/>
-      </p:nvGrpSpPr>
-      <p:grpSpPr>
-        <a:xfrm>
-          <a:off x="0" y="0"/>
-          <a:ext cx="0" cy="0"/>
-          <a:chOff x="0" y="0"/>
-          <a:chExt cx="0" cy="0"/>
-        </a:xfrm>
-      </p:grpSpPr>
-      <p:sp>
-        <p:nvSpPr>
-          <p:cNvPr id="2" name="Judul 1">
-            <a:extLst>
-              <a:ext uri="{FF2B5EF4-FFF2-40B4-BE49-F238E27FC236}">
-                <a16:creationId xmlns:a16="http://schemas.microsoft.com/office/drawing/2014/main" id="{8460295B-54B9-4937-90E3-BAB9CE69E30B}"/>
-              </a:ext>
-            </a:extLst>
-          </p:cNvPr>
-          <p:cNvSpPr>
-            <a:spLocks noGrp="1"/>
-          </p:cNvSpPr>
-          <p:nvPr>
-            <p:ph type="ctrTitle"/>
-          </p:nvPr>
-        </p:nvSpPr>
-        <p:spPr>
-          <a:xfrm>
-            <a:off x="722994" y="1221850"/>
-            <a:ext cx="6245912" cy="832900"/>
-          </a:xfrm>
-        </p:spPr>
-        <p:txBody>
-          <a:bodyPr rtlCol="0"/>
-          <a:lstStyle/>
-          <a:p>
-            <a:pPr rtl="0"/>
-            <a:r>
-              <a:rPr lang="en-GB" dirty="0"/>
-              <a:t>Tujuan </a:t>
-            </a:r>
-            <a:r>
-              <a:rPr lang="en-GB" dirty="0" err="1"/>
-              <a:t>Penelitian</a:t>
-            </a:r>
-            <a:endParaRPr lang="id-ID" dirty="0"/>
-          </a:p>
-        </p:txBody>
-      </p:sp>
-      <p:sp>
-        <p:nvSpPr>
-          <p:cNvPr id="4" name="Tampungan Teks 3">
-            <a:extLst>
-              <a:ext uri="{FF2B5EF4-FFF2-40B4-BE49-F238E27FC236}">
-                <a16:creationId xmlns:a16="http://schemas.microsoft.com/office/drawing/2014/main" id="{D51A6D85-3837-435F-A342-5A3F98172B12}"/>
-              </a:ext>
-            </a:extLst>
-          </p:cNvPr>
-          <p:cNvSpPr>
-            <a:spLocks noGrp="1"/>
-          </p:cNvSpPr>
-          <p:nvPr>
-            <p:ph type="subTitle" idx="1"/>
-          </p:nvPr>
-        </p:nvSpPr>
-        <p:spPr>
-          <a:xfrm>
-            <a:off x="722994" y="2624675"/>
-            <a:ext cx="6245912" cy="2595025"/>
-          </a:xfrm>
-        </p:spPr>
-        <p:txBody>
-          <a:bodyPr vert="horz" lIns="91440" tIns="45720" rIns="91440" bIns="45720" rtlCol="0" anchor="t">
-            <a:normAutofit fontScale="92500" lnSpcReduction="10000"/>
-          </a:bodyPr>
-          <a:lstStyle/>
-          <a:p>
-            <a:pPr marL="457200" indent="-457200">
-              <a:buFont typeface="Arial" panose="020B0604020202020204" pitchFamily="34" charset="0"/>
-              <a:buChar char="•"/>
-            </a:pPr>
-            <a:r>
-              <a:rPr lang="id-ID" sz="2400" dirty="0"/>
-              <a:t>Mengimplementasikan algoritma </a:t>
-            </a:r>
-            <a:r>
-              <a:rPr lang="id-ID" sz="2400" dirty="0" err="1"/>
-              <a:t>LightGBM</a:t>
-            </a:r>
-            <a:r>
-              <a:rPr lang="id-ID" sz="2400" dirty="0"/>
-              <a:t> untuk membangun model prediksi </a:t>
-            </a:r>
-            <a:r>
-              <a:rPr lang="id-ID" sz="2400" dirty="0" err="1"/>
-              <a:t>xG</a:t>
-            </a:r>
-            <a:r>
-              <a:rPr lang="en-GB" sz="2400" dirty="0"/>
-              <a:t>.</a:t>
-            </a:r>
-          </a:p>
-          <a:p>
-            <a:pPr marL="457200" indent="-457200">
-              <a:buFont typeface="Arial" panose="020B0604020202020204" pitchFamily="34" charset="0"/>
-              <a:buChar char="•"/>
-            </a:pPr>
-            <a:r>
-              <a:rPr lang="id-ID" sz="2400" dirty="0"/>
-              <a:t>Mengukur </a:t>
-            </a:r>
-            <a:r>
-              <a:rPr lang="id-ID" sz="2400" b="1" dirty="0"/>
-              <a:t>tingkat akurasi</a:t>
-            </a:r>
-            <a:r>
-              <a:rPr lang="id-ID" sz="2400" dirty="0"/>
-              <a:t> prediksi model menggunakan serangkaian metrik yang telah ditentukan.</a:t>
-            </a:r>
-            <a:endParaRPr lang="en-GB" sz="2400" dirty="0"/>
-          </a:p>
-          <a:p>
-            <a:pPr marL="457200" indent="-457200">
-              <a:buFont typeface="Arial" panose="020B0604020202020204" pitchFamily="34" charset="0"/>
-              <a:buChar char="•"/>
-            </a:pPr>
-            <a:r>
-              <a:rPr lang="id-ID" sz="2400" dirty="0"/>
-              <a:t>Mengukur </a:t>
-            </a:r>
-            <a:r>
-              <a:rPr lang="id-ID" sz="2400" b="1" dirty="0"/>
-              <a:t>efisiensi komputasi</a:t>
-            </a:r>
-            <a:r>
-              <a:rPr lang="id-ID" sz="2400" dirty="0"/>
-              <a:t> model berdasarkan waktu pemrosesan yang dibutuhkan.</a:t>
-            </a:r>
-            <a:endParaRPr lang="en-GB" sz="2400" dirty="0"/>
-          </a:p>
-          <a:p>
-            <a:pPr marL="457200" indent="-457200">
-              <a:buFont typeface="Arial" panose="020B0604020202020204" pitchFamily="34" charset="0"/>
-              <a:buChar char="•"/>
-            </a:pPr>
-            <a:endParaRPr lang="id-ID" sz="2400" dirty="0"/>
-          </a:p>
-        </p:txBody>
-      </p:sp>
-    </p:spTree>
-    <p:extLst>
-      <p:ext uri="{BB962C8B-B14F-4D97-AF65-F5344CB8AC3E}">
-        <p14:creationId xmlns:p14="http://schemas.microsoft.com/office/powerpoint/2010/main" val="3446797337"/>
-      </p:ext>
-    </p:extLst>
-  </p:cSld>
-  <p:clrMapOvr>
-    <a:masterClrMapping/>
-  </p:clrMapOvr>
-</p:sld>
-</file>
-
-<file path=ppt/slides/slide9.xml><?xml version="1.0" encoding="utf-8"?>
-<p:sld xmlns:a="http://schemas.openxmlformats.org/drawingml/2006/main" xmlns:r="http://schemas.openxmlformats.org/officeDocument/2006/relationships" xmlns:p="http://schemas.openxmlformats.org/presentationml/2006/main">
-  <p:cSld>
-    <p:spTree>
-      <p:nvGrpSpPr>
-        <p:cNvPr id="1" name=""/>
-        <p:cNvGrpSpPr/>
-        <p:nvPr/>
-      </p:nvGrpSpPr>
-      <p:grpSpPr>
-        <a:xfrm>
-          <a:off x="0" y="0"/>
-          <a:ext cx="0" cy="0"/>
-          <a:chOff x="0" y="0"/>
-          <a:chExt cx="0" cy="0"/>
-        </a:xfrm>
-      </p:grpSpPr>
-      <p:sp>
-        <p:nvSpPr>
-          <p:cNvPr id="2" name="Judul 1">
-            <a:extLst>
-              <a:ext uri="{FF2B5EF4-FFF2-40B4-BE49-F238E27FC236}">
-                <a16:creationId xmlns:a16="http://schemas.microsoft.com/office/drawing/2014/main" id="{27A6F7BB-30A8-4980-AD4A-2FB0B53FA6C9}"/>
-              </a:ext>
-            </a:extLst>
-          </p:cNvPr>
-          <p:cNvSpPr>
-            <a:spLocks noGrp="1"/>
-          </p:cNvSpPr>
-          <p:nvPr>
-            <p:ph type="title"/>
-          </p:nvPr>
-        </p:nvSpPr>
-        <p:spPr>
-          <a:xfrm>
-            <a:off x="750430" y="381001"/>
-            <a:ext cx="8401624" cy="800100"/>
-          </a:xfrm>
-        </p:spPr>
-        <p:txBody>
-          <a:bodyPr rtlCol="0"/>
-          <a:lstStyle/>
-          <a:p>
-            <a:pPr rtl="0"/>
-            <a:r>
-              <a:rPr lang="en-GB" dirty="0" err="1"/>
-              <a:t>Landasan</a:t>
-            </a:r>
-            <a:r>
-              <a:rPr lang="en-GB" dirty="0"/>
-              <a:t> Teori</a:t>
-            </a:r>
-            <a:endParaRPr lang="id-ID" dirty="0"/>
-          </a:p>
-        </p:txBody>
-      </p:sp>
-      <p:sp>
-        <p:nvSpPr>
-          <p:cNvPr id="30" name="Content Placeholder 7">
-            <a:extLst>
-              <a:ext uri="{FF2B5EF4-FFF2-40B4-BE49-F238E27FC236}">
-                <a16:creationId xmlns:a16="http://schemas.microsoft.com/office/drawing/2014/main" id="{3356F53D-93D5-F6C0-E8ED-84F1016A46C5}"/>
-              </a:ext>
-            </a:extLst>
-          </p:cNvPr>
-          <p:cNvSpPr txBox="1">
-            <a:spLocks/>
-          </p:cNvSpPr>
-          <p:nvPr/>
-        </p:nvSpPr>
-        <p:spPr>
-          <a:xfrm>
-            <a:off x="296406" y="1785144"/>
-            <a:ext cx="6132969" cy="2687637"/>
-          </a:xfrm>
-          <a:prstGeom prst="rect">
-            <a:avLst/>
-          </a:prstGeom>
-        </p:spPr>
-        <p:txBody>
-          <a:bodyPr/>
-          <a:lstStyle>
-            <a:lvl1pPr marL="228600" indent="-228600" algn="l" defTabSz="914400" rtl="0" eaLnBrk="1" latinLnBrk="0" hangingPunct="1">
-              <a:lnSpc>
-                <a:spcPct val="90000"/>
-              </a:lnSpc>
-              <a:spcBef>
-                <a:spcPts val="1000"/>
-              </a:spcBef>
-              <a:buFont typeface="Arial" panose="020B0604020202020204" pitchFamily="34" charset="0"/>
-              <a:buChar char="•"/>
-              <a:defRPr sz="2800" kern="1200">
-                <a:solidFill>
-                  <a:schemeClr val="tx1"/>
-                </a:solidFill>
-                <a:latin typeface="+mn-lt"/>
-                <a:ea typeface="+mn-ea"/>
-                <a:cs typeface="+mn-cs"/>
-              </a:defRPr>
-            </a:lvl1pPr>
-            <a:lvl2pPr marL="685800" indent="-228600" algn="l" defTabSz="914400" rtl="0" eaLnBrk="1" latinLnBrk="0" hangingPunct="1">
-              <a:lnSpc>
-                <a:spcPct val="90000"/>
-              </a:lnSpc>
-              <a:spcBef>
-                <a:spcPts val="500"/>
-              </a:spcBef>
-              <a:buFont typeface="Arial" panose="020B0604020202020204" pitchFamily="34" charset="0"/>
-              <a:buChar char="•"/>
-              <a:defRPr sz="2400" kern="1200">
-                <a:solidFill>
-                  <a:schemeClr val="tx1"/>
-                </a:solidFill>
-                <a:latin typeface="+mn-lt"/>
-                <a:ea typeface="+mn-ea"/>
-                <a:cs typeface="+mn-cs"/>
-              </a:defRPr>
-            </a:lvl2pPr>
-            <a:lvl3pPr marL="1143000" indent="-228600" algn="l" defTabSz="914400" rtl="0" eaLnBrk="1" latinLnBrk="0" hangingPunct="1">
-              <a:lnSpc>
-                <a:spcPct val="90000"/>
-              </a:lnSpc>
-              <a:spcBef>
-                <a:spcPts val="500"/>
-              </a:spcBef>
-              <a:buFont typeface="Arial" panose="020B0604020202020204" pitchFamily="34" charset="0"/>
-              <a:buChar char="•"/>
-              <a:defRPr sz="2000" kern="1200">
-                <a:solidFill>
-                  <a:schemeClr val="tx1"/>
-                </a:solidFill>
-                <a:latin typeface="+mn-lt"/>
-                <a:ea typeface="+mn-ea"/>
-                <a:cs typeface="+mn-cs"/>
-              </a:defRPr>
-            </a:lvl3pPr>
-            <a:lvl4pPr marL="1600200" indent="-228600" algn="l" defTabSz="914400" rtl="0" eaLnBrk="1" latinLnBrk="0" hangingPunct="1">
-              <a:lnSpc>
-                <a:spcPct val="90000"/>
-              </a:lnSpc>
-              <a:spcBef>
-                <a:spcPts val="500"/>
-              </a:spcBef>
-              <a:buFont typeface="Arial" panose="020B0604020202020204" pitchFamily="34" charset="0"/>
-              <a:buChar char="•"/>
-              <a:defRPr sz="1800" kern="1200">
-                <a:solidFill>
-                  <a:schemeClr val="tx1"/>
-                </a:solidFill>
-                <a:latin typeface="+mn-lt"/>
-                <a:ea typeface="+mn-ea"/>
-                <a:cs typeface="+mn-cs"/>
-              </a:defRPr>
-            </a:lvl4pPr>
-            <a:lvl5pPr marL="2057400" indent="-228600" algn="l" defTabSz="914400" rtl="0" eaLnBrk="1" latinLnBrk="0" hangingPunct="1">
-              <a:lnSpc>
-                <a:spcPct val="90000"/>
-              </a:lnSpc>
-              <a:spcBef>
-                <a:spcPts val="500"/>
-              </a:spcBef>
-              <a:buFont typeface="Arial" panose="020B0604020202020204" pitchFamily="34" charset="0"/>
-              <a:buChar char="•"/>
-              <a:defRPr sz="1800" kern="1200">
-                <a:solidFill>
-                  <a:schemeClr val="tx1"/>
-                </a:solidFill>
-                <a:latin typeface="+mn-lt"/>
-                <a:ea typeface="+mn-ea"/>
-                <a:cs typeface="+mn-cs"/>
-              </a:defRPr>
-            </a:lvl5pPr>
-            <a:lvl6pPr marL="2514600" indent="-228600" algn="l" defTabSz="914400" rtl="0" eaLnBrk="1" latinLnBrk="0" hangingPunct="1">
-              <a:lnSpc>
-                <a:spcPct val="90000"/>
-              </a:lnSpc>
-              <a:spcBef>
-                <a:spcPts val="500"/>
-              </a:spcBef>
-              <a:buFont typeface="Arial" panose="020B0604020202020204" pitchFamily="34" charset="0"/>
-              <a:buChar char="•"/>
-              <a:defRPr sz="1800" kern="1200">
-                <a:solidFill>
-                  <a:schemeClr val="tx1"/>
-                </a:solidFill>
-                <a:latin typeface="+mn-lt"/>
-                <a:ea typeface="+mn-ea"/>
-                <a:cs typeface="+mn-cs"/>
-              </a:defRPr>
-            </a:lvl6pPr>
-            <a:lvl7pPr marL="2971800" indent="-228600" algn="l" defTabSz="914400" rtl="0" eaLnBrk="1" latinLnBrk="0" hangingPunct="1">
-              <a:lnSpc>
-                <a:spcPct val="90000"/>
-              </a:lnSpc>
-              <a:spcBef>
-                <a:spcPts val="500"/>
-              </a:spcBef>
-              <a:buFont typeface="Arial" panose="020B0604020202020204" pitchFamily="34" charset="0"/>
-              <a:buChar char="•"/>
-              <a:defRPr sz="1800" kern="1200">
-                <a:solidFill>
-                  <a:schemeClr val="tx1"/>
-                </a:solidFill>
-                <a:latin typeface="+mn-lt"/>
-                <a:ea typeface="+mn-ea"/>
-                <a:cs typeface="+mn-cs"/>
-              </a:defRPr>
-            </a:lvl7pPr>
-            <a:lvl8pPr marL="3429000" indent="-228600" algn="l" defTabSz="914400" rtl="0" eaLnBrk="1" latinLnBrk="0" hangingPunct="1">
-              <a:lnSpc>
-                <a:spcPct val="90000"/>
-              </a:lnSpc>
-              <a:spcBef>
-                <a:spcPts val="500"/>
-              </a:spcBef>
-              <a:buFont typeface="Arial" panose="020B0604020202020204" pitchFamily="34" charset="0"/>
-              <a:buChar char="•"/>
-              <a:defRPr sz="1800" kern="1200">
-                <a:solidFill>
-                  <a:schemeClr val="tx1"/>
-                </a:solidFill>
-                <a:latin typeface="+mn-lt"/>
-                <a:ea typeface="+mn-ea"/>
-                <a:cs typeface="+mn-cs"/>
-              </a:defRPr>
-            </a:lvl8pPr>
-            <a:lvl9pPr marL="3886200" indent="-228600" algn="l" defTabSz="914400" rtl="0" eaLnBrk="1" latinLnBrk="0" hangingPunct="1">
-              <a:lnSpc>
-                <a:spcPct val="90000"/>
-              </a:lnSpc>
-              <a:spcBef>
-                <a:spcPts val="500"/>
-              </a:spcBef>
-              <a:buFont typeface="Arial" panose="020B0604020202020204" pitchFamily="34" charset="0"/>
-              <a:buChar char="•"/>
-              <a:defRPr sz="1800" kern="1200">
-                <a:solidFill>
-                  <a:schemeClr val="tx1"/>
-                </a:solidFill>
-                <a:latin typeface="+mn-lt"/>
-                <a:ea typeface="+mn-ea"/>
-                <a:cs typeface="+mn-cs"/>
-              </a:defRPr>
-            </a:lvl9pPr>
-          </a:lstStyle>
-          <a:p>
-            <a:pPr marL="457200" indent="-457200"/>
-            <a:r>
-              <a:rPr lang="id-ID" sz="2400" b="1" dirty="0" err="1"/>
-              <a:t>xG</a:t>
-            </a:r>
-            <a:r>
-              <a:rPr lang="id-ID" sz="2400" dirty="0"/>
-              <a:t> adalah metrik untuk mengukur </a:t>
-            </a:r>
-            <a:r>
-              <a:rPr lang="id-ID" sz="2400" b="1" dirty="0"/>
-              <a:t>kualitas sebuah peluang tembakan</a:t>
-            </a:r>
-            <a:r>
-              <a:rPr lang="en-GB" sz="2400" b="1" dirty="0"/>
-              <a:t> </a:t>
-            </a:r>
-            <a:r>
-              <a:rPr lang="en-GB" sz="2400" b="1" dirty="0" err="1"/>
-              <a:t>menggunakan</a:t>
-            </a:r>
-            <a:r>
-              <a:rPr lang="en-GB" sz="2400" b="1" dirty="0"/>
-              <a:t> </a:t>
-            </a:r>
-            <a:r>
-              <a:rPr lang="en-GB" sz="2400" b="1" dirty="0" err="1"/>
-              <a:t>probabilitas</a:t>
-            </a:r>
-            <a:r>
-              <a:rPr lang="id-ID" sz="2400" dirty="0"/>
-              <a:t>.</a:t>
-            </a:r>
-            <a:endParaRPr lang="en-GB" sz="2400" dirty="0"/>
-          </a:p>
-          <a:p>
-            <a:pPr marL="457200" indent="-457200"/>
-            <a:r>
-              <a:rPr lang="en-GB" sz="2400" dirty="0"/>
-              <a:t>Pada </a:t>
-            </a:r>
-            <a:r>
-              <a:rPr lang="en-GB" sz="2400" dirty="0" err="1"/>
-              <a:t>umumnya</a:t>
-            </a:r>
-            <a:r>
-              <a:rPr lang="en-GB" sz="2400" dirty="0"/>
-              <a:t> </a:t>
-            </a:r>
-            <a:r>
-              <a:rPr lang="id-ID" sz="2400" dirty="0"/>
-              <a:t>Model </a:t>
-            </a:r>
-            <a:r>
-              <a:rPr lang="id-ID" sz="2400" dirty="0" err="1"/>
-              <a:t>xG</a:t>
-            </a:r>
-            <a:r>
-              <a:rPr lang="id-ID" sz="2400" dirty="0"/>
-              <a:t> menganalisis ribuan data tembakan historis dengan mempertimbangkan berbagai faktor, seperti:</a:t>
-            </a:r>
-            <a:endParaRPr lang="en-GB" sz="2400" dirty="0"/>
-          </a:p>
-          <a:p>
-            <a:pPr lvl="1"/>
-            <a:r>
-              <a:rPr lang="id-ID" sz="2000" dirty="0"/>
-              <a:t>Jarak dan sudut tembakan</a:t>
-            </a:r>
-          </a:p>
-          <a:p>
-            <a:pPr lvl="1"/>
-            <a:r>
-              <a:rPr lang="id-ID" sz="2000" dirty="0"/>
-              <a:t>Bagian tubuh yang digunakan (kaki atau kepala)</a:t>
-            </a:r>
-          </a:p>
-          <a:p>
-            <a:pPr lvl="1"/>
-            <a:r>
-              <a:rPr lang="id-ID" sz="2000" dirty="0"/>
-              <a:t>Jenis permainan yang mendahului tembakan (umpan terobosan, dll.). (</a:t>
-            </a:r>
-            <a:r>
-              <a:rPr lang="id-ID" sz="2000" dirty="0" err="1"/>
-              <a:t>Olvera-Rojas</a:t>
-            </a:r>
-            <a:r>
-              <a:rPr lang="id-ID" sz="2000" dirty="0"/>
-              <a:t> </a:t>
-            </a:r>
-            <a:r>
-              <a:rPr lang="id-ID" sz="2000" dirty="0" err="1"/>
-              <a:t>et</a:t>
-            </a:r>
-            <a:r>
-              <a:rPr lang="id-ID" sz="2000" dirty="0"/>
-              <a:t> </a:t>
-            </a:r>
-            <a:r>
-              <a:rPr lang="id-ID" sz="2000" dirty="0" err="1"/>
-              <a:t>al.</a:t>
-            </a:r>
-            <a:r>
-              <a:rPr lang="id-ID" sz="2000" dirty="0"/>
-              <a:t>, 2023).</a:t>
-            </a:r>
-          </a:p>
-          <a:p>
-            <a:pPr marL="457200" indent="-457200"/>
-            <a:endParaRPr lang="id-ID" sz="2400" dirty="0"/>
-          </a:p>
-        </p:txBody>
-      </p:sp>
-      <p:sp>
-        <p:nvSpPr>
-          <p:cNvPr id="32" name="Judul 1">
-            <a:extLst>
-              <a:ext uri="{FF2B5EF4-FFF2-40B4-BE49-F238E27FC236}">
-                <a16:creationId xmlns:a16="http://schemas.microsoft.com/office/drawing/2014/main" id="{B27BB883-ED93-314A-0678-70F078C6176D}"/>
-              </a:ext>
-            </a:extLst>
-          </p:cNvPr>
-          <p:cNvSpPr txBox="1">
-            <a:spLocks/>
-          </p:cNvSpPr>
-          <p:nvPr/>
-        </p:nvSpPr>
-        <p:spPr>
-          <a:xfrm>
-            <a:off x="750430" y="1181101"/>
-            <a:ext cx="8401624" cy="444499"/>
-          </a:xfrm>
-          <a:prstGeom prst="rect">
-            <a:avLst/>
-          </a:prstGeom>
-        </p:spPr>
-        <p:txBody>
-          <a:bodyPr vert="horz" lIns="0" tIns="45720" rIns="91440" bIns="45720" rtlCol="0" anchor="b">
-            <a:noAutofit/>
-          </a:bodyPr>
-          <a:lstStyle>
-            <a:lvl1pPr algn="l" defTabSz="914400" rtl="0" eaLnBrk="1" latinLnBrk="0" hangingPunct="1">
-              <a:lnSpc>
-                <a:spcPct val="90000"/>
-              </a:lnSpc>
-              <a:spcBef>
-                <a:spcPct val="0"/>
-              </a:spcBef>
-              <a:buNone/>
-              <a:defRPr sz="4800" b="1" kern="1200">
-                <a:solidFill>
-                  <a:schemeClr val="tx1"/>
-                </a:solidFill>
-                <a:latin typeface="+mj-lt"/>
-                <a:ea typeface="+mj-ea"/>
-                <a:cs typeface="+mj-cs"/>
-              </a:defRPr>
-            </a:lvl1pPr>
-          </a:lstStyle>
-          <a:p>
-            <a:r>
-              <a:rPr lang="en-GB" sz="4000" b="0" i="1" dirty="0"/>
-              <a:t>Expected Goals (</a:t>
-            </a:r>
-            <a:r>
-              <a:rPr lang="en-GB" sz="4000" b="0" i="1" dirty="0" err="1"/>
-              <a:t>xG</a:t>
-            </a:r>
-            <a:r>
-              <a:rPr lang="en-GB" sz="4000" b="0" i="1" dirty="0"/>
-              <a:t>)</a:t>
-            </a:r>
-            <a:endParaRPr lang="id-ID" sz="4000" b="0" i="1" dirty="0"/>
-          </a:p>
-        </p:txBody>
-      </p:sp>
-      <p:pic>
-        <p:nvPicPr>
-          <p:cNvPr id="33" name="Picture 32" descr="Alexis Sanchez expected goals (xG) map 2022-23">
-            <a:extLst>
-              <a:ext uri="{FF2B5EF4-FFF2-40B4-BE49-F238E27FC236}">
-                <a16:creationId xmlns:a16="http://schemas.microsoft.com/office/drawing/2014/main" id="{8E2FB1A2-49A7-E85E-D4F3-2E05EE718439}"/>
-              </a:ext>
-            </a:extLst>
-          </p:cNvPr>
-          <p:cNvPicPr>
-            <a:picLocks noChangeAspect="1"/>
-          </p:cNvPicPr>
-          <p:nvPr/>
-        </p:nvPicPr>
-        <p:blipFill>
-          <a:blip r:embed="rId3" cstate="print">
-            <a:extLst>
-              <a:ext uri="{28A0092B-C50C-407E-A947-70E740481C1C}">
-                <a14:useLocalDpi xmlns:a14="http://schemas.microsoft.com/office/drawing/2010/main" val="0"/>
-              </a:ext>
-            </a:extLst>
-          </a:blip>
-          <a:srcRect/>
-          <a:stretch>
-            <a:fillRect/>
-          </a:stretch>
-        </p:blipFill>
-        <p:spPr bwMode="auto">
-          <a:xfrm>
-            <a:off x="6289673" y="1403350"/>
-            <a:ext cx="5902327" cy="4426745"/>
-          </a:xfrm>
-          <a:prstGeom prst="rect">
-            <a:avLst/>
-          </a:prstGeom>
-          <a:noFill/>
-          <a:ln>
-            <a:noFill/>
-          </a:ln>
-        </p:spPr>
-      </p:pic>
-    </p:spTree>
-    <p:extLst>
-      <p:ext uri="{BB962C8B-B14F-4D97-AF65-F5344CB8AC3E}">
-        <p14:creationId xmlns:p14="http://schemas.microsoft.com/office/powerpoint/2010/main" val="3335690284"/>
       </p:ext>
     </p:extLst>
   </p:cSld>
